--- a/semester-1/Research Skills/presentation - 2/research skills.pptx
+++ b/semester-1/Research Skills/presentation - 2/research skills.pptx
@@ -5,51 +5,30 @@
     <p:sldMasterId id="2147483649" r:id="rId1"/>
   </p:sldMasterIdLst>
   <p:notesMasterIdLst>
-    <p:notesMasterId r:id="rId41"/>
+    <p:notesMasterId r:id="rId20"/>
   </p:notesMasterIdLst>
   <p:handoutMasterIdLst>
-    <p:handoutMasterId r:id="rId42"/>
+    <p:handoutMasterId r:id="rId21"/>
   </p:handoutMasterIdLst>
   <p:sldIdLst>
     <p:sldId id="256" r:id="rId2"/>
     <p:sldId id="314" r:id="rId3"/>
     <p:sldId id="267" r:id="rId4"/>
     <p:sldId id="277" r:id="rId5"/>
-    <p:sldId id="281" r:id="rId6"/>
-    <p:sldId id="275" r:id="rId7"/>
-    <p:sldId id="282" r:id="rId8"/>
-    <p:sldId id="285" r:id="rId9"/>
-    <p:sldId id="279" r:id="rId10"/>
-    <p:sldId id="284" r:id="rId11"/>
-    <p:sldId id="283" r:id="rId12"/>
-    <p:sldId id="289" r:id="rId13"/>
-    <p:sldId id="291" r:id="rId14"/>
-    <p:sldId id="286" r:id="rId15"/>
-    <p:sldId id="292" r:id="rId16"/>
-    <p:sldId id="293" r:id="rId17"/>
-    <p:sldId id="272" r:id="rId18"/>
-    <p:sldId id="287" r:id="rId19"/>
-    <p:sldId id="294" r:id="rId20"/>
-    <p:sldId id="295" r:id="rId21"/>
-    <p:sldId id="288" r:id="rId22"/>
-    <p:sldId id="296" r:id="rId23"/>
-    <p:sldId id="280" r:id="rId24"/>
-    <p:sldId id="297" r:id="rId25"/>
-    <p:sldId id="298" r:id="rId26"/>
-    <p:sldId id="300" r:id="rId27"/>
-    <p:sldId id="301" r:id="rId28"/>
-    <p:sldId id="312" r:id="rId29"/>
-    <p:sldId id="302" r:id="rId30"/>
-    <p:sldId id="303" r:id="rId31"/>
-    <p:sldId id="304" r:id="rId32"/>
-    <p:sldId id="311" r:id="rId33"/>
-    <p:sldId id="305" r:id="rId34"/>
-    <p:sldId id="306" r:id="rId35"/>
-    <p:sldId id="307" r:id="rId36"/>
-    <p:sldId id="309" r:id="rId37"/>
-    <p:sldId id="310" r:id="rId38"/>
-    <p:sldId id="308" r:id="rId39"/>
-    <p:sldId id="313" r:id="rId40"/>
+    <p:sldId id="326" r:id="rId6"/>
+    <p:sldId id="281" r:id="rId7"/>
+    <p:sldId id="315" r:id="rId8"/>
+    <p:sldId id="316" r:id="rId9"/>
+    <p:sldId id="317" r:id="rId10"/>
+    <p:sldId id="275" r:id="rId11"/>
+    <p:sldId id="318" r:id="rId12"/>
+    <p:sldId id="319" r:id="rId13"/>
+    <p:sldId id="320" r:id="rId14"/>
+    <p:sldId id="321" r:id="rId15"/>
+    <p:sldId id="322" r:id="rId16"/>
+    <p:sldId id="323" r:id="rId17"/>
+    <p:sldId id="324" r:id="rId18"/>
+    <p:sldId id="327" r:id="rId19"/>
   </p:sldIdLst>
   <p:sldSz cx="9144000" cy="6858000" type="screen4x3"/>
   <p:notesSz cx="6562725" cy="8686800"/>
@@ -1739,7 +1718,7 @@
               <a:pPr>
                 <a:defRPr/>
               </a:pPr>
-              <a:t>19.05.2022</a:t>
+              <a:t>2.06.2022</a:t>
             </a:fld>
             <a:endParaRPr lang="pl-PL"/>
           </a:p>
@@ -1957,7 +1936,7 @@
               <a:pPr>
                 <a:defRPr/>
               </a:pPr>
-              <a:t>19.05.2022</a:t>
+              <a:t>2.06.2022</a:t>
             </a:fld>
             <a:endParaRPr lang="pl-PL"/>
           </a:p>
@@ -2283,91 +2262,6 @@
     </a:lvl9pPr>
   </p:notesStyle>
 </p:notesMaster>
-</file>
-
-<file path=ppt/notesSlides/notesSlide1.xml><?xml version="1.0" encoding="utf-8"?>
-<p:notes xmlns:a="http://schemas.openxmlformats.org/drawingml/2006/main" xmlns:r="http://schemas.openxmlformats.org/officeDocument/2006/relationships" xmlns:p="http://schemas.openxmlformats.org/presentationml/2006/main">
-  <p:cSld>
-    <p:spTree>
-      <p:nvGrpSpPr>
-        <p:cNvPr id="1" name=""/>
-        <p:cNvGrpSpPr/>
-        <p:nvPr/>
-      </p:nvGrpSpPr>
-      <p:grpSpPr>
-        <a:xfrm>
-          <a:off x="0" y="0"/>
-          <a:ext cx="0" cy="0"/>
-          <a:chOff x="0" y="0"/>
-          <a:chExt cx="0" cy="0"/>
-        </a:xfrm>
-      </p:grpSpPr>
-      <p:sp>
-        <p:nvSpPr>
-          <p:cNvPr id="2" name="Slide Image Placeholder 1"/>
-          <p:cNvSpPr>
-            <a:spLocks noGrp="1" noRot="1" noChangeAspect="1"/>
-          </p:cNvSpPr>
-          <p:nvPr>
-            <p:ph type="sldImg"/>
-          </p:nvPr>
-        </p:nvSpPr>
-        <p:spPr/>
-      </p:sp>
-      <p:sp>
-        <p:nvSpPr>
-          <p:cNvPr id="3" name="Notes Placeholder 2"/>
-          <p:cNvSpPr>
-            <a:spLocks noGrp="1"/>
-          </p:cNvSpPr>
-          <p:nvPr>
-            <p:ph type="body" idx="1"/>
-          </p:nvPr>
-        </p:nvSpPr>
-        <p:spPr/>
-        <p:txBody>
-          <a:bodyPr/>
-          <a:lstStyle/>
-          <a:p>
-            <a:endParaRPr lang="en-US" dirty="0"/>
-          </a:p>
-        </p:txBody>
-      </p:sp>
-      <p:sp>
-        <p:nvSpPr>
-          <p:cNvPr id="4" name="Slide Number Placeholder 3"/>
-          <p:cNvSpPr>
-            <a:spLocks noGrp="1"/>
-          </p:cNvSpPr>
-          <p:nvPr>
-            <p:ph type="sldNum" sz="quarter" idx="5"/>
-          </p:nvPr>
-        </p:nvSpPr>
-        <p:spPr/>
-        <p:txBody>
-          <a:bodyPr/>
-          <a:lstStyle/>
-          <a:p>
-            <a:fld id="{12720238-7FEE-4C5A-AA39-827386B95650}" type="slidenum">
-              <a:rPr lang="pl-PL" altLang="en-US" smtClean="0"/>
-              <a:pPr/>
-              <a:t>15</a:t>
-            </a:fld>
-            <a:endParaRPr lang="pl-PL" altLang="en-US"/>
-          </a:p>
-        </p:txBody>
-      </p:sp>
-    </p:spTree>
-    <p:extLst>
-      <p:ext uri="{BB962C8B-B14F-4D97-AF65-F5344CB8AC3E}">
-        <p14:creationId xmlns:p14="http://schemas.microsoft.com/office/powerpoint/2010/main" val="1863023551"/>
-      </p:ext>
-    </p:extLst>
-  </p:cSld>
-  <p:clrMapOvr>
-    <a:masterClrMapping/>
-  </p:clrMapOvr>
-</p:notes>
 </file>
 
 <file path=ppt/slideLayouts/slideLayout1.xml><?xml version="1.0" encoding="utf-8"?>
@@ -8063,7 +7957,7 @@
         </p:nvSpPr>
         <p:spPr bwMode="auto">
           <a:xfrm>
-            <a:off x="1508166" y="1844675"/>
+            <a:off x="1382755" y="1600200"/>
             <a:ext cx="7635833" cy="5013325"/>
           </a:xfrm>
           <a:prstGeom prst="rect">
@@ -8482,10 +8376,10 @@
       </p:grpSpPr>
       <p:sp>
         <p:nvSpPr>
-          <p:cNvPr id="17412" name="Symbol zastępczy tekstu 3">
+          <p:cNvPr id="14338" name="Symbol zastępczy zawartości 1">
             <a:extLst>
               <a:ext uri="{FF2B5EF4-FFF2-40B4-BE49-F238E27FC236}">
-                <a16:creationId xmlns:a16="http://schemas.microsoft.com/office/drawing/2014/main" id="{F65B385F-E65B-4938-B450-3202A9BE019F}"/>
+                <a16:creationId xmlns:a16="http://schemas.microsoft.com/office/drawing/2014/main" id="{56887BCD-F3D0-4546-A292-991E85A91EB2}"/>
               </a:ext>
             </a:extLst>
           </p:cNvPr>
@@ -8493,32 +8387,74 @@
             <a:spLocks noGrp="1"/>
           </p:cNvSpPr>
           <p:nvPr>
-            <p:ph type="body" idx="12"/>
+            <p:ph sz="half" idx="1"/>
           </p:nvPr>
         </p:nvSpPr>
         <p:spPr>
           <a:xfrm>
-            <a:off x="755650" y="115888"/>
-            <a:ext cx="8262938" cy="865187"/>
+            <a:off x="609600" y="1371600"/>
+            <a:ext cx="8262938" cy="5256212"/>
           </a:xfrm>
         </p:spPr>
         <p:txBody>
           <a:bodyPr/>
           <a:lstStyle/>
           <a:p>
-            <a:r>
-              <a:rPr lang="en-US" altLang="en-US" sz="3500" dirty="0"/>
-              <a:t>Supervised and unsupervised learning</a:t>
-            </a:r>
+            <a:pPr marL="857250" lvl="1" indent="-342900"/>
+            <a:r>
+              <a:rPr lang="en-US" b="1" dirty="0"/>
+              <a:t>Information: </a:t>
+            </a:r>
+            <a:r>
+              <a:rPr lang="en-US" dirty="0"/>
+              <a:t>interpreted data. (gut feel)</a:t>
+            </a:r>
+          </a:p>
+          <a:p>
+            <a:pPr marL="857250" lvl="1" indent="-342900"/>
+            <a:r>
+              <a:rPr lang="en-US" b="1" dirty="0"/>
+              <a:t>Knowledge:</a:t>
+            </a:r>
+            <a:r>
+              <a:rPr lang="en-US" dirty="0"/>
+              <a:t> information assimilated by person.</a:t>
+            </a:r>
+          </a:p>
+          <a:p>
+            <a:pPr marL="857250" lvl="1" indent="-342900"/>
+            <a:r>
+              <a:rPr lang="en-US" b="1" dirty="0"/>
+              <a:t>Judgement: </a:t>
+            </a:r>
+            <a:r>
+              <a:rPr lang="en-US" dirty="0"/>
+              <a:t>process of determining payoffs of decisions in particular situations. </a:t>
+            </a:r>
+          </a:p>
+          <a:p>
+            <a:pPr marL="857250" lvl="1" indent="-342900"/>
+            <a:r>
+              <a:rPr lang="en-US" b="1" dirty="0"/>
+              <a:t>Decision: </a:t>
+            </a:r>
+            <a:r>
+              <a:rPr lang="en-US" dirty="0"/>
+              <a:t>choice derived from a judgment.</a:t>
+            </a:r>
+          </a:p>
+          <a:p>
+            <a:pPr marL="857250" lvl="1" indent="-342900"/>
+            <a:endParaRPr lang="en-US" dirty="0"/>
           </a:p>
         </p:txBody>
       </p:sp>
       <p:sp>
         <p:nvSpPr>
-          <p:cNvPr id="17413" name="Symbol zastępczy tekstu 4">
+          <p:cNvPr id="14340" name="Symbol zastępczy tekstu 3">
             <a:extLst>
               <a:ext uri="{FF2B5EF4-FFF2-40B4-BE49-F238E27FC236}">
-                <a16:creationId xmlns:a16="http://schemas.microsoft.com/office/drawing/2014/main" id="{F607C126-26DB-472B-AE3E-AB1F9C919A6D}"/>
+                <a16:creationId xmlns:a16="http://schemas.microsoft.com/office/drawing/2014/main" id="{A0D59D9A-0B96-4CFB-BFDE-3929C861B03D}"/>
               </a:ext>
             </a:extLst>
           </p:cNvPr>
@@ -8526,13 +8462,13 @@
             <a:spLocks noGrp="1"/>
           </p:cNvSpPr>
           <p:nvPr>
-            <p:ph type="body" idx="10"/>
+            <p:ph type="body" idx="11"/>
           </p:nvPr>
         </p:nvSpPr>
         <p:spPr>
           <a:xfrm>
-            <a:off x="755650" y="1120775"/>
-            <a:ext cx="4049713" cy="508000"/>
+            <a:off x="768350" y="381000"/>
+            <a:ext cx="8285163" cy="863600"/>
           </a:xfrm>
         </p:spPr>
         <p:txBody>
@@ -8540,147 +8476,47 @@
           <a:lstStyle/>
           <a:p>
             <a:r>
-              <a:rPr lang="en-US" altLang="en-US" sz="2000" dirty="0"/>
-              <a:t>Supervised learning</a:t>
-            </a:r>
-          </a:p>
-        </p:txBody>
-      </p:sp>
-      <p:sp>
-        <p:nvSpPr>
-          <p:cNvPr id="17414" name="Symbol zastępczy tekstu 5">
-            <a:extLst>
-              <a:ext uri="{FF2B5EF4-FFF2-40B4-BE49-F238E27FC236}">
-                <a16:creationId xmlns:a16="http://schemas.microsoft.com/office/drawing/2014/main" id="{DDB5D4FC-D796-49A8-B6AB-D2A9C894E715}"/>
-              </a:ext>
-            </a:extLst>
-          </p:cNvPr>
-          <p:cNvSpPr>
-            <a:spLocks noGrp="1"/>
-          </p:cNvSpPr>
-          <p:nvPr>
-            <p:ph type="body" idx="13"/>
-          </p:nvPr>
-        </p:nvSpPr>
-        <p:spPr>
-          <a:xfrm>
-            <a:off x="5003800" y="1120775"/>
-            <a:ext cx="4051300" cy="508000"/>
-          </a:xfrm>
-        </p:spPr>
-        <p:txBody>
-          <a:bodyPr/>
-          <a:lstStyle/>
-          <a:p>
-            <a:r>
-              <a:rPr lang="en-US" altLang="en-US" sz="2000" dirty="0"/>
-              <a:t>Unsupervised learning</a:t>
-            </a:r>
+              <a:rPr lang="en-US" dirty="0"/>
+              <a:t>Proposition and model </a:t>
+            </a:r>
+            <a:endParaRPr lang="en-US" sz="3600" dirty="0"/>
           </a:p>
         </p:txBody>
       </p:sp>
       <p:pic>
         <p:nvPicPr>
-          <p:cNvPr id="8" name="Picture 8" descr="Example of Supervised Learning">
+          <p:cNvPr id="2" name="Picture 1">
             <a:extLst>
               <a:ext uri="{FF2B5EF4-FFF2-40B4-BE49-F238E27FC236}">
-                <a16:creationId xmlns:a16="http://schemas.microsoft.com/office/drawing/2014/main" id="{D640DDDF-1E59-42F3-ABB2-9FC6659ED3A5}"/>
+                <a16:creationId xmlns:a16="http://schemas.microsoft.com/office/drawing/2014/main" id="{38FF7AC0-7E3E-B38C-C8FC-CAF08668E17A}"/>
               </a:ext>
             </a:extLst>
           </p:cNvPr>
           <p:cNvPicPr>
-            <a:picLocks noGrp="1" noChangeAspect="1" noChangeArrowheads="1"/>
+            <a:picLocks noChangeAspect="1"/>
           </p:cNvPicPr>
-          <p:nvPr>
-            <p:ph sz="half" idx="1"/>
-          </p:nvPr>
+          <p:nvPr/>
         </p:nvPicPr>
         <p:blipFill>
-          <a:blip r:embed="rId2">
-            <a:extLst>
-              <a:ext uri="{28A0092B-C50C-407E-A947-70E740481C1C}">
-                <a14:useLocalDpi xmlns:a14="http://schemas.microsoft.com/office/drawing/2010/main" val="0"/>
-              </a:ext>
-            </a:extLst>
-          </a:blip>
-          <a:srcRect/>
+          <a:blip r:embed="rId2"/>
           <a:stretch>
             <a:fillRect/>
           </a:stretch>
         </p:blipFill>
-        <p:spPr bwMode="auto">
+        <p:spPr>
           <a:xfrm>
-            <a:off x="954087" y="2446638"/>
-            <a:ext cx="4049713" cy="3371747"/>
+            <a:off x="854869" y="4273479"/>
+            <a:ext cx="7772400" cy="1212921"/>
           </a:xfrm>
           <a:prstGeom prst="rect">
             <a:avLst/>
           </a:prstGeom>
-          <a:noFill/>
-          <a:extLst>
-            <a:ext uri="{909E8E84-426E-40DD-AFC4-6F175D3DCCD1}">
-              <a14:hiddenFill xmlns:a14="http://schemas.microsoft.com/office/drawing/2010/main">
-                <a:solidFill>
-                  <a:srgbClr val="FFFFFF"/>
-                </a:solidFill>
-              </a14:hiddenFill>
-            </a:ext>
-          </a:extLst>
-        </p:spPr>
-      </p:pic>
-      <p:pic>
-        <p:nvPicPr>
-          <p:cNvPr id="17418" name="Picture 10" descr="Example of Unsupervised Learning">
-            <a:extLst>
-              <a:ext uri="{FF2B5EF4-FFF2-40B4-BE49-F238E27FC236}">
-                <a16:creationId xmlns:a16="http://schemas.microsoft.com/office/drawing/2014/main" id="{B9967EF6-4123-4CE0-ABBA-8CA6955AE09F}"/>
-              </a:ext>
-            </a:extLst>
-          </p:cNvPr>
-          <p:cNvPicPr>
-            <a:picLocks noGrp="1" noChangeAspect="1" noChangeArrowheads="1"/>
-          </p:cNvPicPr>
-          <p:nvPr>
-            <p:ph sz="half" idx="11"/>
-          </p:nvPr>
-        </p:nvPicPr>
-        <p:blipFill>
-          <a:blip r:embed="rId3">
-            <a:extLst>
-              <a:ext uri="{28A0092B-C50C-407E-A947-70E740481C1C}">
-                <a14:useLocalDpi xmlns:a14="http://schemas.microsoft.com/office/drawing/2010/main" val="0"/>
-              </a:ext>
-            </a:extLst>
-          </a:blip>
-          <a:srcRect/>
-          <a:stretch>
-            <a:fillRect/>
-          </a:stretch>
-        </p:blipFill>
-        <p:spPr bwMode="auto">
-          <a:xfrm>
-            <a:off x="5888789" y="2667000"/>
-            <a:ext cx="2457450" cy="2737920"/>
-          </a:xfrm>
-          <a:prstGeom prst="rect">
-            <a:avLst/>
-          </a:prstGeom>
-          <a:noFill/>
-          <a:extLst>
-            <a:ext uri="{909E8E84-426E-40DD-AFC4-6F175D3DCCD1}">
-              <a14:hiddenFill xmlns:a14="http://schemas.microsoft.com/office/drawing/2010/main">
-                <a:solidFill>
-                  <a:srgbClr val="FFFFFF"/>
-                </a:solidFill>
-              </a14:hiddenFill>
-            </a:ext>
-          </a:extLst>
         </p:spPr>
       </p:pic>
     </p:spTree>
     <p:extLst>
       <p:ext uri="{BB962C8B-B14F-4D97-AF65-F5344CB8AC3E}">
-        <p14:creationId xmlns:p14="http://schemas.microsoft.com/office/powerpoint/2010/main" val="1182273145"/>
+        <p14:creationId xmlns:p14="http://schemas.microsoft.com/office/powerpoint/2010/main" val="1599342506"/>
       </p:ext>
     </p:extLst>
   </p:cSld>
@@ -8728,7 +8564,7 @@
         </p:nvSpPr>
         <p:spPr>
           <a:xfrm>
-            <a:off x="609600" y="2057400"/>
+            <a:off x="609600" y="1371600"/>
             <a:ext cx="8262938" cy="5256212"/>
           </a:xfrm>
         </p:spPr>
@@ -8736,58 +8572,68 @@
           <a:bodyPr/>
           <a:lstStyle/>
           <a:p>
-            <a:pPr marL="400050"/>
-            <a:r>
-              <a:rPr lang="en-US" altLang="en-US" sz="2500" dirty="0">
-                <a:latin typeface="Times New Roman" panose="02020603050405020304" pitchFamily="18" charset="0"/>
-                <a:cs typeface="Times New Roman" panose="02020603050405020304" pitchFamily="18" charset="0"/>
-              </a:rPr>
-              <a:t>Consists of two neural networks which are rained alternately and compete with each other</a:t>
-            </a:r>
-          </a:p>
-          <a:p>
-            <a:pPr marL="800100" lvl="1"/>
-            <a:r>
-              <a:rPr lang="en-US" altLang="en-US" sz="2000" dirty="0">
-                <a:latin typeface="Times New Roman" panose="02020603050405020304" pitchFamily="18" charset="0"/>
-                <a:cs typeface="Times New Roman" panose="02020603050405020304" pitchFamily="18" charset="0"/>
-              </a:rPr>
-              <a:t>The first one is a generator (G) which mimics the real data distribution as much as possible to generate fake training sample P data</a:t>
-            </a:r>
-          </a:p>
-          <a:p>
-            <a:pPr marL="800100" lvl="1"/>
-            <a:r>
-              <a:rPr lang="en-US" altLang="en-US" sz="2000" dirty="0">
-                <a:latin typeface="Times New Roman" panose="02020603050405020304" pitchFamily="18" charset="0"/>
-                <a:cs typeface="Times New Roman" panose="02020603050405020304" pitchFamily="18" charset="0"/>
-              </a:rPr>
-              <a:t>The other neural network is the discriminator(D) which attempts to correctly determine whether the input data comes from real data or data created by the generator</a:t>
-            </a:r>
-          </a:p>
-          <a:p>
-            <a:pPr marL="800100" lvl="1"/>
-            <a:r>
-              <a:rPr lang="en-US" altLang="en-US" sz="2000" dirty="0">
-                <a:latin typeface="Times New Roman" panose="02020603050405020304" pitchFamily="18" charset="0"/>
-                <a:cs typeface="Times New Roman" panose="02020603050405020304" pitchFamily="18" charset="0"/>
-              </a:rPr>
-              <a:t>Goal is Nash Equilibrium  - game concept that determines the optimal solution in a non-cooperative game in which each player lacks any incentive to change his/her initial strategy.</a:t>
-            </a:r>
-          </a:p>
-          <a:p>
-            <a:pPr marL="800100" lvl="1"/>
-            <a:endParaRPr lang="en-US" altLang="en-US" dirty="0">
-              <a:latin typeface="Times New Roman" panose="02020603050405020304" pitchFamily="18" charset="0"/>
-              <a:cs typeface="Times New Roman" panose="02020603050405020304" pitchFamily="18" charset="0"/>
-            </a:endParaRPr>
-          </a:p>
-          <a:p>
-            <a:pPr marL="400050"/>
-            <a:endParaRPr lang="en-US" altLang="en-US" sz="2400" dirty="0">
-              <a:latin typeface="Times New Roman" panose="02020603050405020304" pitchFamily="18" charset="0"/>
-              <a:cs typeface="Times New Roman" panose="02020603050405020304" pitchFamily="18" charset="0"/>
-            </a:endParaRPr>
+            <a:pPr lvl="1"/>
+            <a:r>
+              <a:rPr lang="en-US" sz="2200" b="1" dirty="0"/>
+              <a:t>Simulation: </a:t>
+            </a:r>
+            <a:r>
+              <a:rPr lang="en-US" sz="2200" dirty="0"/>
+              <a:t>technique for understanding and predicting the </a:t>
+            </a:r>
+            <a:r>
+              <a:rPr lang="en-US" sz="2200" dirty="0" err="1"/>
+              <a:t>behaviour</a:t>
+            </a:r>
+            <a:r>
+              <a:rPr lang="en-US" sz="2200" dirty="0"/>
+              <a:t> of a system (extrapolation of new information using simulation )</a:t>
+            </a:r>
+            <a:endParaRPr lang="en-US" sz="2200" b="1" dirty="0"/>
+          </a:p>
+          <a:p>
+            <a:pPr lvl="1"/>
+            <a:r>
+              <a:rPr lang="en-US" sz="2200" b="1" dirty="0"/>
+              <a:t>Prediction: </a:t>
+            </a:r>
+            <a:r>
+              <a:rPr lang="en-US" sz="2200" dirty="0"/>
+              <a:t>rigorous extrapolation of new information from existing information</a:t>
+            </a:r>
+          </a:p>
+          <a:p>
+            <a:pPr lvl="1"/>
+            <a:endParaRPr lang="en-US" sz="2200" dirty="0"/>
+          </a:p>
+          <a:p>
+            <a:pPr lvl="1"/>
+            <a:endParaRPr lang="en-US" sz="2200" dirty="0"/>
+          </a:p>
+          <a:p>
+            <a:pPr lvl="1"/>
+            <a:endParaRPr lang="en-US" sz="2200" dirty="0"/>
+          </a:p>
+          <a:p>
+            <a:pPr lvl="1"/>
+            <a:endParaRPr lang="en-US" sz="2200" dirty="0"/>
+          </a:p>
+          <a:p>
+            <a:pPr marL="457200" lvl="1" indent="0">
+              <a:buNone/>
+            </a:pPr>
+            <a:endParaRPr lang="en-US" sz="2200" dirty="0"/>
+          </a:p>
+          <a:p>
+            <a:pPr lvl="1"/>
+            <a:r>
+              <a:rPr lang="en-US" sz="2200" dirty="0"/>
+              <a:t>Proposition: systems-thinking and predictive learning can reduce the uncertainty of the front-end and drive customer value creation in product development. </a:t>
+            </a:r>
+          </a:p>
+          <a:p>
+            <a:pPr lvl="1"/>
+            <a:endParaRPr lang="en-US" sz="2200" dirty="0"/>
           </a:p>
         </p:txBody>
       </p:sp>
@@ -8817,21 +8663,48 @@
           <a:bodyPr/>
           <a:lstStyle/>
           <a:p>
-            <a:pPr marL="571500" indent="-457200"/>
-            <a:r>
-              <a:rPr lang="en-US" sz="3500" b="0" u="none" strike="noStrike" baseline="0" dirty="0">
-                <a:latin typeface="Times New Roman" panose="02020603050405020304" pitchFamily="18" charset="0"/>
-                <a:cs typeface="Times New Roman" panose="02020603050405020304" pitchFamily="18" charset="0"/>
-              </a:rPr>
-              <a:t>Generative adversarial network</a:t>
-            </a:r>
+            <a:r>
+              <a:rPr lang="en-US" dirty="0"/>
+              <a:t>Proposition and model </a:t>
+            </a:r>
+            <a:endParaRPr lang="en-US" sz="3600" dirty="0"/>
           </a:p>
         </p:txBody>
       </p:sp>
+      <p:pic>
+        <p:nvPicPr>
+          <p:cNvPr id="3" name="Picture 2">
+            <a:extLst>
+              <a:ext uri="{FF2B5EF4-FFF2-40B4-BE49-F238E27FC236}">
+                <a16:creationId xmlns:a16="http://schemas.microsoft.com/office/drawing/2014/main" id="{ECA28790-7ACF-D4FB-5CAE-CB0570494609}"/>
+              </a:ext>
+            </a:extLst>
+          </p:cNvPr>
+          <p:cNvPicPr>
+            <a:picLocks noChangeAspect="1"/>
+          </p:cNvPicPr>
+          <p:nvPr/>
+        </p:nvPicPr>
+        <p:blipFill>
+          <a:blip r:embed="rId2"/>
+          <a:stretch>
+            <a:fillRect/>
+          </a:stretch>
+        </p:blipFill>
+        <p:spPr>
+          <a:xfrm>
+            <a:off x="1219200" y="3200400"/>
+            <a:ext cx="7543800" cy="1867640"/>
+          </a:xfrm>
+          <a:prstGeom prst="rect">
+            <a:avLst/>
+          </a:prstGeom>
+        </p:spPr>
+      </p:pic>
     </p:spTree>
     <p:extLst>
       <p:ext uri="{BB962C8B-B14F-4D97-AF65-F5344CB8AC3E}">
-        <p14:creationId xmlns:p14="http://schemas.microsoft.com/office/powerpoint/2010/main" val="48294029"/>
+        <p14:creationId xmlns:p14="http://schemas.microsoft.com/office/powerpoint/2010/main" val="2358440811"/>
       </p:ext>
     </p:extLst>
   </p:cSld>
@@ -8879,7 +8752,7 @@
         </p:nvSpPr>
         <p:spPr>
           <a:xfrm>
-            <a:off x="609600" y="1447800"/>
+            <a:off x="685800" y="1168400"/>
             <a:ext cx="8262938" cy="5256212"/>
           </a:xfrm>
         </p:spPr>
@@ -8887,44 +8760,46 @@
           <a:bodyPr/>
           <a:lstStyle/>
           <a:p>
-            <a:pPr marL="400050"/>
-            <a:r>
-              <a:rPr lang="en-US" altLang="en-US" sz="2500" dirty="0">
-                <a:latin typeface="Times New Roman" panose="02020603050405020304" pitchFamily="18" charset="0"/>
-                <a:cs typeface="Times New Roman" panose="02020603050405020304" pitchFamily="18" charset="0"/>
-              </a:rPr>
-              <a:t>During the training, the real data X and the generated data G(Z) are input into the discriminator simultaneously</a:t>
-            </a:r>
-          </a:p>
-          <a:p>
-            <a:pPr marL="400050"/>
-            <a:r>
-              <a:rPr lang="en-US" altLang="en-US" sz="2500" dirty="0">
-                <a:latin typeface="Times New Roman" panose="02020603050405020304" pitchFamily="18" charset="0"/>
-                <a:cs typeface="Times New Roman" panose="02020603050405020304" pitchFamily="18" charset="0"/>
-              </a:rPr>
-              <a:t>The discriminator outputs probability values that rate the authenticity of the two sets of data.</a:t>
-            </a:r>
-          </a:p>
-          <a:p>
-            <a:pPr marL="400050"/>
-            <a:r>
-              <a:rPr lang="en-US" altLang="en-US" sz="2500" dirty="0">
-                <a:latin typeface="Times New Roman" panose="02020603050405020304" pitchFamily="18" charset="0"/>
-                <a:cs typeface="Times New Roman" panose="02020603050405020304" pitchFamily="18" charset="0"/>
-              </a:rPr>
-              <a:t>The discriminator minimizes the cross-entropy of the actual output result and the expected output result while the generator maximizes the probability that the generated data is true by adjusting the parameters based on the feedback from the discriminator. (it improves accuracy of the generator and the discriminator)</a:t>
-            </a:r>
-          </a:p>
-          <a:p>
-            <a:pPr marL="400050"/>
-            <a:r>
-              <a:rPr lang="en-US" altLang="en-US" sz="2500" dirty="0">
-                <a:latin typeface="Times New Roman" panose="02020603050405020304" pitchFamily="18" charset="0"/>
-                <a:cs typeface="Times New Roman" panose="02020603050405020304" pitchFamily="18" charset="0"/>
-              </a:rPr>
-              <a:t>Training is optimal when D(X) and D(G(Z)) are equal.</a:t>
-            </a:r>
+            <a:r>
+              <a:rPr lang="en-US" sz="2200" dirty="0" err="1"/>
+              <a:t>Vapnik</a:t>
+            </a:r>
+            <a:r>
+              <a:rPr lang="en-US" sz="2200" dirty="0"/>
+              <a:t> and </a:t>
+            </a:r>
+            <a:r>
+              <a:rPr lang="en-US" sz="2200" dirty="0" err="1"/>
+              <a:t>Izmailov</a:t>
+            </a:r>
+            <a:r>
+              <a:rPr lang="en-US" sz="2200" dirty="0"/>
+              <a:t> proposed using the intelligence of a human to accelerate statistical learning. A teacher provides privileged information - explanations, comments and metaphors. They propose using both data and statistical invariants to drive learning.</a:t>
+            </a:r>
+          </a:p>
+          <a:p>
+            <a:endParaRPr lang="en-US" sz="2200" dirty="0"/>
+          </a:p>
+          <a:p>
+            <a:r>
+              <a:rPr lang="en-US" sz="2200" dirty="0"/>
+              <a:t>An expert (teacher) helps to construct statistical invariants latent in the problem. Based on their knowledge and experience, experts offer “shortcuts”, called predicates. Instead of initializing from a blank sheet of paper, the procedure starts by building on the expert’s wisdom. </a:t>
+            </a:r>
+          </a:p>
+          <a:p>
+            <a:endParaRPr lang="en-US" sz="2200" dirty="0"/>
+          </a:p>
+          <a:p>
+            <a:r>
+              <a:rPr lang="en-US" sz="2200" dirty="0"/>
+              <a:t> The difference between invariants and features is that increasing invariants leads to more accurate predictions while the opposite is true for an increase in features, in this case requiring more training data. </a:t>
+            </a:r>
+          </a:p>
+          <a:p>
+            <a:endParaRPr lang="en-US" sz="2200" dirty="0"/>
+          </a:p>
+          <a:p>
+            <a:endParaRPr lang="en-US" sz="2200" dirty="0"/>
           </a:p>
         </p:txBody>
       </p:sp>
@@ -8946,7 +8821,7 @@
         </p:nvSpPr>
         <p:spPr>
           <a:xfrm>
-            <a:off x="768350" y="381000"/>
+            <a:off x="755650" y="304800"/>
             <a:ext cx="8285163" cy="863600"/>
           </a:xfrm>
         </p:spPr>
@@ -8954,21 +8829,18 @@
           <a:bodyPr/>
           <a:lstStyle/>
           <a:p>
-            <a:pPr marL="571500" indent="-457200"/>
-            <a:r>
-              <a:rPr lang="en-US" sz="3500" b="0" u="none" strike="noStrike" baseline="0" dirty="0">
-                <a:latin typeface="Times New Roman" panose="02020603050405020304" pitchFamily="18" charset="0"/>
-                <a:cs typeface="Times New Roman" panose="02020603050405020304" pitchFamily="18" charset="0"/>
-              </a:rPr>
-              <a:t>Generative adversarial network</a:t>
-            </a:r>
+            <a:r>
+              <a:rPr lang="en-US" sz="3500" dirty="0"/>
+              <a:t>Simulation</a:t>
+            </a:r>
+            <a:endParaRPr lang="en-US" altLang="en-US" sz="3500" dirty="0"/>
           </a:p>
         </p:txBody>
       </p:sp>
     </p:spTree>
     <p:extLst>
       <p:ext uri="{BB962C8B-B14F-4D97-AF65-F5344CB8AC3E}">
-        <p14:creationId xmlns:p14="http://schemas.microsoft.com/office/powerpoint/2010/main" val="370831732"/>
+        <p14:creationId xmlns:p14="http://schemas.microsoft.com/office/powerpoint/2010/main" val="1735052686"/>
       </p:ext>
     </p:extLst>
   </p:cSld>
@@ -9016,7 +8888,7 @@
         </p:nvSpPr>
         <p:spPr>
           <a:xfrm>
-            <a:off x="685800" y="1601788"/>
+            <a:off x="755650" y="1304926"/>
             <a:ext cx="8262938" cy="5256212"/>
           </a:xfrm>
         </p:spPr>
@@ -9024,51 +8896,78 @@
           <a:bodyPr/>
           <a:lstStyle/>
           <a:p>
-            <a:pPr algn="l"/>
-            <a:r>
-              <a:rPr lang="en-US" altLang="en-US" sz="2500" dirty="0">
-                <a:latin typeface="Times New Roman" panose="02020603050405020304" pitchFamily="18" charset="0"/>
-                <a:cs typeface="Times New Roman" panose="02020603050405020304" pitchFamily="18" charset="0"/>
-              </a:rPr>
-              <a:t>GAN is a neural network based on inputting graphics and outputting images.</a:t>
-            </a:r>
-          </a:p>
-          <a:p>
-            <a:pPr algn="l"/>
-            <a:r>
-              <a:rPr lang="en-US" altLang="en-US" sz="2500" dirty="0">
-                <a:latin typeface="Times New Roman" panose="02020603050405020304" pitchFamily="18" charset="0"/>
-                <a:cs typeface="Times New Roman" panose="02020603050405020304" pitchFamily="18" charset="0"/>
-              </a:rPr>
-              <a:t>Each map may contain hundreds of data points on criminal activity and outputting a large number of coordinates is unintuitive.</a:t>
-            </a:r>
-          </a:p>
-          <a:p>
-            <a:pPr algn="l"/>
-            <a:r>
-              <a:rPr lang="en-US" altLang="en-US" sz="2500" dirty="0">
-                <a:latin typeface="Times New Roman" panose="02020603050405020304" pitchFamily="18" charset="0"/>
-                <a:cs typeface="Times New Roman" panose="02020603050405020304" pitchFamily="18" charset="0"/>
-              </a:rPr>
-              <a:t>the GAN takes city maps as input and crime-rate heat maps as output and trains the network to recognize the relationship between two sets of images.</a:t>
-            </a:r>
-          </a:p>
-          <a:p>
-            <a:pPr algn="l"/>
-            <a:r>
-              <a:rPr lang="en-US" altLang="en-US" sz="2500" dirty="0">
-                <a:latin typeface="Times New Roman" panose="02020603050405020304" pitchFamily="18" charset="0"/>
-                <a:cs typeface="Times New Roman" panose="02020603050405020304" pitchFamily="18" charset="0"/>
-              </a:rPr>
-              <a:t>The trained network model can give a crime-rate prediction based on a given map of the city area.</a:t>
-            </a:r>
-          </a:p>
-          <a:p>
-            <a:pPr algn="l"/>
-            <a:endParaRPr lang="en-US" altLang="en-US" sz="2500" dirty="0">
-              <a:latin typeface="Times New Roman" panose="02020603050405020304" pitchFamily="18" charset="0"/>
-              <a:cs typeface="Times New Roman" panose="02020603050405020304" pitchFamily="18" charset="0"/>
-            </a:endParaRPr>
+            <a:pPr marL="857250" lvl="1" indent="-342900"/>
+            <a:r>
+              <a:rPr lang="en-US" sz="1800" dirty="0"/>
+              <a:t>For the experiment Brazilian automobile market segment  was chosen</a:t>
+            </a:r>
+          </a:p>
+          <a:p>
+            <a:pPr marL="857250" lvl="1" indent="-342900"/>
+            <a:r>
+              <a:rPr lang="en-US" sz="1800" dirty="0"/>
+              <a:t>Customer data collection started with semi-structured interviews and “storytelling”. </a:t>
+            </a:r>
+          </a:p>
+          <a:p>
+            <a:pPr marL="1257300" lvl="2" indent="-342900"/>
+            <a:r>
+              <a:rPr lang="en-US" sz="1800" dirty="0"/>
+              <a:t>Six SUV owners were surveyed (three interviews, three storytelling). </a:t>
+            </a:r>
+          </a:p>
+          <a:p>
+            <a:pPr marL="1714500" lvl="3" indent="-342900"/>
+            <a:r>
+              <a:rPr lang="en-US" dirty="0"/>
+              <a:t>For about an hour each (predesigned script)</a:t>
+            </a:r>
+          </a:p>
+          <a:p>
+            <a:pPr marL="857250" lvl="1" indent="-342900"/>
+            <a:r>
+              <a:rPr lang="en-US" sz="1800" dirty="0"/>
+              <a:t>Three main concepts chosen</a:t>
+            </a:r>
+          </a:p>
+          <a:p>
+            <a:pPr marL="1714500" lvl="3" indent="-342900"/>
+            <a:r>
+              <a:rPr lang="en-US" dirty="0"/>
+              <a:t>novelty, brand and price perception </a:t>
+            </a:r>
+          </a:p>
+          <a:p>
+            <a:pPr marL="857250" lvl="1" indent="-342900"/>
+            <a:r>
+              <a:rPr lang="en-US" sz="1800" dirty="0"/>
+              <a:t>Market share was chosen as the product competitiveness indicator </a:t>
+            </a:r>
+          </a:p>
+          <a:p>
+            <a:pPr marL="857250" lvl="1" indent="-342900"/>
+            <a:r>
+              <a:rPr lang="en-US" sz="1800" dirty="0"/>
+              <a:t>Sales data (vehicle registrations) were collected from the FENABRAVE </a:t>
+            </a:r>
+          </a:p>
+          <a:p>
+            <a:pPr marL="1257300" lvl="2" indent="-342900"/>
+            <a:r>
+              <a:rPr lang="en-US" sz="1800" dirty="0"/>
+              <a:t>The seventeen most representative products were selected for monthly sales figures from January 2013 to December 2018. </a:t>
+            </a:r>
+          </a:p>
+          <a:p>
+            <a:pPr lvl="2"/>
+            <a:r>
+              <a:rPr lang="en-US" sz="1800" dirty="0"/>
+              <a:t>Market share is the target value y, to be compared to estimated value y-prime for calculating errors (residuals) in the functions. </a:t>
+            </a:r>
+          </a:p>
+          <a:p>
+            <a:pPr marL="1257300" lvl="2" indent="-342900"/>
+            <a:endParaRPr lang="en-US" sz="1800" dirty="0"/>
           </a:p>
         </p:txBody>
       </p:sp>
@@ -9090,7 +8989,7 @@
         </p:nvSpPr>
         <p:spPr>
           <a:xfrm>
-            <a:off x="768350" y="381000"/>
+            <a:off x="755650" y="304800"/>
             <a:ext cx="8285163" cy="863600"/>
           </a:xfrm>
         </p:spPr>
@@ -9098,21 +8997,18 @@
           <a:bodyPr/>
           <a:lstStyle/>
           <a:p>
-            <a:pPr marL="571500" indent="-457200"/>
-            <a:r>
-              <a:rPr lang="en-US" sz="3500" b="0" u="none" strike="noStrike" baseline="0" dirty="0">
-                <a:latin typeface="Times New Roman" panose="02020603050405020304" pitchFamily="18" charset="0"/>
-                <a:cs typeface="Times New Roman" panose="02020603050405020304" pitchFamily="18" charset="0"/>
-              </a:rPr>
-              <a:t>Generative adversarial network</a:t>
-            </a:r>
+            <a:r>
+              <a:rPr lang="en-US" sz="3500" dirty="0"/>
+              <a:t>Simulation - Experiment</a:t>
+            </a:r>
+            <a:endParaRPr lang="en-US" altLang="en-US" sz="3500" dirty="0"/>
           </a:p>
         </p:txBody>
       </p:sp>
     </p:spTree>
     <p:extLst>
       <p:ext uri="{BB962C8B-B14F-4D97-AF65-F5344CB8AC3E}">
-        <p14:creationId xmlns:p14="http://schemas.microsoft.com/office/powerpoint/2010/main" val="2659386836"/>
+        <p14:creationId xmlns:p14="http://schemas.microsoft.com/office/powerpoint/2010/main" val="1281753330"/>
       </p:ext>
     </p:extLst>
   </p:cSld>
@@ -9160,7 +9056,7 @@
         </p:nvSpPr>
         <p:spPr>
           <a:xfrm>
-            <a:off x="609600" y="1447800"/>
+            <a:off x="138356" y="1168400"/>
             <a:ext cx="8262938" cy="5256212"/>
           </a:xfrm>
         </p:spPr>
@@ -9168,78 +9064,65 @@
           <a:bodyPr/>
           <a:lstStyle/>
           <a:p>
-            <a:pPr marL="400050"/>
-            <a:r>
-              <a:rPr lang="en-US" altLang="en-US" sz="2500" dirty="0">
-                <a:latin typeface="Times New Roman" panose="02020603050405020304" pitchFamily="18" charset="0"/>
-                <a:cs typeface="Times New Roman" panose="02020603050405020304" pitchFamily="18" charset="0"/>
-              </a:rPr>
-              <a:t>Creating an empty matrix M with the size ox 10000pixels * 10000 pixels.</a:t>
-            </a:r>
-          </a:p>
-          <a:p>
-            <a:pPr marL="400050"/>
-            <a:r>
-              <a:rPr lang="en-US" altLang="en-US" sz="2500" dirty="0">
-                <a:latin typeface="Times New Roman" panose="02020603050405020304" pitchFamily="18" charset="0"/>
-                <a:cs typeface="Times New Roman" panose="02020603050405020304" pitchFamily="18" charset="0"/>
-              </a:rPr>
-              <a:t>Latitude and longitude are converted into coordinates by integers of 0 to 10000)</a:t>
-            </a:r>
-          </a:p>
-          <a:p>
-            <a:pPr marL="400050"/>
-            <a:r>
-              <a:rPr lang="en-US" altLang="en-US" sz="2500" dirty="0">
-                <a:latin typeface="Times New Roman" panose="02020603050405020304" pitchFamily="18" charset="0"/>
-                <a:cs typeface="Times New Roman" panose="02020603050405020304" pitchFamily="18" charset="0"/>
-              </a:rPr>
-              <a:t>NumPy package is using to convert the two-dimensional array to a three-dimensional array.</a:t>
-            </a:r>
-          </a:p>
-          <a:p>
-            <a:pPr marL="400050"/>
-            <a:r>
-              <a:rPr lang="en-US" altLang="en-US" sz="2500" dirty="0">
-                <a:latin typeface="Times New Roman" panose="02020603050405020304" pitchFamily="18" charset="0"/>
-                <a:cs typeface="Times New Roman" panose="02020603050405020304" pitchFamily="18" charset="0"/>
-              </a:rPr>
-              <a:t>Calculation of points with 17x17 range on the map</a:t>
-            </a:r>
-          </a:p>
-          <a:p>
-            <a:pPr marL="800100" lvl="1"/>
-            <a:r>
-              <a:rPr lang="en-US" altLang="en-US" sz="2000" dirty="0">
-                <a:latin typeface="Times New Roman" panose="02020603050405020304" pitchFamily="18" charset="0"/>
-                <a:cs typeface="Times New Roman" panose="02020603050405020304" pitchFamily="18" charset="0"/>
-              </a:rPr>
-              <a:t>when it is less that 17 pixels, the recognition of the heat map by the neural network is insufficient;</a:t>
-            </a:r>
-          </a:p>
-          <a:p>
-            <a:pPr marL="800100" lvl="1"/>
-            <a:r>
-              <a:rPr lang="en-US" altLang="en-US" sz="2000" dirty="0">
-                <a:latin typeface="Times New Roman" panose="02020603050405020304" pitchFamily="18" charset="0"/>
-                <a:cs typeface="Times New Roman" panose="02020603050405020304" pitchFamily="18" charset="0"/>
-              </a:rPr>
-              <a:t>when the square is larger than 17 pixels an overflow occurs during ordinary computer operations.</a:t>
-            </a:r>
-          </a:p>
-          <a:p>
-            <a:pPr marL="400050"/>
-            <a:endParaRPr lang="en-US" altLang="en-US" sz="2500" dirty="0">
-              <a:latin typeface="Times New Roman" panose="02020603050405020304" pitchFamily="18" charset="0"/>
-              <a:cs typeface="Times New Roman" panose="02020603050405020304" pitchFamily="18" charset="0"/>
-            </a:endParaRPr>
-          </a:p>
-          <a:p>
-            <a:pPr marL="400050"/>
-            <a:endParaRPr lang="en-US" altLang="en-US" sz="2500" dirty="0">
-              <a:latin typeface="Times New Roman" panose="02020603050405020304" pitchFamily="18" charset="0"/>
-              <a:cs typeface="Times New Roman" panose="02020603050405020304" pitchFamily="18" charset="0"/>
-            </a:endParaRPr>
+            <a:pPr lvl="2"/>
+            <a:r>
+              <a:rPr lang="en-US" sz="1800" dirty="0"/>
+              <a:t>To synthesize the sample vectors, each product was evaluated according to the sixteen attributes </a:t>
+            </a:r>
+          </a:p>
+          <a:p>
+            <a:pPr lvl="2"/>
+            <a:r>
+              <a:rPr lang="en-US" sz="1800" dirty="0"/>
+              <a:t>For this small-scale experiment, reviews from a specialized automobile magazine were used as a proxy for part of the “expert knowledge and judgment”. </a:t>
+            </a:r>
+          </a:p>
+          <a:p>
+            <a:pPr lvl="3"/>
+            <a:r>
+              <a:rPr lang="en-US" dirty="0"/>
+              <a:t>A scale from one to five was used to evaluate attributes. Small SUV market share between 2013 and 2018 has ranged from about 0.002 to 0.029. For normalization, they were scaled by a factor of 200 to bring them close to the independent variable x range. </a:t>
+            </a:r>
+          </a:p>
+          <a:p>
+            <a:pPr lvl="2"/>
+            <a:r>
+              <a:rPr lang="en-US" sz="1800" dirty="0"/>
+              <a:t>Every concept feature must be clearly defined (e.g. “economy” means fuel autonomy in kilometers per liter, split between 70% of urban and 30% of road use; </a:t>
+            </a:r>
+          </a:p>
+          <a:p>
+            <a:pPr lvl="2"/>
+            <a:r>
+              <a:rPr lang="en-US" sz="1800" dirty="0"/>
+              <a:t>X – feature variable</a:t>
+            </a:r>
+          </a:p>
+          <a:p>
+            <a:pPr lvl="2"/>
+            <a:r>
+              <a:rPr lang="en-US" sz="1800" dirty="0"/>
+              <a:t>X* - expert’s privileged information</a:t>
+            </a:r>
+          </a:p>
+          <a:p>
+            <a:pPr lvl="2"/>
+            <a:r>
+              <a:rPr lang="en-US" sz="1800" dirty="0"/>
+              <a:t>A – variable parameter weight (calculated by the algorithm)</a:t>
+            </a:r>
+          </a:p>
+          <a:p>
+            <a:pPr lvl="2"/>
+            <a:endParaRPr lang="en-US" sz="1800" dirty="0"/>
+          </a:p>
+          <a:p>
+            <a:pPr lvl="2"/>
+            <a:endParaRPr lang="en-US" sz="1800" dirty="0"/>
+          </a:p>
+          <a:p>
+            <a:pPr lvl="2"/>
+            <a:endParaRPr lang="en-US" sz="1800" dirty="0"/>
           </a:p>
         </p:txBody>
       </p:sp>
@@ -9261,7 +9144,7 @@
         </p:nvSpPr>
         <p:spPr>
           <a:xfrm>
-            <a:off x="768350" y="381000"/>
+            <a:off x="755650" y="304800"/>
             <a:ext cx="8285163" cy="863600"/>
           </a:xfrm>
         </p:spPr>
@@ -9269,25 +9152,48 @@
           <a:bodyPr/>
           <a:lstStyle/>
           <a:p>
-            <a:pPr marL="571500" indent="-457200"/>
-            <a:r>
-              <a:rPr lang="en-US" sz="3500" b="0" u="none" strike="noStrike" baseline="0" dirty="0">
-                <a:latin typeface="Times New Roman" panose="02020603050405020304" pitchFamily="18" charset="0"/>
-                <a:cs typeface="Times New Roman" panose="02020603050405020304" pitchFamily="18" charset="0"/>
-              </a:rPr>
-              <a:t>The generation of crime heat map</a:t>
-            </a:r>
-            <a:endParaRPr lang="en-US" sz="3500" dirty="0">
-              <a:latin typeface="Times New Roman" panose="02020603050405020304" pitchFamily="18" charset="0"/>
-              <a:cs typeface="Times New Roman" panose="02020603050405020304" pitchFamily="18" charset="0"/>
-            </a:endParaRPr>
+            <a:r>
+              <a:rPr lang="en-US" sz="3500" dirty="0"/>
+              <a:t>Simulation - Experiment</a:t>
+            </a:r>
+            <a:endParaRPr lang="en-US" altLang="en-US" sz="3500" dirty="0"/>
           </a:p>
         </p:txBody>
       </p:sp>
+      <p:pic>
+        <p:nvPicPr>
+          <p:cNvPr id="10" name="Picture 9">
+            <a:extLst>
+              <a:ext uri="{FF2B5EF4-FFF2-40B4-BE49-F238E27FC236}">
+                <a16:creationId xmlns:a16="http://schemas.microsoft.com/office/drawing/2014/main" id="{27E11596-460E-9E1C-35F8-DFADCE6F9F28}"/>
+              </a:ext>
+            </a:extLst>
+          </p:cNvPr>
+          <p:cNvPicPr>
+            <a:picLocks noChangeAspect="1"/>
+          </p:cNvPicPr>
+          <p:nvPr/>
+        </p:nvPicPr>
+        <p:blipFill>
+          <a:blip r:embed="rId2"/>
+          <a:stretch>
+            <a:fillRect/>
+          </a:stretch>
+        </p:blipFill>
+        <p:spPr>
+          <a:xfrm>
+            <a:off x="4038600" y="5943600"/>
+            <a:ext cx="1409700" cy="368300"/>
+          </a:xfrm>
+          <a:prstGeom prst="rect">
+            <a:avLst/>
+          </a:prstGeom>
+        </p:spPr>
+      </p:pic>
     </p:spTree>
     <p:extLst>
       <p:ext uri="{BB962C8B-B14F-4D97-AF65-F5344CB8AC3E}">
-        <p14:creationId xmlns:p14="http://schemas.microsoft.com/office/powerpoint/2010/main" val="1626035525"/>
+        <p14:creationId xmlns:p14="http://schemas.microsoft.com/office/powerpoint/2010/main" val="694409745"/>
       </p:ext>
     </p:extLst>
   </p:cSld>
@@ -9335,7 +9241,7 @@
         </p:nvSpPr>
         <p:spPr>
           <a:xfrm>
-            <a:off x="609600" y="1371600"/>
+            <a:off x="755650" y="1304926"/>
             <a:ext cx="8262938" cy="5256212"/>
           </a:xfrm>
         </p:spPr>
@@ -9343,51 +9249,56 @@
           <a:bodyPr/>
           <a:lstStyle/>
           <a:p>
-            <a:pPr marL="400050"/>
-            <a:r>
-              <a:rPr lang="en-US" altLang="en-US" sz="2400" dirty="0">
-                <a:latin typeface="Times New Roman" panose="02020603050405020304" pitchFamily="18" charset="0"/>
-                <a:cs typeface="Times New Roman" panose="02020603050405020304" pitchFamily="18" charset="0"/>
-              </a:rPr>
-              <a:t>Using the loop command to mark each point in the matrix M with the size of 10000 ∗ 10000, and for each marked point, we add 1 to the number corresponding to the matrix. (each loop marks 289 points)</a:t>
-            </a:r>
-          </a:p>
-          <a:p>
-            <a:pPr marL="400050"/>
-            <a:r>
-              <a:rPr lang="en-US" altLang="en-US" sz="2400" dirty="0">
-                <a:latin typeface="Times New Roman" panose="02020603050405020304" pitchFamily="18" charset="0"/>
-                <a:cs typeface="Times New Roman" panose="02020603050405020304" pitchFamily="18" charset="0"/>
-              </a:rPr>
-              <a:t>Each number of the matrix M after the loop represents the number of times it is marked. (drawing more marked points with the color of grey)</a:t>
-            </a:r>
-          </a:p>
-          <a:p>
-            <a:pPr marL="400050"/>
-            <a:r>
-              <a:rPr lang="en-US" altLang="en-US" sz="2400" dirty="0">
-                <a:latin typeface="Times New Roman" panose="02020603050405020304" pitchFamily="18" charset="0"/>
-                <a:cs typeface="Times New Roman" panose="02020603050405020304" pitchFamily="18" charset="0"/>
-              </a:rPr>
-              <a:t>Presenting the color of grey, it is possible to output a crime heat map with a resolution of 6000dpi.</a:t>
-            </a:r>
-          </a:p>
-          <a:p>
-            <a:pPr marL="400050"/>
-            <a:r>
-              <a:rPr lang="en-US" altLang="en-US" sz="2400" dirty="0">
-                <a:latin typeface="Times New Roman" panose="02020603050405020304" pitchFamily="18" charset="0"/>
-                <a:cs typeface="Times New Roman" panose="02020603050405020304" pitchFamily="18" charset="0"/>
-              </a:rPr>
-              <a:t>Unmarked points appear white, while the points marked the most times appear black.</a:t>
-            </a:r>
-          </a:p>
-          <a:p>
-            <a:pPr marL="400050"/>
-            <a:endParaRPr lang="en-US" altLang="en-US" sz="2400" dirty="0">
-              <a:latin typeface="Times New Roman" panose="02020603050405020304" pitchFamily="18" charset="0"/>
-              <a:cs typeface="Times New Roman" panose="02020603050405020304" pitchFamily="18" charset="0"/>
-            </a:endParaRPr>
+            <a:r>
+              <a:rPr lang="en-US" sz="2000" dirty="0"/>
+              <a:t>In the process, 765 vector samples with sixteen independent feature variables (concept attributes) and target dependent values were synthesized. </a:t>
+            </a:r>
+          </a:p>
+          <a:p>
+            <a:r>
+              <a:rPr lang="en-US" sz="2000" dirty="0"/>
+              <a:t>They were split in a 80:10:10 proportion among training, test and validation sets (they yielded slightly better performance than the default 70:15:15). </a:t>
+            </a:r>
+          </a:p>
+          <a:p>
+            <a:r>
+              <a:rPr lang="en-US" sz="2000" dirty="0"/>
+              <a:t>In the experiment, architectures ranging from p/2 to 2p nodes (8, 10, 12, 16, 20, 30) were tried, yielding correlations between 0.89 and 0.95 - the best result was achieved with ten units. </a:t>
+            </a:r>
+          </a:p>
+          <a:p>
+            <a:r>
+              <a:rPr lang="en-US" sz="2000" dirty="0"/>
+              <a:t>The hidden layer was activated by a hyperbolic tangent function g(z) = tanh(z). Target values are activated by the </a:t>
+            </a:r>
+            <a:r>
+              <a:rPr lang="en-US" sz="2000" dirty="0" err="1"/>
+              <a:t>ReLU</a:t>
+            </a:r>
+            <a:r>
+              <a:rPr lang="en-US" sz="2000" dirty="0"/>
+              <a:t> (rectified linear unit) function f = max (0, x). </a:t>
+            </a:r>
+          </a:p>
+          <a:p>
+            <a:r>
+              <a:rPr lang="en-US" sz="2000" dirty="0"/>
+              <a:t>The hidden layer was activated by a hyperbolic tangent function g(z) = tanh(z). Target values are activated by the </a:t>
+            </a:r>
+            <a:r>
+              <a:rPr lang="en-US" sz="2000" dirty="0" err="1"/>
+              <a:t>ReLU</a:t>
+            </a:r>
+            <a:r>
+              <a:rPr lang="en-US" sz="2000" dirty="0"/>
+              <a:t> (rectified linear unit) function f = max (0, x). </a:t>
+            </a:r>
+          </a:p>
+          <a:p>
+            <a:endParaRPr lang="en-US" sz="2000" dirty="0"/>
+          </a:p>
+          <a:p>
+            <a:endParaRPr lang="en-US" sz="2000" dirty="0"/>
           </a:p>
         </p:txBody>
       </p:sp>
@@ -9409,7 +9320,7 @@
         </p:nvSpPr>
         <p:spPr>
           <a:xfrm>
-            <a:off x="768350" y="381000"/>
+            <a:off x="755650" y="304800"/>
             <a:ext cx="8285163" cy="863600"/>
           </a:xfrm>
         </p:spPr>
@@ -9417,25 +9328,18 @@
           <a:bodyPr/>
           <a:lstStyle/>
           <a:p>
-            <a:pPr marL="571500" indent="-457200"/>
-            <a:r>
-              <a:rPr lang="en-US" sz="3500" b="0" u="none" strike="noStrike" baseline="0" dirty="0">
-                <a:latin typeface="Times New Roman" panose="02020603050405020304" pitchFamily="18" charset="0"/>
-                <a:cs typeface="Times New Roman" panose="02020603050405020304" pitchFamily="18" charset="0"/>
-              </a:rPr>
-              <a:t>The generation of crime heat map</a:t>
-            </a:r>
-            <a:endParaRPr lang="en-US" sz="3500" dirty="0">
-              <a:latin typeface="Times New Roman" panose="02020603050405020304" pitchFamily="18" charset="0"/>
-              <a:cs typeface="Times New Roman" panose="02020603050405020304" pitchFamily="18" charset="0"/>
-            </a:endParaRPr>
+            <a:r>
+              <a:rPr lang="en-US" sz="3500" dirty="0"/>
+              <a:t>Simulation - Experiment</a:t>
+            </a:r>
+            <a:endParaRPr lang="en-US" altLang="en-US" sz="3500" dirty="0"/>
           </a:p>
         </p:txBody>
       </p:sp>
     </p:spTree>
     <p:extLst>
       <p:ext uri="{BB962C8B-B14F-4D97-AF65-F5344CB8AC3E}">
-        <p14:creationId xmlns:p14="http://schemas.microsoft.com/office/powerpoint/2010/main" val="1452930846"/>
+        <p14:creationId xmlns:p14="http://schemas.microsoft.com/office/powerpoint/2010/main" val="3858390353"/>
       </p:ext>
     </p:extLst>
   </p:cSld>
@@ -9483,7 +9387,7 @@
         </p:nvSpPr>
         <p:spPr>
           <a:xfrm>
-            <a:off x="609600" y="1371600"/>
+            <a:off x="755650" y="1304926"/>
             <a:ext cx="8262938" cy="5256212"/>
           </a:xfrm>
         </p:spPr>
@@ -9491,152 +9395,25 @@
           <a:bodyPr/>
           <a:lstStyle/>
           <a:p>
-            <a:pPr marL="400050"/>
-            <a:r>
-              <a:rPr lang="en-US" altLang="en-US" sz="2400" dirty="0">
-                <a:latin typeface="Times New Roman" panose="02020603050405020304" pitchFamily="18" charset="0"/>
-                <a:cs typeface="Times New Roman" panose="02020603050405020304" pitchFamily="18" charset="0"/>
-              </a:rPr>
-              <a:t>Other functions which have been tried:</a:t>
-            </a:r>
-          </a:p>
-          <a:p>
-            <a:pPr marL="800100" lvl="1"/>
-            <a:r>
-              <a:rPr lang="en-US" sz="1800" b="0" i="0" u="none" strike="noStrike" baseline="0" dirty="0">
-                <a:latin typeface="CharisSIL"/>
-              </a:rPr>
-              <a:t>Seaborn function</a:t>
-            </a:r>
-            <a:endParaRPr lang="en-US" sz="1800" b="0" i="0" u="none" strike="noStrike" baseline="0" dirty="0">
-              <a:latin typeface="Times New Roman" panose="02020603050405020304" pitchFamily="18" charset="0"/>
-              <a:cs typeface="Times New Roman" panose="02020603050405020304" pitchFamily="18" charset="0"/>
-            </a:endParaRPr>
-          </a:p>
-          <a:p>
-            <a:pPr marL="1200150" lvl="2"/>
-            <a:r>
-              <a:rPr lang="en-US" altLang="en-US" sz="1600" dirty="0">
-                <a:latin typeface="Times New Roman" panose="02020603050405020304" pitchFamily="18" charset="0"/>
-                <a:cs typeface="Times New Roman" panose="02020603050405020304" pitchFamily="18" charset="0"/>
-              </a:rPr>
-              <a:t>based on the principle of drawing a histogram and directly depicts the position of the point</a:t>
-            </a:r>
-          </a:p>
-          <a:p>
-            <a:pPr marL="1200150" lvl="2"/>
-            <a:r>
-              <a:rPr lang="en-US" altLang="en-US" sz="1600" dirty="0">
-                <a:latin typeface="Times New Roman" panose="02020603050405020304" pitchFamily="18" charset="0"/>
-                <a:cs typeface="Times New Roman" panose="02020603050405020304" pitchFamily="18" charset="0"/>
-              </a:rPr>
-              <a:t>the performance in the areas with lower crime rates is not ideal and the overall color was very light</a:t>
-            </a:r>
-          </a:p>
-          <a:p>
-            <a:pPr marL="800100" lvl="1"/>
-            <a:r>
-              <a:rPr lang="en-US" altLang="en-US" sz="2000" dirty="0">
-                <a:latin typeface="Times New Roman" panose="02020603050405020304" pitchFamily="18" charset="0"/>
-                <a:cs typeface="Times New Roman" panose="02020603050405020304" pitchFamily="18" charset="0"/>
-              </a:rPr>
-              <a:t>The Hist function</a:t>
-            </a:r>
-          </a:p>
-          <a:p>
-            <a:pPr marL="1200150" lvl="2"/>
-            <a:r>
-              <a:rPr lang="en-US" altLang="en-US" sz="1600" dirty="0">
-                <a:latin typeface="Times New Roman" panose="02020603050405020304" pitchFamily="18" charset="0"/>
-                <a:cs typeface="Times New Roman" panose="02020603050405020304" pitchFamily="18" charset="0"/>
-              </a:rPr>
-              <a:t>histogram as the basic principle of operation</a:t>
-            </a:r>
-          </a:p>
-          <a:p>
-            <a:pPr marL="1200150" lvl="2"/>
-            <a:r>
-              <a:rPr lang="en-US" altLang="en-US" sz="1600" dirty="0">
-                <a:latin typeface="Times New Roman" panose="02020603050405020304" pitchFamily="18" charset="0"/>
-                <a:cs typeface="Times New Roman" panose="02020603050405020304" pitchFamily="18" charset="0"/>
-              </a:rPr>
-              <a:t>assessing the density of the points around the center to determine the point’s color depth</a:t>
-            </a:r>
-          </a:p>
-          <a:p>
-            <a:pPr marL="1200150" lvl="2"/>
-            <a:r>
-              <a:rPr lang="en-US" altLang="en-US" sz="1600" dirty="0">
-                <a:latin typeface="Times New Roman" panose="02020603050405020304" pitchFamily="18" charset="0"/>
-                <a:cs typeface="Times New Roman" panose="02020603050405020304" pitchFamily="18" charset="0"/>
-              </a:rPr>
-              <a:t>Better than Seaborn</a:t>
-            </a:r>
-          </a:p>
-          <a:p>
-            <a:pPr marL="1200150" lvl="2"/>
-            <a:r>
-              <a:rPr lang="en-US" altLang="en-US" sz="1600" dirty="0">
-                <a:latin typeface="Times New Roman" panose="02020603050405020304" pitchFamily="18" charset="0"/>
-                <a:cs typeface="Times New Roman" panose="02020603050405020304" pitchFamily="18" charset="0"/>
-              </a:rPr>
-              <a:t>no parameter to control the range of the reference points to determine the color of a certain point</a:t>
-            </a:r>
-          </a:p>
-          <a:p>
-            <a:pPr marL="800100" lvl="1"/>
-            <a:r>
-              <a:rPr lang="en-US" altLang="en-US" sz="2000" dirty="0" err="1">
-                <a:latin typeface="Times New Roman" panose="02020603050405020304" pitchFamily="18" charset="0"/>
-                <a:cs typeface="Times New Roman" panose="02020603050405020304" pitchFamily="18" charset="0"/>
-              </a:rPr>
-              <a:t>Sklearn_kde</a:t>
-            </a:r>
-            <a:r>
-              <a:rPr lang="en-US" altLang="en-US" sz="2000" dirty="0">
-                <a:latin typeface="Times New Roman" panose="02020603050405020304" pitchFamily="18" charset="0"/>
-                <a:cs typeface="Times New Roman" panose="02020603050405020304" pitchFamily="18" charset="0"/>
-              </a:rPr>
-              <a:t> and Gaussian-</a:t>
-            </a:r>
-            <a:r>
-              <a:rPr lang="en-US" altLang="en-US" sz="2000" dirty="0" err="1">
-                <a:latin typeface="Times New Roman" panose="02020603050405020304" pitchFamily="18" charset="0"/>
-                <a:cs typeface="Times New Roman" panose="02020603050405020304" pitchFamily="18" charset="0"/>
-              </a:rPr>
-              <a:t>kde</a:t>
-            </a:r>
-            <a:endParaRPr lang="en-US" altLang="en-US" sz="2000" dirty="0">
-              <a:latin typeface="Times New Roman" panose="02020603050405020304" pitchFamily="18" charset="0"/>
-              <a:cs typeface="Times New Roman" panose="02020603050405020304" pitchFamily="18" charset="0"/>
-            </a:endParaRPr>
-          </a:p>
-          <a:p>
-            <a:pPr marL="1200150" lvl="2"/>
-            <a:r>
-              <a:rPr lang="en-US" altLang="en-US" sz="1600" dirty="0">
-                <a:latin typeface="Times New Roman" panose="02020603050405020304" pitchFamily="18" charset="0"/>
-                <a:cs typeface="Times New Roman" panose="02020603050405020304" pitchFamily="18" charset="0"/>
-              </a:rPr>
-              <a:t>all scatter plots considered to product the density value of each point in heat map</a:t>
-            </a:r>
-          </a:p>
-          <a:p>
-            <a:pPr marL="1200150" lvl="2"/>
-            <a:r>
-              <a:rPr lang="en-US" altLang="en-US" sz="1600" dirty="0">
-                <a:latin typeface="Times New Roman" panose="02020603050405020304" pitchFamily="18" charset="0"/>
-                <a:cs typeface="Times New Roman" panose="02020603050405020304" pitchFamily="18" charset="0"/>
-              </a:rPr>
-              <a:t>the colors of several blocks are similar (better for crime-prone areas for overall map)</a:t>
-            </a:r>
-          </a:p>
-          <a:p>
-            <a:pPr marL="1200150" lvl="2"/>
-            <a:endParaRPr lang="en-US" altLang="en-US" sz="1600" dirty="0">
-              <a:latin typeface="Times New Roman" panose="02020603050405020304" pitchFamily="18" charset="0"/>
-              <a:cs typeface="Times New Roman" panose="02020603050405020304" pitchFamily="18" charset="0"/>
-            </a:endParaRPr>
+            <a:r>
+              <a:rPr lang="en-US" sz="1800" dirty="0"/>
+              <a:t>The quality of result in a computer simulation is determined by its optimality – the extent a result achieved is the best possible;</a:t>
+            </a:r>
+          </a:p>
+          <a:p>
+            <a:r>
+              <a:rPr lang="en-US" sz="1800" dirty="0"/>
+              <a:t>The experiment yielded overall correlation coefficient R = 0.9485, after 15 epochs of 1,500 iterations. The correlation R for testing was 0.9612 and for validation, 0.9579. </a:t>
+            </a:r>
+          </a:p>
+          <a:p>
+            <a:r>
+              <a:rPr lang="en-US" sz="1800" dirty="0"/>
+              <a:t>It was a small-scale experiment, with sixteen independent variables, 765 samples and a relatively coarse evaluation scale with discreet values. </a:t>
+            </a:r>
+          </a:p>
+          <a:p>
+            <a:endParaRPr lang="en-US" sz="1800" dirty="0"/>
           </a:p>
         </p:txBody>
       </p:sp>
@@ -9658,7 +9435,7 @@
         </p:nvSpPr>
         <p:spPr>
           <a:xfrm>
-            <a:off x="768350" y="381000"/>
+            <a:off x="755650" y="304800"/>
             <a:ext cx="8285163" cy="863600"/>
           </a:xfrm>
         </p:spPr>
@@ -9666,25 +9443,48 @@
           <a:bodyPr/>
           <a:lstStyle/>
           <a:p>
-            <a:pPr marL="571500" indent="-457200"/>
-            <a:r>
-              <a:rPr lang="en-US" sz="3500" b="0" u="none" strike="noStrike" baseline="0" dirty="0">
-                <a:latin typeface="Times New Roman" panose="02020603050405020304" pitchFamily="18" charset="0"/>
-                <a:cs typeface="Times New Roman" panose="02020603050405020304" pitchFamily="18" charset="0"/>
-              </a:rPr>
-              <a:t>The generation of crime heat map</a:t>
-            </a:r>
-            <a:endParaRPr lang="en-US" sz="3500" dirty="0">
-              <a:latin typeface="Times New Roman" panose="02020603050405020304" pitchFamily="18" charset="0"/>
-              <a:cs typeface="Times New Roman" panose="02020603050405020304" pitchFamily="18" charset="0"/>
-            </a:endParaRPr>
+            <a:r>
+              <a:rPr lang="en-US" sz="3500" dirty="0"/>
+              <a:t>Results</a:t>
+            </a:r>
+            <a:endParaRPr lang="en-US" altLang="en-US" sz="3500" dirty="0"/>
           </a:p>
         </p:txBody>
       </p:sp>
+      <p:pic>
+        <p:nvPicPr>
+          <p:cNvPr id="2" name="Picture 1">
+            <a:extLst>
+              <a:ext uri="{FF2B5EF4-FFF2-40B4-BE49-F238E27FC236}">
+                <a16:creationId xmlns:a16="http://schemas.microsoft.com/office/drawing/2014/main" id="{C8654C1C-31D7-23B5-9CE6-CF0B48C75F9A}"/>
+              </a:ext>
+            </a:extLst>
+          </p:cNvPr>
+          <p:cNvPicPr>
+            <a:picLocks noChangeAspect="1"/>
+          </p:cNvPicPr>
+          <p:nvPr/>
+        </p:nvPicPr>
+        <p:blipFill>
+          <a:blip r:embed="rId2"/>
+          <a:stretch>
+            <a:fillRect/>
+          </a:stretch>
+        </p:blipFill>
+        <p:spPr>
+          <a:xfrm>
+            <a:off x="2895600" y="3205846"/>
+            <a:ext cx="4084782" cy="3632276"/>
+          </a:xfrm>
+          <a:prstGeom prst="rect">
+            <a:avLst/>
+          </a:prstGeom>
+        </p:spPr>
+      </p:pic>
     </p:spTree>
     <p:extLst>
       <p:ext uri="{BB962C8B-B14F-4D97-AF65-F5344CB8AC3E}">
-        <p14:creationId xmlns:p14="http://schemas.microsoft.com/office/powerpoint/2010/main" val="2842364649"/>
+        <p14:creationId xmlns:p14="http://schemas.microsoft.com/office/powerpoint/2010/main" val="231788997"/>
       </p:ext>
     </p:extLst>
   </p:cSld>
@@ -9716,6 +9516,66 @@
       </p:grpSpPr>
       <p:sp>
         <p:nvSpPr>
+          <p:cNvPr id="14338" name="Symbol zastępczy zawartości 1">
+            <a:extLst>
+              <a:ext uri="{FF2B5EF4-FFF2-40B4-BE49-F238E27FC236}">
+                <a16:creationId xmlns:a16="http://schemas.microsoft.com/office/drawing/2014/main" id="{56887BCD-F3D0-4546-A292-991E85A91EB2}"/>
+              </a:ext>
+            </a:extLst>
+          </p:cNvPr>
+          <p:cNvSpPr>
+            <a:spLocks noGrp="1"/>
+          </p:cNvSpPr>
+          <p:nvPr>
+            <p:ph sz="half" idx="1"/>
+          </p:nvPr>
+        </p:nvSpPr>
+        <p:spPr>
+          <a:xfrm>
+            <a:off x="755650" y="1304926"/>
+            <a:ext cx="8262938" cy="5256212"/>
+          </a:xfrm>
+        </p:spPr>
+        <p:txBody>
+          <a:bodyPr/>
+          <a:lstStyle/>
+          <a:p>
+            <a:r>
+              <a:rPr lang="en-US" sz="2000" dirty="0"/>
+              <a:t>This article tackles a shortfall in the FEPD and suggests a systems approach supported by predictive learning.</a:t>
+            </a:r>
+          </a:p>
+          <a:p>
+            <a:r>
+              <a:rPr lang="en-US" sz="2000" dirty="0"/>
+              <a:t>The human expert is an active participant in the learning process, neither a mere “guesser” nor just a data provider. </a:t>
+            </a:r>
+          </a:p>
+          <a:p>
+            <a:r>
+              <a:rPr lang="en-US" sz="2000" dirty="0"/>
+              <a:t> Machine learning extracts relationships that are difficult to map mentally or heuristically, but usually needs large amounts of training data. </a:t>
+            </a:r>
+          </a:p>
+          <a:p>
+            <a:r>
+              <a:rPr lang="en-US" sz="2000" dirty="0"/>
+              <a:t>The proposed model is an extension of substantive existing literature. It contributes by offering a holistic problem-solving framework, integrating both systems thinking and statistical learning, to explain and to predict in the FEPD. </a:t>
+            </a:r>
+          </a:p>
+          <a:p>
+            <a:r>
+              <a:rPr lang="en-US" sz="2000" dirty="0"/>
+              <a:t>An artificial neural network was chosen as the simulation algorithm. However, that does not mean other tools - such as SVMs (support vector machines) - could not be equally or more effective. </a:t>
+            </a:r>
+          </a:p>
+          <a:p>
+            <a:endParaRPr lang="en-US" sz="2000" dirty="0"/>
+          </a:p>
+        </p:txBody>
+      </p:sp>
+      <p:sp>
+        <p:nvSpPr>
           <p:cNvPr id="14340" name="Symbol zastępczy tekstu 3">
             <a:extLst>
               <a:ext uri="{FF2B5EF4-FFF2-40B4-BE49-F238E27FC236}">
@@ -9732,7 +9592,7 @@
         </p:nvSpPr>
         <p:spPr>
           <a:xfrm>
-            <a:off x="755650" y="620713"/>
+            <a:off x="755650" y="304800"/>
             <a:ext cx="8285163" cy="863600"/>
           </a:xfrm>
         </p:spPr>
@@ -9740,54 +9600,18 @@
           <a:bodyPr/>
           <a:lstStyle/>
           <a:p>
-            <a:pPr marL="571500" indent="-457200"/>
-            <a:r>
-              <a:rPr lang="en-US" sz="4400" b="0" u="none" strike="noStrike" baseline="0" dirty="0">
-                <a:latin typeface="Times New Roman" panose="02020603050405020304" pitchFamily="18" charset="0"/>
-                <a:cs typeface="Times New Roman" panose="02020603050405020304" pitchFamily="18" charset="0"/>
-              </a:rPr>
-              <a:t>The generation of crime heat map</a:t>
-            </a:r>
-            <a:endParaRPr lang="en-US" sz="4400" dirty="0">
-              <a:latin typeface="Times New Roman" panose="02020603050405020304" pitchFamily="18" charset="0"/>
-              <a:cs typeface="Times New Roman" panose="02020603050405020304" pitchFamily="18" charset="0"/>
-            </a:endParaRPr>
+            <a:r>
+              <a:rPr lang="en-US" sz="3500" dirty="0"/>
+              <a:t>Conclusion</a:t>
+            </a:r>
+            <a:endParaRPr lang="en-US" altLang="en-US" sz="3500" dirty="0"/>
           </a:p>
         </p:txBody>
       </p:sp>
-      <p:pic>
-        <p:nvPicPr>
-          <p:cNvPr id="3" name="Content Placeholder 2">
-            <a:extLst>
-              <a:ext uri="{FF2B5EF4-FFF2-40B4-BE49-F238E27FC236}">
-                <a16:creationId xmlns:a16="http://schemas.microsoft.com/office/drawing/2014/main" id="{892EFE1F-E53D-4730-BACE-7B175880CFCF}"/>
-              </a:ext>
-            </a:extLst>
-          </p:cNvPr>
-          <p:cNvPicPr>
-            <a:picLocks noGrp="1" noChangeAspect="1"/>
-          </p:cNvPicPr>
-          <p:nvPr>
-            <p:ph sz="half" idx="1"/>
-          </p:nvPr>
-        </p:nvPicPr>
-        <p:blipFill>
-          <a:blip r:embed="rId2"/>
-          <a:stretch>
-            <a:fillRect/>
-          </a:stretch>
-        </p:blipFill>
-        <p:spPr>
-          <a:xfrm>
-            <a:off x="755650" y="2387519"/>
-            <a:ext cx="8262938" cy="3595850"/>
-          </a:xfrm>
-        </p:spPr>
-      </p:pic>
     </p:spTree>
     <p:extLst>
       <p:ext uri="{BB962C8B-B14F-4D97-AF65-F5344CB8AC3E}">
-        <p14:creationId xmlns:p14="http://schemas.microsoft.com/office/powerpoint/2010/main" val="3332798832"/>
+        <p14:creationId xmlns:p14="http://schemas.microsoft.com/office/powerpoint/2010/main" val="3974294745"/>
       </p:ext>
     </p:extLst>
   </p:cSld>
@@ -9835,132 +9659,20 @@
         </p:nvSpPr>
         <p:spPr>
           <a:xfrm>
-            <a:off x="609600" y="1371600"/>
-            <a:ext cx="8262938" cy="5256212"/>
+            <a:off x="2895600" y="2895600"/>
+            <a:ext cx="3886200" cy="1524000"/>
           </a:xfrm>
         </p:spPr>
         <p:txBody>
           <a:bodyPr/>
           <a:lstStyle/>
           <a:p>
-            <a:pPr marL="400050"/>
-            <a:r>
-              <a:rPr lang="en-US" altLang="en-US" sz="2400" dirty="0">
-                <a:latin typeface="Times New Roman" panose="02020603050405020304" pitchFamily="18" charset="0"/>
-                <a:cs typeface="Times New Roman" panose="02020603050405020304" pitchFamily="18" charset="0"/>
-              </a:rPr>
-              <a:t>Need to collect maps from </a:t>
-            </a:r>
-            <a:r>
-              <a:rPr lang="en-US" altLang="en-US" sz="2400" dirty="0" err="1">
-                <a:latin typeface="Times New Roman" panose="02020603050405020304" pitchFamily="18" charset="0"/>
-                <a:cs typeface="Times New Roman" panose="02020603050405020304" pitchFamily="18" charset="0"/>
-              </a:rPr>
-              <a:t>Mapbox</a:t>
-            </a:r>
-            <a:r>
-              <a:rPr lang="en-US" altLang="en-US" sz="2400" dirty="0">
-                <a:latin typeface="Times New Roman" panose="02020603050405020304" pitchFamily="18" charset="0"/>
-                <a:cs typeface="Times New Roman" panose="02020603050405020304" pitchFamily="18" charset="0"/>
-              </a:rPr>
-              <a:t> (building information is incomplete) and Google Map (cannot distinguish specific buildings)</a:t>
-            </a:r>
-          </a:p>
-          <a:p>
-            <a:pPr marL="400050"/>
-            <a:r>
-              <a:rPr lang="en-US" altLang="en-US" sz="2400" dirty="0">
-                <a:latin typeface="Times New Roman" panose="02020603050405020304" pitchFamily="18" charset="0"/>
-                <a:cs typeface="Times New Roman" panose="02020603050405020304" pitchFamily="18" charset="0"/>
-              </a:rPr>
-              <a:t>Have some specifications to export JSON code</a:t>
-            </a:r>
-          </a:p>
-          <a:p>
-            <a:pPr marL="800100" lvl="1"/>
-            <a:r>
-              <a:rPr lang="en-US" altLang="en-US" sz="2000" dirty="0">
-                <a:latin typeface="Times New Roman" panose="02020603050405020304" pitchFamily="18" charset="0"/>
-                <a:cs typeface="Times New Roman" panose="02020603050405020304" pitchFamily="18" charset="0"/>
-              </a:rPr>
-              <a:t>all roads =&gt; black</a:t>
-            </a:r>
-          </a:p>
-          <a:p>
-            <a:pPr marL="800100" lvl="1"/>
-            <a:r>
-              <a:rPr lang="en-US" altLang="en-US" sz="2000" dirty="0">
-                <a:latin typeface="Times New Roman" panose="02020603050405020304" pitchFamily="18" charset="0"/>
-                <a:cs typeface="Times New Roman" panose="02020603050405020304" pitchFamily="18" charset="0"/>
-              </a:rPr>
-              <a:t>grass =&gt; green</a:t>
-            </a:r>
-          </a:p>
-          <a:p>
-            <a:pPr marL="800100" lvl="1"/>
-            <a:r>
-              <a:rPr lang="en-US" altLang="en-US" sz="2000" dirty="0">
-                <a:latin typeface="Times New Roman" panose="02020603050405020304" pitchFamily="18" charset="0"/>
-                <a:cs typeface="Times New Roman" panose="02020603050405020304" pitchFamily="18" charset="0"/>
-              </a:rPr>
-              <a:t>water =&gt; blue</a:t>
-            </a:r>
-          </a:p>
-          <a:p>
-            <a:pPr marL="800100" lvl="1"/>
-            <a:r>
-              <a:rPr lang="en-US" altLang="en-US" sz="2000" dirty="0">
-                <a:latin typeface="Times New Roman" panose="02020603050405020304" pitchFamily="18" charset="0"/>
-                <a:cs typeface="Times New Roman" panose="02020603050405020304" pitchFamily="18" charset="0"/>
-              </a:rPr>
-              <a:t>background =&gt; white</a:t>
-            </a:r>
-          </a:p>
-          <a:p>
-            <a:pPr marL="400050"/>
-            <a:r>
-              <a:rPr lang="en-US" altLang="en-US" sz="2400" dirty="0">
-                <a:latin typeface="Times New Roman" panose="02020603050405020304" pitchFamily="18" charset="0"/>
-                <a:cs typeface="Times New Roman" panose="02020603050405020304" pitchFamily="18" charset="0"/>
-              </a:rPr>
-              <a:t>The purpose of the processing of the map in this research is to improve the neural network’s ability to distinguish the positions of different spaces, and to enhance the accuracy and legibility of the results that the model generates.</a:t>
-            </a:r>
-          </a:p>
-        </p:txBody>
-      </p:sp>
-      <p:sp>
-        <p:nvSpPr>
-          <p:cNvPr id="14340" name="Symbol zastępczy tekstu 3">
-            <a:extLst>
-              <a:ext uri="{FF2B5EF4-FFF2-40B4-BE49-F238E27FC236}">
-                <a16:creationId xmlns:a16="http://schemas.microsoft.com/office/drawing/2014/main" id="{A0D59D9A-0B96-4CFB-BFDE-3929C861B03D}"/>
-              </a:ext>
-            </a:extLst>
-          </p:cNvPr>
-          <p:cNvSpPr>
-            <a:spLocks noGrp="1"/>
-          </p:cNvSpPr>
-          <p:nvPr>
-            <p:ph type="body" idx="11"/>
-          </p:nvPr>
-        </p:nvSpPr>
-        <p:spPr>
-          <a:xfrm>
-            <a:off x="768350" y="381000"/>
-            <a:ext cx="8285163" cy="863600"/>
-          </a:xfrm>
-        </p:spPr>
-        <p:txBody>
-          <a:bodyPr/>
-          <a:lstStyle/>
-          <a:p>
-            <a:pPr marL="571500" indent="-457200"/>
-            <a:r>
-              <a:rPr lang="en-US" sz="3500" b="0" u="none" strike="noStrike" baseline="0" dirty="0">
-                <a:latin typeface="Times New Roman" panose="02020603050405020304" pitchFamily="18" charset="0"/>
-                <a:cs typeface="Times New Roman" panose="02020603050405020304" pitchFamily="18" charset="0"/>
-              </a:rPr>
-              <a:t>The collection of city maps</a:t>
+            <a:pPr marL="0" indent="0">
+              <a:buNone/>
+            </a:pPr>
+            <a:r>
+              <a:rPr lang="en-US" sz="5500" dirty="0"/>
+              <a:t>THANK YOU!</a:t>
             </a:r>
           </a:p>
         </p:txBody>
@@ -9968,258 +9680,7 @@
     </p:spTree>
     <p:extLst>
       <p:ext uri="{BB962C8B-B14F-4D97-AF65-F5344CB8AC3E}">
-        <p14:creationId xmlns:p14="http://schemas.microsoft.com/office/powerpoint/2010/main" val="4137586967"/>
-      </p:ext>
-    </p:extLst>
-  </p:cSld>
-  <p:clrMapOvr>
-    <a:masterClrMapping/>
-  </p:clrMapOvr>
-  <p:transition>
-    <p:randomBar/>
-  </p:transition>
-</p:sld>
-</file>
-
-<file path=ppt/slides/slide19.xml><?xml version="1.0" encoding="utf-8"?>
-<p:sld xmlns:a="http://schemas.openxmlformats.org/drawingml/2006/main" xmlns:r="http://schemas.openxmlformats.org/officeDocument/2006/relationships" xmlns:p="http://schemas.openxmlformats.org/presentationml/2006/main">
-  <p:cSld>
-    <p:spTree>
-      <p:nvGrpSpPr>
-        <p:cNvPr id="1" name=""/>
-        <p:cNvGrpSpPr/>
-        <p:nvPr/>
-      </p:nvGrpSpPr>
-      <p:grpSpPr>
-        <a:xfrm>
-          <a:off x="0" y="0"/>
-          <a:ext cx="0" cy="0"/>
-          <a:chOff x="0" y="0"/>
-          <a:chExt cx="0" cy="0"/>
-        </a:xfrm>
-      </p:grpSpPr>
-      <p:sp>
-        <p:nvSpPr>
-          <p:cNvPr id="14338" name="Symbol zastępczy zawartości 1">
-            <a:extLst>
-              <a:ext uri="{FF2B5EF4-FFF2-40B4-BE49-F238E27FC236}">
-                <a16:creationId xmlns:a16="http://schemas.microsoft.com/office/drawing/2014/main" id="{56887BCD-F3D0-4546-A292-991E85A91EB2}"/>
-              </a:ext>
-            </a:extLst>
-          </p:cNvPr>
-          <p:cNvSpPr>
-            <a:spLocks noGrp="1"/>
-          </p:cNvSpPr>
-          <p:nvPr>
-            <p:ph sz="half" idx="1"/>
-          </p:nvPr>
-        </p:nvSpPr>
-        <p:spPr>
-          <a:xfrm>
-            <a:off x="609600" y="1524000"/>
-            <a:ext cx="8262938" cy="5256212"/>
-          </a:xfrm>
-        </p:spPr>
-        <p:txBody>
-          <a:bodyPr/>
-          <a:lstStyle/>
-          <a:p>
-            <a:pPr marL="400050"/>
-            <a:r>
-              <a:rPr lang="en-US" altLang="en-US" sz="2000" dirty="0">
-                <a:latin typeface="Times New Roman" panose="02020603050405020304" pitchFamily="18" charset="0"/>
-                <a:cs typeface="Times New Roman" panose="02020603050405020304" pitchFamily="18" charset="0"/>
-              </a:rPr>
-              <a:t>Taking screenshots – </a:t>
-            </a:r>
-            <a:r>
-              <a:rPr lang="en-US" altLang="en-US" sz="2000" dirty="0" err="1">
-                <a:latin typeface="Times New Roman" panose="02020603050405020304" pitchFamily="18" charset="0"/>
-                <a:cs typeface="Times New Roman" panose="02020603050405020304" pitchFamily="18" charset="0"/>
-              </a:rPr>
-              <a:t>Mouserecorder</a:t>
-            </a:r>
-            <a:endParaRPr lang="en-US" altLang="en-US" sz="2000" dirty="0">
-              <a:latin typeface="Times New Roman" panose="02020603050405020304" pitchFamily="18" charset="0"/>
-              <a:cs typeface="Times New Roman" panose="02020603050405020304" pitchFamily="18" charset="0"/>
-            </a:endParaRPr>
-          </a:p>
-          <a:p>
-            <a:pPr marL="800100" lvl="1"/>
-            <a:r>
-              <a:rPr lang="en-US" altLang="en-US" sz="2000" dirty="0">
-                <a:latin typeface="Times New Roman" panose="02020603050405020304" pitchFamily="18" charset="0"/>
-                <a:cs typeface="Times New Roman" panose="02020603050405020304" pitchFamily="18" charset="0"/>
-              </a:rPr>
-              <a:t>After screenshot, 1500 mini maps are obtained</a:t>
-            </a:r>
-          </a:p>
-          <a:p>
-            <a:pPr marL="400050"/>
-            <a:r>
-              <a:rPr lang="en-US" altLang="en-US" sz="2000" dirty="0">
-                <a:latin typeface="Times New Roman" panose="02020603050405020304" pitchFamily="18" charset="0"/>
-                <a:cs typeface="Times New Roman" panose="02020603050405020304" pitchFamily="18" charset="0"/>
-              </a:rPr>
-              <a:t>Cropping and sticking maps – </a:t>
-            </a:r>
-            <a:r>
-              <a:rPr lang="en-US" sz="2000" b="0" i="0" u="none" strike="noStrike" baseline="0" dirty="0" err="1">
-                <a:latin typeface="CharisSIL"/>
-              </a:rPr>
-              <a:t>NeoImaging</a:t>
-            </a:r>
-            <a:endParaRPr lang="en-US" sz="2000" b="0" i="0" u="none" strike="noStrike" baseline="0" dirty="0">
-              <a:latin typeface="CharisSIL"/>
-            </a:endParaRPr>
-          </a:p>
-          <a:p>
-            <a:pPr marL="400050"/>
-            <a:r>
-              <a:rPr lang="en-US" sz="2000" dirty="0">
-                <a:latin typeface="CharisSIL"/>
-                <a:cs typeface="Times New Roman" panose="02020603050405020304" pitchFamily="18" charset="0"/>
-              </a:rPr>
-              <a:t>Generated the map manually in Photoshop with a resolution of 300dpi</a:t>
-            </a:r>
-          </a:p>
-          <a:p>
-            <a:pPr marL="400050"/>
-            <a:r>
-              <a:rPr lang="en-US" sz="2000" dirty="0">
-                <a:latin typeface="CharisSIL"/>
-              </a:rPr>
-              <a:t>T</a:t>
-            </a:r>
-            <a:r>
-              <a:rPr lang="en-US" sz="2000" b="0" i="0" u="none" strike="noStrike" baseline="0" dirty="0">
-                <a:latin typeface="CharisSIL"/>
-              </a:rPr>
-              <a:t>he unit-longitude and unit-latitude</a:t>
-            </a:r>
-            <a:r>
-              <a:rPr lang="en-US" sz="2000" dirty="0">
-                <a:latin typeface="CharisSIL"/>
-              </a:rPr>
-              <a:t> </a:t>
-            </a:r>
-            <a:r>
-              <a:rPr lang="en-US" sz="2000" b="0" i="0" u="none" strike="noStrike" baseline="0" dirty="0">
-                <a:latin typeface="CharisSIL"/>
-              </a:rPr>
-              <a:t>length in the hot map are the same, while the unit-longitude and unit-latitude length in the flat map are different.</a:t>
-            </a:r>
-          </a:p>
-          <a:p>
-            <a:pPr lvl="1"/>
-            <a:r>
-              <a:rPr lang="en-US" sz="2000" dirty="0">
-                <a:latin typeface="CharisSIL"/>
-                <a:cs typeface="Times New Roman" panose="02020603050405020304" pitchFamily="18" charset="0"/>
-              </a:rPr>
-              <a:t>Needed zoom operation on the crime-rate heat map</a:t>
-            </a:r>
-          </a:p>
-          <a:p>
-            <a:pPr lvl="1"/>
-            <a:r>
-              <a:rPr lang="en-US" sz="2000" b="0" i="0" u="none" strike="noStrike" baseline="0" dirty="0">
-                <a:latin typeface="CharisSIL"/>
-                <a:cs typeface="Times New Roman" panose="02020603050405020304" pitchFamily="18" charset="0"/>
-              </a:rPr>
-              <a:t>After al</a:t>
-            </a:r>
-            <a:r>
-              <a:rPr lang="en-US" sz="2000" dirty="0">
-                <a:latin typeface="CharisSIL"/>
-                <a:cs typeface="Times New Roman" panose="02020603050405020304" pitchFamily="18" charset="0"/>
-              </a:rPr>
-              <a:t>igning the two images and removing the extra parts, everything is fine</a:t>
-            </a:r>
-          </a:p>
-          <a:p>
-            <a:pPr lvl="1"/>
-            <a:r>
-              <a:rPr lang="en-US" sz="2000" dirty="0">
-                <a:latin typeface="CharisSIL"/>
-                <a:cs typeface="Times New Roman" panose="02020603050405020304" pitchFamily="18" charset="0"/>
-              </a:rPr>
-              <a:t>delete outside places from the city</a:t>
-            </a:r>
-          </a:p>
-          <a:p>
-            <a:pPr lvl="1"/>
-            <a:r>
-              <a:rPr lang="en-US" sz="2000" dirty="0">
-                <a:latin typeface="CharisSIL"/>
-                <a:cs typeface="Times New Roman" panose="02020603050405020304" pitchFamily="18" charset="0"/>
-              </a:rPr>
-              <a:t>2,291 sets of actual maps and crime heat maps corresponding to each other are obtained. (15 sets removed for test cases – accuracy of the model)</a:t>
-            </a:r>
-          </a:p>
-          <a:p>
-            <a:endParaRPr lang="en-US" sz="2400" b="0" i="0" u="none" strike="noStrike" baseline="0" dirty="0">
-              <a:latin typeface="Times New Roman" panose="02020603050405020304" pitchFamily="18" charset="0"/>
-              <a:cs typeface="Times New Roman" panose="02020603050405020304" pitchFamily="18" charset="0"/>
-            </a:endParaRPr>
-          </a:p>
-          <a:p>
-            <a:pPr marL="800100" lvl="1"/>
-            <a:endParaRPr lang="en-US" altLang="en-US" sz="2000" dirty="0">
-              <a:latin typeface="Times New Roman" panose="02020603050405020304" pitchFamily="18" charset="0"/>
-              <a:cs typeface="Times New Roman" panose="02020603050405020304" pitchFamily="18" charset="0"/>
-            </a:endParaRPr>
-          </a:p>
-          <a:p>
-            <a:pPr marL="400050"/>
-            <a:endParaRPr lang="en-US" altLang="en-US" sz="2400" dirty="0">
-              <a:latin typeface="Times New Roman" panose="02020603050405020304" pitchFamily="18" charset="0"/>
-              <a:cs typeface="Times New Roman" panose="02020603050405020304" pitchFamily="18" charset="0"/>
-            </a:endParaRPr>
-          </a:p>
-        </p:txBody>
-      </p:sp>
-      <p:sp>
-        <p:nvSpPr>
-          <p:cNvPr id="14340" name="Symbol zastępczy tekstu 3">
-            <a:extLst>
-              <a:ext uri="{FF2B5EF4-FFF2-40B4-BE49-F238E27FC236}">
-                <a16:creationId xmlns:a16="http://schemas.microsoft.com/office/drawing/2014/main" id="{A0D59D9A-0B96-4CFB-BFDE-3929C861B03D}"/>
-              </a:ext>
-            </a:extLst>
-          </p:cNvPr>
-          <p:cNvSpPr>
-            <a:spLocks noGrp="1"/>
-          </p:cNvSpPr>
-          <p:nvPr>
-            <p:ph type="body" idx="11"/>
-          </p:nvPr>
-        </p:nvSpPr>
-        <p:spPr>
-          <a:xfrm>
-            <a:off x="768350" y="381000"/>
-            <a:ext cx="8285163" cy="863600"/>
-          </a:xfrm>
-        </p:spPr>
-        <p:txBody>
-          <a:bodyPr/>
-          <a:lstStyle/>
-          <a:p>
-            <a:pPr marL="571500" indent="-457200"/>
-            <a:r>
-              <a:rPr lang="en-US" sz="3500" b="0" u="none" strike="noStrike" baseline="0" dirty="0">
-                <a:latin typeface="Times New Roman" panose="02020603050405020304" pitchFamily="18" charset="0"/>
-                <a:cs typeface="Times New Roman" panose="02020603050405020304" pitchFamily="18" charset="0"/>
-              </a:rPr>
-              <a:t>The collection of city maps</a:t>
-            </a:r>
-          </a:p>
-        </p:txBody>
-      </p:sp>
-    </p:spTree>
-    <p:extLst>
-      <p:ext uri="{BB962C8B-B14F-4D97-AF65-F5344CB8AC3E}">
-        <p14:creationId xmlns:p14="http://schemas.microsoft.com/office/powerpoint/2010/main" val="2065521450"/>
+        <p14:creationId xmlns:p14="http://schemas.microsoft.com/office/powerpoint/2010/main" val="1653738161"/>
       </p:ext>
     </p:extLst>
   </p:cSld>
@@ -10301,16 +9762,6 @@
                 <a:latin typeface="Times New Roman" panose="02020603050405020304" pitchFamily="18" charset="0"/>
                 <a:cs typeface="Times New Roman" panose="02020603050405020304" pitchFamily="18" charset="0"/>
               </a:rPr>
-              <a:t>Method</a:t>
-            </a:r>
-          </a:p>
-          <a:p>
-            <a:pPr marL="571500" indent="-457200"/>
-            <a:r>
-              <a:rPr lang="en-US" altLang="en-US" sz="2500" dirty="0">
-                <a:latin typeface="Times New Roman" panose="02020603050405020304" pitchFamily="18" charset="0"/>
-                <a:cs typeface="Times New Roman" panose="02020603050405020304" pitchFamily="18" charset="0"/>
-              </a:rPr>
               <a:t>Theoretical background</a:t>
             </a:r>
           </a:p>
@@ -10403,1237 +9854,6 @@
     <p:extLst>
       <p:ext uri="{BB962C8B-B14F-4D97-AF65-F5344CB8AC3E}">
         <p14:creationId xmlns:p14="http://schemas.microsoft.com/office/powerpoint/2010/main" val="2198520494"/>
-      </p:ext>
-    </p:extLst>
-  </p:cSld>
-  <p:clrMapOvr>
-    <a:masterClrMapping/>
-  </p:clrMapOvr>
-  <p:transition>
-    <p:randomBar/>
-  </p:transition>
-</p:sld>
-</file>
-
-<file path=ppt/slides/slide20.xml><?xml version="1.0" encoding="utf-8"?>
-<p:sld xmlns:a="http://schemas.openxmlformats.org/drawingml/2006/main" xmlns:r="http://schemas.openxmlformats.org/officeDocument/2006/relationships" xmlns:p="http://schemas.openxmlformats.org/presentationml/2006/main">
-  <p:cSld>
-    <p:spTree>
-      <p:nvGrpSpPr>
-        <p:cNvPr id="1" name=""/>
-        <p:cNvGrpSpPr/>
-        <p:nvPr/>
-      </p:nvGrpSpPr>
-      <p:grpSpPr>
-        <a:xfrm>
-          <a:off x="0" y="0"/>
-          <a:ext cx="0" cy="0"/>
-          <a:chOff x="0" y="0"/>
-          <a:chExt cx="0" cy="0"/>
-        </a:xfrm>
-      </p:grpSpPr>
-      <p:pic>
-        <p:nvPicPr>
-          <p:cNvPr id="5" name="Content Placeholder 4">
-            <a:extLst>
-              <a:ext uri="{FF2B5EF4-FFF2-40B4-BE49-F238E27FC236}">
-                <a16:creationId xmlns:a16="http://schemas.microsoft.com/office/drawing/2014/main" id="{1467E511-EFC7-4F5D-8B7B-FC72684D3ED9}"/>
-              </a:ext>
-            </a:extLst>
-          </p:cNvPr>
-          <p:cNvPicPr>
-            <a:picLocks noGrp="1" noChangeAspect="1"/>
-          </p:cNvPicPr>
-          <p:nvPr>
-            <p:ph sz="half" idx="1"/>
-          </p:nvPr>
-        </p:nvPicPr>
-        <p:blipFill>
-          <a:blip r:embed="rId2"/>
-          <a:stretch>
-            <a:fillRect/>
-          </a:stretch>
-        </p:blipFill>
-        <p:spPr>
-          <a:xfrm>
-            <a:off x="752475" y="2362200"/>
-            <a:ext cx="8262938" cy="2386126"/>
-          </a:xfrm>
-        </p:spPr>
-      </p:pic>
-      <p:sp>
-        <p:nvSpPr>
-          <p:cNvPr id="14340" name="Symbol zastępczy tekstu 3">
-            <a:extLst>
-              <a:ext uri="{FF2B5EF4-FFF2-40B4-BE49-F238E27FC236}">
-                <a16:creationId xmlns:a16="http://schemas.microsoft.com/office/drawing/2014/main" id="{A0D59D9A-0B96-4CFB-BFDE-3929C861B03D}"/>
-              </a:ext>
-            </a:extLst>
-          </p:cNvPr>
-          <p:cNvSpPr>
-            <a:spLocks noGrp="1"/>
-          </p:cNvSpPr>
-          <p:nvPr>
-            <p:ph type="body" idx="11"/>
-          </p:nvPr>
-        </p:nvSpPr>
-        <p:spPr>
-          <a:xfrm>
-            <a:off x="768350" y="381000"/>
-            <a:ext cx="8285163" cy="863600"/>
-          </a:xfrm>
-        </p:spPr>
-        <p:txBody>
-          <a:bodyPr/>
-          <a:lstStyle/>
-          <a:p>
-            <a:pPr marL="571500" indent="-457200"/>
-            <a:r>
-              <a:rPr lang="en-US" sz="3500" b="0" u="none" strike="noStrike" baseline="0" dirty="0">
-                <a:latin typeface="Times New Roman" panose="02020603050405020304" pitchFamily="18" charset="0"/>
-                <a:cs typeface="Times New Roman" panose="02020603050405020304" pitchFamily="18" charset="0"/>
-              </a:rPr>
-              <a:t>The collection of city maps</a:t>
-            </a:r>
-          </a:p>
-        </p:txBody>
-      </p:sp>
-    </p:spTree>
-    <p:extLst>
-      <p:ext uri="{BB962C8B-B14F-4D97-AF65-F5344CB8AC3E}">
-        <p14:creationId xmlns:p14="http://schemas.microsoft.com/office/powerpoint/2010/main" val="483393482"/>
-      </p:ext>
-    </p:extLst>
-  </p:cSld>
-  <p:clrMapOvr>
-    <a:masterClrMapping/>
-  </p:clrMapOvr>
-  <p:transition>
-    <p:randomBar/>
-  </p:transition>
-</p:sld>
-</file>
-
-<file path=ppt/slides/slide21.xml><?xml version="1.0" encoding="utf-8"?>
-<p:sld xmlns:a="http://schemas.openxmlformats.org/drawingml/2006/main" xmlns:r="http://schemas.openxmlformats.org/officeDocument/2006/relationships" xmlns:p="http://schemas.openxmlformats.org/presentationml/2006/main">
-  <p:cSld>
-    <p:spTree>
-      <p:nvGrpSpPr>
-        <p:cNvPr id="1" name=""/>
-        <p:cNvGrpSpPr/>
-        <p:nvPr/>
-      </p:nvGrpSpPr>
-      <p:grpSpPr>
-        <a:xfrm>
-          <a:off x="0" y="0"/>
-          <a:ext cx="0" cy="0"/>
-          <a:chOff x="0" y="0"/>
-          <a:chExt cx="0" cy="0"/>
-        </a:xfrm>
-      </p:grpSpPr>
-      <p:sp>
-        <p:nvSpPr>
-          <p:cNvPr id="14338" name="Symbol zastępczy zawartości 1">
-            <a:extLst>
-              <a:ext uri="{FF2B5EF4-FFF2-40B4-BE49-F238E27FC236}">
-                <a16:creationId xmlns:a16="http://schemas.microsoft.com/office/drawing/2014/main" id="{56887BCD-F3D0-4546-A292-991E85A91EB2}"/>
-              </a:ext>
-            </a:extLst>
-          </p:cNvPr>
-          <p:cNvSpPr>
-            <a:spLocks noGrp="1"/>
-          </p:cNvSpPr>
-          <p:nvPr>
-            <p:ph sz="half" idx="1"/>
-          </p:nvPr>
-        </p:nvSpPr>
-        <p:spPr>
-          <a:xfrm>
-            <a:off x="768350" y="1633721"/>
-            <a:ext cx="8262938" cy="5256212"/>
-          </a:xfrm>
-        </p:spPr>
-        <p:txBody>
-          <a:bodyPr/>
-          <a:lstStyle/>
-          <a:p>
-            <a:pPr marL="400050"/>
-            <a:r>
-              <a:rPr lang="en-US" altLang="en-US" sz="2000" dirty="0">
-                <a:latin typeface="Times New Roman" panose="02020603050405020304" pitchFamily="18" charset="0"/>
-                <a:cs typeface="Times New Roman" panose="02020603050405020304" pitchFamily="18" charset="0"/>
-              </a:rPr>
-              <a:t>Main algorithm – </a:t>
-            </a:r>
-            <a:r>
-              <a:rPr lang="en-US" altLang="en-US" sz="2000" b="1" dirty="0">
-                <a:latin typeface="Times New Roman" panose="02020603050405020304" pitchFamily="18" charset="0"/>
-                <a:cs typeface="Times New Roman" panose="02020603050405020304" pitchFamily="18" charset="0"/>
-              </a:rPr>
-              <a:t>Pix2pixHD</a:t>
-            </a:r>
-          </a:p>
-          <a:p>
-            <a:r>
-              <a:rPr lang="en-US" sz="2000" i="0" u="none" strike="noStrike" baseline="0" dirty="0">
-                <a:latin typeface="Times New Roman" panose="02020603050405020304" pitchFamily="18" charset="0"/>
-                <a:cs typeface="Times New Roman" panose="02020603050405020304" pitchFamily="18" charset="0"/>
-              </a:rPr>
-              <a:t>The continuous confrontation between the two parties is characteristic of successful and accurate GAN training.</a:t>
-            </a:r>
-          </a:p>
-          <a:p>
-            <a:r>
-              <a:rPr lang="en-US" altLang="en-US" sz="2000" dirty="0">
-                <a:latin typeface="Times New Roman" panose="02020603050405020304" pitchFamily="18" charset="0"/>
-                <a:cs typeface="Times New Roman" panose="02020603050405020304" pitchFamily="18" charset="0"/>
-              </a:rPr>
-              <a:t>The training process is also successful when, on repeated occasions, the generator’s loss value is low and the discriminator’s loss value is comparatively high.</a:t>
-            </a:r>
-          </a:p>
-          <a:p>
-            <a:r>
-              <a:rPr lang="en-US" altLang="en-US" sz="2000" dirty="0">
-                <a:latin typeface="Times New Roman" panose="02020603050405020304" pitchFamily="18" charset="0"/>
-                <a:cs typeface="Times New Roman" panose="02020603050405020304" pitchFamily="18" charset="0"/>
-              </a:rPr>
-              <a:t>In the end, the relationship between the crime heat map and the actual map was successfully ascertained through the continuous-optimization model.</a:t>
-            </a:r>
-          </a:p>
-          <a:p>
-            <a:r>
-              <a:rPr lang="en-US" altLang="en-US" sz="2000" dirty="0">
-                <a:latin typeface="Times New Roman" panose="02020603050405020304" pitchFamily="18" charset="0"/>
-                <a:cs typeface="Times New Roman" panose="02020603050405020304" pitchFamily="18" charset="0"/>
-              </a:rPr>
-              <a:t>After 200 epochs of training, the synthesized image performs accurately, with the crime heat map showing a clear pattern corresponding with different types of functional areas.</a:t>
-            </a:r>
-          </a:p>
-          <a:p>
-            <a:r>
-              <a:rPr lang="en-US" altLang="en-US" sz="2000" dirty="0">
-                <a:latin typeface="Times New Roman" panose="02020603050405020304" pitchFamily="18" charset="0"/>
-                <a:cs typeface="Times New Roman" panose="02020603050405020304" pitchFamily="18" charset="0"/>
-              </a:rPr>
-              <a:t>Therefore, we decided to stop training after 200 epochs and store the prediction model at this point as the final model.</a:t>
-            </a:r>
-          </a:p>
-        </p:txBody>
-      </p:sp>
-      <p:sp>
-        <p:nvSpPr>
-          <p:cNvPr id="14340" name="Symbol zastępczy tekstu 3">
-            <a:extLst>
-              <a:ext uri="{FF2B5EF4-FFF2-40B4-BE49-F238E27FC236}">
-                <a16:creationId xmlns:a16="http://schemas.microsoft.com/office/drawing/2014/main" id="{A0D59D9A-0B96-4CFB-BFDE-3929C861B03D}"/>
-              </a:ext>
-            </a:extLst>
-          </p:cNvPr>
-          <p:cNvSpPr>
-            <a:spLocks noGrp="1"/>
-          </p:cNvSpPr>
-          <p:nvPr>
-            <p:ph type="body" idx="11"/>
-          </p:nvPr>
-        </p:nvSpPr>
-        <p:spPr>
-          <a:xfrm>
-            <a:off x="768350" y="381000"/>
-            <a:ext cx="8285163" cy="863600"/>
-          </a:xfrm>
-        </p:spPr>
-        <p:txBody>
-          <a:bodyPr/>
-          <a:lstStyle/>
-          <a:p>
-            <a:pPr marL="571500" indent="-457200"/>
-            <a:r>
-              <a:rPr lang="en-US" sz="3500" b="0" u="none" strike="noStrike" baseline="0" dirty="0">
-                <a:latin typeface="Times New Roman" panose="02020603050405020304" pitchFamily="18" charset="0"/>
-                <a:cs typeface="Times New Roman" panose="02020603050405020304" pitchFamily="18" charset="0"/>
-              </a:rPr>
-              <a:t>Neural network trainings</a:t>
-            </a:r>
-            <a:endParaRPr lang="en-US" altLang="en-US" sz="3500" dirty="0">
-              <a:latin typeface="Times New Roman" panose="02020603050405020304" pitchFamily="18" charset="0"/>
-              <a:cs typeface="Times New Roman" panose="02020603050405020304" pitchFamily="18" charset="0"/>
-            </a:endParaRPr>
-          </a:p>
-        </p:txBody>
-      </p:sp>
-    </p:spTree>
-    <p:extLst>
-      <p:ext uri="{BB962C8B-B14F-4D97-AF65-F5344CB8AC3E}">
-        <p14:creationId xmlns:p14="http://schemas.microsoft.com/office/powerpoint/2010/main" val="4073570158"/>
-      </p:ext>
-    </p:extLst>
-  </p:cSld>
-  <p:clrMapOvr>
-    <a:masterClrMapping/>
-  </p:clrMapOvr>
-  <p:transition>
-    <p:randomBar/>
-  </p:transition>
-</p:sld>
-</file>
-
-<file path=ppt/slides/slide22.xml><?xml version="1.0" encoding="utf-8"?>
-<p:sld xmlns:a="http://schemas.openxmlformats.org/drawingml/2006/main" xmlns:r="http://schemas.openxmlformats.org/officeDocument/2006/relationships" xmlns:p="http://schemas.openxmlformats.org/presentationml/2006/main">
-  <p:cSld>
-    <p:spTree>
-      <p:nvGrpSpPr>
-        <p:cNvPr id="1" name=""/>
-        <p:cNvGrpSpPr/>
-        <p:nvPr/>
-      </p:nvGrpSpPr>
-      <p:grpSpPr>
-        <a:xfrm>
-          <a:off x="0" y="0"/>
-          <a:ext cx="0" cy="0"/>
-          <a:chOff x="0" y="0"/>
-          <a:chExt cx="0" cy="0"/>
-        </a:xfrm>
-      </p:grpSpPr>
-      <p:sp>
-        <p:nvSpPr>
-          <p:cNvPr id="14340" name="Symbol zastępczy tekstu 3">
-            <a:extLst>
-              <a:ext uri="{FF2B5EF4-FFF2-40B4-BE49-F238E27FC236}">
-                <a16:creationId xmlns:a16="http://schemas.microsoft.com/office/drawing/2014/main" id="{A0D59D9A-0B96-4CFB-BFDE-3929C861B03D}"/>
-              </a:ext>
-            </a:extLst>
-          </p:cNvPr>
-          <p:cNvSpPr>
-            <a:spLocks noGrp="1"/>
-          </p:cNvSpPr>
-          <p:nvPr>
-            <p:ph type="body" idx="11"/>
-          </p:nvPr>
-        </p:nvSpPr>
-        <p:spPr>
-          <a:xfrm>
-            <a:off x="768350" y="381000"/>
-            <a:ext cx="8285163" cy="863600"/>
-          </a:xfrm>
-        </p:spPr>
-        <p:txBody>
-          <a:bodyPr/>
-          <a:lstStyle/>
-          <a:p>
-            <a:pPr marL="571500" indent="-457200"/>
-            <a:r>
-              <a:rPr lang="en-US" sz="3500" b="0" u="none" strike="noStrike" baseline="0" dirty="0">
-                <a:latin typeface="Times New Roman" panose="02020603050405020304" pitchFamily="18" charset="0"/>
-                <a:cs typeface="Times New Roman" panose="02020603050405020304" pitchFamily="18" charset="0"/>
-              </a:rPr>
-              <a:t>Neural network trainings</a:t>
-            </a:r>
-            <a:endParaRPr lang="en-US" altLang="en-US" sz="3500" dirty="0">
-              <a:latin typeface="Times New Roman" panose="02020603050405020304" pitchFamily="18" charset="0"/>
-              <a:cs typeface="Times New Roman" panose="02020603050405020304" pitchFamily="18" charset="0"/>
-            </a:endParaRPr>
-          </a:p>
-        </p:txBody>
-      </p:sp>
-      <p:pic>
-        <p:nvPicPr>
-          <p:cNvPr id="4" name="Content Placeholder 3">
-            <a:extLst>
-              <a:ext uri="{FF2B5EF4-FFF2-40B4-BE49-F238E27FC236}">
-                <a16:creationId xmlns:a16="http://schemas.microsoft.com/office/drawing/2014/main" id="{AB7A037D-C906-4460-97C2-7B509326310E}"/>
-              </a:ext>
-            </a:extLst>
-          </p:cNvPr>
-          <p:cNvPicPr>
-            <a:picLocks noGrp="1" noChangeAspect="1"/>
-          </p:cNvPicPr>
-          <p:nvPr>
-            <p:ph sz="half" idx="1"/>
-          </p:nvPr>
-        </p:nvPicPr>
-        <p:blipFill>
-          <a:blip r:embed="rId2"/>
-          <a:stretch>
-            <a:fillRect/>
-          </a:stretch>
-        </p:blipFill>
-        <p:spPr>
-          <a:xfrm>
-            <a:off x="1066800" y="1676400"/>
-            <a:ext cx="7322406" cy="3880644"/>
-          </a:xfrm>
-        </p:spPr>
-      </p:pic>
-    </p:spTree>
-    <p:extLst>
-      <p:ext uri="{BB962C8B-B14F-4D97-AF65-F5344CB8AC3E}">
-        <p14:creationId xmlns:p14="http://schemas.microsoft.com/office/powerpoint/2010/main" val="4225616886"/>
-      </p:ext>
-    </p:extLst>
-  </p:cSld>
-  <p:clrMapOvr>
-    <a:masterClrMapping/>
-  </p:clrMapOvr>
-  <p:transition>
-    <p:randomBar/>
-  </p:transition>
-</p:sld>
-</file>
-
-<file path=ppt/slides/slide23.xml><?xml version="1.0" encoding="utf-8"?>
-<p:sld xmlns:a="http://schemas.openxmlformats.org/drawingml/2006/main" xmlns:r="http://schemas.openxmlformats.org/officeDocument/2006/relationships" xmlns:p="http://schemas.openxmlformats.org/presentationml/2006/main">
-  <p:cSld>
-    <p:spTree>
-      <p:nvGrpSpPr>
-        <p:cNvPr id="1" name=""/>
-        <p:cNvGrpSpPr/>
-        <p:nvPr/>
-      </p:nvGrpSpPr>
-      <p:grpSpPr>
-        <a:xfrm>
-          <a:off x="0" y="0"/>
-          <a:ext cx="0" cy="0"/>
-          <a:chOff x="0" y="0"/>
-          <a:chExt cx="0" cy="0"/>
-        </a:xfrm>
-      </p:grpSpPr>
-      <p:sp>
-        <p:nvSpPr>
-          <p:cNvPr id="14338" name="Symbol zastępczy zawartości 1">
-            <a:extLst>
-              <a:ext uri="{FF2B5EF4-FFF2-40B4-BE49-F238E27FC236}">
-                <a16:creationId xmlns:a16="http://schemas.microsoft.com/office/drawing/2014/main" id="{56887BCD-F3D0-4546-A292-991E85A91EB2}"/>
-              </a:ext>
-            </a:extLst>
-          </p:cNvPr>
-          <p:cNvSpPr>
-            <a:spLocks noGrp="1"/>
-          </p:cNvSpPr>
-          <p:nvPr>
-            <p:ph sz="half" idx="1"/>
-          </p:nvPr>
-        </p:nvSpPr>
-        <p:spPr>
-          <a:xfrm>
-            <a:off x="599792" y="2819400"/>
-            <a:ext cx="8262938" cy="5256212"/>
-          </a:xfrm>
-        </p:spPr>
-        <p:txBody>
-          <a:bodyPr/>
-          <a:lstStyle/>
-          <a:p>
-            <a:pPr marL="571500" indent="-457200"/>
-            <a:r>
-              <a:rPr lang="en-US" sz="2500" b="0" u="none" strike="noStrike" baseline="0" dirty="0">
-                <a:latin typeface="Times New Roman" panose="02020603050405020304" pitchFamily="18" charset="0"/>
-                <a:cs typeface="Times New Roman" panose="02020603050405020304" pitchFamily="18" charset="0"/>
-              </a:rPr>
-              <a:t>Accuracy of the training set</a:t>
-            </a:r>
-          </a:p>
-          <a:p>
-            <a:pPr marL="571500" indent="-457200"/>
-            <a:r>
-              <a:rPr lang="en-US" sz="2500" b="0" u="none" strike="noStrike" baseline="0" dirty="0">
-                <a:latin typeface="Times New Roman" panose="02020603050405020304" pitchFamily="18" charset="0"/>
-                <a:cs typeface="Times New Roman" panose="02020603050405020304" pitchFamily="18" charset="0"/>
-              </a:rPr>
-              <a:t>Accuracy of the test set</a:t>
-            </a:r>
-          </a:p>
-          <a:p>
-            <a:pPr marL="571500" indent="-457200"/>
-            <a:r>
-              <a:rPr lang="en-US" sz="2500" b="0" u="none" strike="noStrike" baseline="0" dirty="0">
-                <a:latin typeface="Times New Roman" panose="02020603050405020304" pitchFamily="18" charset="0"/>
-                <a:cs typeface="Times New Roman" panose="02020603050405020304" pitchFamily="18" charset="0"/>
-              </a:rPr>
-              <a:t>AI-assisted urban design</a:t>
-            </a:r>
-          </a:p>
-          <a:p>
-            <a:pPr marL="971550" lvl="1" indent="-457200"/>
-            <a:r>
-              <a:rPr lang="en-US" altLang="en-US" sz="2500" dirty="0">
-                <a:latin typeface="Times New Roman" panose="02020603050405020304" pitchFamily="18" charset="0"/>
-                <a:cs typeface="Times New Roman" panose="02020603050405020304" pitchFamily="18" charset="0"/>
-              </a:rPr>
-              <a:t>Small scale city</a:t>
-            </a:r>
-          </a:p>
-          <a:p>
-            <a:pPr marL="971550" lvl="1" indent="-457200"/>
-            <a:r>
-              <a:rPr lang="en-US" altLang="en-US" sz="2500" dirty="0">
-                <a:latin typeface="Times New Roman" panose="02020603050405020304" pitchFamily="18" charset="0"/>
-                <a:cs typeface="Times New Roman" panose="02020603050405020304" pitchFamily="18" charset="0"/>
-              </a:rPr>
-              <a:t>Medium scale city</a:t>
-            </a:r>
-          </a:p>
-          <a:p>
-            <a:pPr marL="971550" lvl="1" indent="-457200"/>
-            <a:r>
-              <a:rPr lang="en-US" altLang="en-US" sz="2500" dirty="0">
-                <a:latin typeface="Times New Roman" panose="02020603050405020304" pitchFamily="18" charset="0"/>
-                <a:cs typeface="Times New Roman" panose="02020603050405020304" pitchFamily="18" charset="0"/>
-              </a:rPr>
-              <a:t>Large scale city</a:t>
-            </a:r>
-          </a:p>
-        </p:txBody>
-      </p:sp>
-      <p:sp>
-        <p:nvSpPr>
-          <p:cNvPr id="14340" name="Symbol zastępczy tekstu 3">
-            <a:extLst>
-              <a:ext uri="{FF2B5EF4-FFF2-40B4-BE49-F238E27FC236}">
-                <a16:creationId xmlns:a16="http://schemas.microsoft.com/office/drawing/2014/main" id="{A0D59D9A-0B96-4CFB-BFDE-3929C861B03D}"/>
-              </a:ext>
-            </a:extLst>
-          </p:cNvPr>
-          <p:cNvSpPr>
-            <a:spLocks noGrp="1"/>
-          </p:cNvSpPr>
-          <p:nvPr>
-            <p:ph type="body" idx="11"/>
-          </p:nvPr>
-        </p:nvSpPr>
-        <p:spPr>
-          <a:xfrm>
-            <a:off x="755650" y="620713"/>
-            <a:ext cx="8285163" cy="863600"/>
-          </a:xfrm>
-        </p:spPr>
-        <p:txBody>
-          <a:bodyPr/>
-          <a:lstStyle/>
-          <a:p>
-            <a:r>
-              <a:rPr lang="en-US" sz="4500" b="1" i="0" u="none" strike="noStrike" baseline="0" dirty="0">
-                <a:latin typeface="Times New Roman" panose="02020603050405020304" pitchFamily="18" charset="0"/>
-                <a:cs typeface="Times New Roman" panose="02020603050405020304" pitchFamily="18" charset="0"/>
-              </a:rPr>
-              <a:t>Results</a:t>
-            </a:r>
-            <a:endParaRPr lang="en-US" altLang="en-US" sz="4500" dirty="0">
-              <a:latin typeface="Times New Roman" panose="02020603050405020304" pitchFamily="18" charset="0"/>
-              <a:cs typeface="Times New Roman" panose="02020603050405020304" pitchFamily="18" charset="0"/>
-            </a:endParaRPr>
-          </a:p>
-        </p:txBody>
-      </p:sp>
-    </p:spTree>
-    <p:extLst>
-      <p:ext uri="{BB962C8B-B14F-4D97-AF65-F5344CB8AC3E}">
-        <p14:creationId xmlns:p14="http://schemas.microsoft.com/office/powerpoint/2010/main" val="1004896643"/>
-      </p:ext>
-    </p:extLst>
-  </p:cSld>
-  <p:clrMapOvr>
-    <a:masterClrMapping/>
-  </p:clrMapOvr>
-  <p:transition>
-    <p:randomBar/>
-  </p:transition>
-</p:sld>
-</file>
-
-<file path=ppt/slides/slide24.xml><?xml version="1.0" encoding="utf-8"?>
-<p:sld xmlns:a="http://schemas.openxmlformats.org/drawingml/2006/main" xmlns:r="http://schemas.openxmlformats.org/officeDocument/2006/relationships" xmlns:p="http://schemas.openxmlformats.org/presentationml/2006/main">
-  <p:cSld>
-    <p:spTree>
-      <p:nvGrpSpPr>
-        <p:cNvPr id="1" name=""/>
-        <p:cNvGrpSpPr/>
-        <p:nvPr/>
-      </p:nvGrpSpPr>
-      <p:grpSpPr>
-        <a:xfrm>
-          <a:off x="0" y="0"/>
-          <a:ext cx="0" cy="0"/>
-          <a:chOff x="0" y="0"/>
-          <a:chExt cx="0" cy="0"/>
-        </a:xfrm>
-      </p:grpSpPr>
-      <p:sp>
-        <p:nvSpPr>
-          <p:cNvPr id="14340" name="Symbol zastępczy tekstu 3">
-            <a:extLst>
-              <a:ext uri="{FF2B5EF4-FFF2-40B4-BE49-F238E27FC236}">
-                <a16:creationId xmlns:a16="http://schemas.microsoft.com/office/drawing/2014/main" id="{A0D59D9A-0B96-4CFB-BFDE-3929C861B03D}"/>
-              </a:ext>
-            </a:extLst>
-          </p:cNvPr>
-          <p:cNvSpPr>
-            <a:spLocks noGrp="1"/>
-          </p:cNvSpPr>
-          <p:nvPr>
-            <p:ph type="body" idx="11"/>
-          </p:nvPr>
-        </p:nvSpPr>
-        <p:spPr>
-          <a:xfrm>
-            <a:off x="768350" y="381000"/>
-            <a:ext cx="8285163" cy="863600"/>
-          </a:xfrm>
-        </p:spPr>
-        <p:txBody>
-          <a:bodyPr/>
-          <a:lstStyle/>
-          <a:p>
-            <a:pPr marL="571500" indent="-457200"/>
-            <a:r>
-              <a:rPr lang="en-US" sz="3500" b="0" u="none" strike="noStrike" baseline="0" dirty="0">
-                <a:latin typeface="Times New Roman" panose="02020603050405020304" pitchFamily="18" charset="0"/>
-                <a:cs typeface="Times New Roman" panose="02020603050405020304" pitchFamily="18" charset="0"/>
-              </a:rPr>
-              <a:t>Accuracy of the training set</a:t>
-            </a:r>
-          </a:p>
-        </p:txBody>
-      </p:sp>
-      <p:pic>
-        <p:nvPicPr>
-          <p:cNvPr id="5" name="Picture 4">
-            <a:extLst>
-              <a:ext uri="{FF2B5EF4-FFF2-40B4-BE49-F238E27FC236}">
-                <a16:creationId xmlns:a16="http://schemas.microsoft.com/office/drawing/2014/main" id="{2FDDAB94-D664-4051-910D-798C867EBEB3}"/>
-              </a:ext>
-            </a:extLst>
-          </p:cNvPr>
-          <p:cNvPicPr>
-            <a:picLocks noChangeAspect="1"/>
-          </p:cNvPicPr>
-          <p:nvPr/>
-        </p:nvPicPr>
-        <p:blipFill>
-          <a:blip r:embed="rId2"/>
-          <a:stretch>
-            <a:fillRect/>
-          </a:stretch>
-        </p:blipFill>
-        <p:spPr>
-          <a:xfrm>
-            <a:off x="908958" y="2362200"/>
-            <a:ext cx="8077198" cy="2458278"/>
-          </a:xfrm>
-          <a:prstGeom prst="rect">
-            <a:avLst/>
-          </a:prstGeom>
-        </p:spPr>
-      </p:pic>
-    </p:spTree>
-    <p:extLst>
-      <p:ext uri="{BB962C8B-B14F-4D97-AF65-F5344CB8AC3E}">
-        <p14:creationId xmlns:p14="http://schemas.microsoft.com/office/powerpoint/2010/main" val="1192143140"/>
-      </p:ext>
-    </p:extLst>
-  </p:cSld>
-  <p:clrMapOvr>
-    <a:masterClrMapping/>
-  </p:clrMapOvr>
-  <p:transition>
-    <p:randomBar/>
-  </p:transition>
-</p:sld>
-</file>
-
-<file path=ppt/slides/slide25.xml><?xml version="1.0" encoding="utf-8"?>
-<p:sld xmlns:a="http://schemas.openxmlformats.org/drawingml/2006/main" xmlns:r="http://schemas.openxmlformats.org/officeDocument/2006/relationships" xmlns:p="http://schemas.openxmlformats.org/presentationml/2006/main">
-  <p:cSld>
-    <p:spTree>
-      <p:nvGrpSpPr>
-        <p:cNvPr id="1" name=""/>
-        <p:cNvGrpSpPr/>
-        <p:nvPr/>
-      </p:nvGrpSpPr>
-      <p:grpSpPr>
-        <a:xfrm>
-          <a:off x="0" y="0"/>
-          <a:ext cx="0" cy="0"/>
-          <a:chOff x="0" y="0"/>
-          <a:chExt cx="0" cy="0"/>
-        </a:xfrm>
-      </p:grpSpPr>
-      <p:sp>
-        <p:nvSpPr>
-          <p:cNvPr id="14340" name="Symbol zastępczy tekstu 3">
-            <a:extLst>
-              <a:ext uri="{FF2B5EF4-FFF2-40B4-BE49-F238E27FC236}">
-                <a16:creationId xmlns:a16="http://schemas.microsoft.com/office/drawing/2014/main" id="{A0D59D9A-0B96-4CFB-BFDE-3929C861B03D}"/>
-              </a:ext>
-            </a:extLst>
-          </p:cNvPr>
-          <p:cNvSpPr>
-            <a:spLocks noGrp="1"/>
-          </p:cNvSpPr>
-          <p:nvPr>
-            <p:ph type="body" idx="11"/>
-          </p:nvPr>
-        </p:nvSpPr>
-        <p:spPr>
-          <a:xfrm>
-            <a:off x="768350" y="381000"/>
-            <a:ext cx="8285163" cy="863600"/>
-          </a:xfrm>
-        </p:spPr>
-        <p:txBody>
-          <a:bodyPr/>
-          <a:lstStyle/>
-          <a:p>
-            <a:pPr marL="571500" indent="-457200"/>
-            <a:r>
-              <a:rPr lang="en-US" sz="3500" b="0" u="none" strike="noStrike" baseline="0" dirty="0">
-                <a:latin typeface="Times New Roman" panose="02020603050405020304" pitchFamily="18" charset="0"/>
-                <a:cs typeface="Times New Roman" panose="02020603050405020304" pitchFamily="18" charset="0"/>
-              </a:rPr>
-              <a:t>Accuracy of the test set</a:t>
-            </a:r>
-          </a:p>
-        </p:txBody>
-      </p:sp>
-      <p:pic>
-        <p:nvPicPr>
-          <p:cNvPr id="3" name="Picture 2">
-            <a:extLst>
-              <a:ext uri="{FF2B5EF4-FFF2-40B4-BE49-F238E27FC236}">
-                <a16:creationId xmlns:a16="http://schemas.microsoft.com/office/drawing/2014/main" id="{CBF98976-B803-4863-8B89-D89AA3B258C5}"/>
-              </a:ext>
-            </a:extLst>
-          </p:cNvPr>
-          <p:cNvPicPr>
-            <a:picLocks noChangeAspect="1"/>
-          </p:cNvPicPr>
-          <p:nvPr/>
-        </p:nvPicPr>
-        <p:blipFill>
-          <a:blip r:embed="rId2"/>
-          <a:stretch>
-            <a:fillRect/>
-          </a:stretch>
-        </p:blipFill>
-        <p:spPr>
-          <a:xfrm>
-            <a:off x="1447800" y="1724025"/>
-            <a:ext cx="6770687" cy="3890700"/>
-          </a:xfrm>
-          <a:prstGeom prst="rect">
-            <a:avLst/>
-          </a:prstGeom>
-        </p:spPr>
-      </p:pic>
-    </p:spTree>
-    <p:extLst>
-      <p:ext uri="{BB962C8B-B14F-4D97-AF65-F5344CB8AC3E}">
-        <p14:creationId xmlns:p14="http://schemas.microsoft.com/office/powerpoint/2010/main" val="493741792"/>
-      </p:ext>
-    </p:extLst>
-  </p:cSld>
-  <p:clrMapOvr>
-    <a:masterClrMapping/>
-  </p:clrMapOvr>
-  <p:transition>
-    <p:randomBar/>
-  </p:transition>
-</p:sld>
-</file>
-
-<file path=ppt/slides/slide26.xml><?xml version="1.0" encoding="utf-8"?>
-<p:sld xmlns:a="http://schemas.openxmlformats.org/drawingml/2006/main" xmlns:r="http://schemas.openxmlformats.org/officeDocument/2006/relationships" xmlns:p="http://schemas.openxmlformats.org/presentationml/2006/main">
-  <p:cSld>
-    <p:spTree>
-      <p:nvGrpSpPr>
-        <p:cNvPr id="1" name=""/>
-        <p:cNvGrpSpPr/>
-        <p:nvPr/>
-      </p:nvGrpSpPr>
-      <p:grpSpPr>
-        <a:xfrm>
-          <a:off x="0" y="0"/>
-          <a:ext cx="0" cy="0"/>
-          <a:chOff x="0" y="0"/>
-          <a:chExt cx="0" cy="0"/>
-        </a:xfrm>
-      </p:grpSpPr>
-      <p:sp>
-        <p:nvSpPr>
-          <p:cNvPr id="14340" name="Symbol zastępczy tekstu 3">
-            <a:extLst>
-              <a:ext uri="{FF2B5EF4-FFF2-40B4-BE49-F238E27FC236}">
-                <a16:creationId xmlns:a16="http://schemas.microsoft.com/office/drawing/2014/main" id="{A0D59D9A-0B96-4CFB-BFDE-3929C861B03D}"/>
-              </a:ext>
-            </a:extLst>
-          </p:cNvPr>
-          <p:cNvSpPr>
-            <a:spLocks noGrp="1"/>
-          </p:cNvSpPr>
-          <p:nvPr>
-            <p:ph type="body" idx="11"/>
-          </p:nvPr>
-        </p:nvSpPr>
-        <p:spPr>
-          <a:xfrm>
-            <a:off x="768350" y="381000"/>
-            <a:ext cx="8285163" cy="863600"/>
-          </a:xfrm>
-        </p:spPr>
-        <p:txBody>
-          <a:bodyPr/>
-          <a:lstStyle/>
-          <a:p>
-            <a:pPr marL="571500" indent="-457200"/>
-            <a:r>
-              <a:rPr lang="en-US" sz="3500" b="0" u="none" strike="noStrike" baseline="0" dirty="0">
-                <a:latin typeface="Times New Roman" panose="02020603050405020304" pitchFamily="18" charset="0"/>
-                <a:cs typeface="Times New Roman" panose="02020603050405020304" pitchFamily="18" charset="0"/>
-              </a:rPr>
-              <a:t>Accuracy of the training set</a:t>
-            </a:r>
-          </a:p>
-        </p:txBody>
-      </p:sp>
-      <p:pic>
-        <p:nvPicPr>
-          <p:cNvPr id="3" name="Picture 2">
-            <a:extLst>
-              <a:ext uri="{FF2B5EF4-FFF2-40B4-BE49-F238E27FC236}">
-                <a16:creationId xmlns:a16="http://schemas.microsoft.com/office/drawing/2014/main" id="{40F0679B-490C-4E50-861A-36083B219E8F}"/>
-              </a:ext>
-            </a:extLst>
-          </p:cNvPr>
-          <p:cNvPicPr>
-            <a:picLocks noChangeAspect="1"/>
-          </p:cNvPicPr>
-          <p:nvPr/>
-        </p:nvPicPr>
-        <p:blipFill>
-          <a:blip r:embed="rId2"/>
-          <a:stretch>
-            <a:fillRect/>
-          </a:stretch>
-        </p:blipFill>
-        <p:spPr>
-          <a:xfrm>
-            <a:off x="924275" y="1905000"/>
-            <a:ext cx="7973311" cy="3286125"/>
-          </a:xfrm>
-          <a:prstGeom prst="rect">
-            <a:avLst/>
-          </a:prstGeom>
-        </p:spPr>
-      </p:pic>
-    </p:spTree>
-    <p:extLst>
-      <p:ext uri="{BB962C8B-B14F-4D97-AF65-F5344CB8AC3E}">
-        <p14:creationId xmlns:p14="http://schemas.microsoft.com/office/powerpoint/2010/main" val="1845632072"/>
-      </p:ext>
-    </p:extLst>
-  </p:cSld>
-  <p:clrMapOvr>
-    <a:masterClrMapping/>
-  </p:clrMapOvr>
-  <p:transition>
-    <p:randomBar/>
-  </p:transition>
-</p:sld>
-</file>
-
-<file path=ppt/slides/slide27.xml><?xml version="1.0" encoding="utf-8"?>
-<p:sld xmlns:a="http://schemas.openxmlformats.org/drawingml/2006/main" xmlns:r="http://schemas.openxmlformats.org/officeDocument/2006/relationships" xmlns:p="http://schemas.openxmlformats.org/presentationml/2006/main">
-  <p:cSld>
-    <p:spTree>
-      <p:nvGrpSpPr>
-        <p:cNvPr id="1" name=""/>
-        <p:cNvGrpSpPr/>
-        <p:nvPr/>
-      </p:nvGrpSpPr>
-      <p:grpSpPr>
-        <a:xfrm>
-          <a:off x="0" y="0"/>
-          <a:ext cx="0" cy="0"/>
-          <a:chOff x="0" y="0"/>
-          <a:chExt cx="0" cy="0"/>
-        </a:xfrm>
-      </p:grpSpPr>
-      <p:sp>
-        <p:nvSpPr>
-          <p:cNvPr id="14338" name="Symbol zastępczy zawartości 1">
-            <a:extLst>
-              <a:ext uri="{FF2B5EF4-FFF2-40B4-BE49-F238E27FC236}">
-                <a16:creationId xmlns:a16="http://schemas.microsoft.com/office/drawing/2014/main" id="{56887BCD-F3D0-4546-A292-991E85A91EB2}"/>
-              </a:ext>
-            </a:extLst>
-          </p:cNvPr>
-          <p:cNvSpPr>
-            <a:spLocks noGrp="1"/>
-          </p:cNvSpPr>
-          <p:nvPr>
-            <p:ph sz="half" idx="1"/>
-          </p:nvPr>
-        </p:nvSpPr>
-        <p:spPr>
-          <a:xfrm>
-            <a:off x="609600" y="1828800"/>
-            <a:ext cx="8262938" cy="5256212"/>
-          </a:xfrm>
-        </p:spPr>
-        <p:txBody>
-          <a:bodyPr/>
-          <a:lstStyle/>
-          <a:p>
-            <a:pPr marL="571500" indent="-457200"/>
-            <a:r>
-              <a:rPr lang="en-US" altLang="en-US" sz="2500" dirty="0">
-                <a:latin typeface="Times New Roman" panose="02020603050405020304" pitchFamily="18" charset="0"/>
-                <a:cs typeface="Times New Roman" panose="02020603050405020304" pitchFamily="18" charset="0"/>
-              </a:rPr>
-              <a:t>In order to verify the universality of the model, we generate </a:t>
-            </a:r>
-            <a:r>
-              <a:rPr lang="en-US" altLang="en-US" sz="2500" dirty="0" err="1">
-                <a:latin typeface="Times New Roman" panose="02020603050405020304" pitchFamily="18" charset="0"/>
-                <a:cs typeface="Times New Roman" panose="02020603050405020304" pitchFamily="18" charset="0"/>
-              </a:rPr>
-              <a:t>crimerate</a:t>
-            </a:r>
-            <a:r>
-              <a:rPr lang="en-US" altLang="en-US" sz="2500" dirty="0">
-                <a:latin typeface="Times New Roman" panose="02020603050405020304" pitchFamily="18" charset="0"/>
-                <a:cs typeface="Times New Roman" panose="02020603050405020304" pitchFamily="18" charset="0"/>
-              </a:rPr>
-              <a:t> predictions for Princeton, Seattle, and New York, representatives of small, medium, and large cities respectively, in the United States</a:t>
-            </a:r>
-          </a:p>
-          <a:p>
-            <a:pPr marL="971550" lvl="1" indent="-457200"/>
-            <a:r>
-              <a:rPr lang="en-US" altLang="en-US" sz="2100" dirty="0">
-                <a:latin typeface="Times New Roman" panose="02020603050405020304" pitchFamily="18" charset="0"/>
-                <a:cs typeface="Times New Roman" panose="02020603050405020304" pitchFamily="18" charset="0"/>
-              </a:rPr>
-              <a:t>Princeton – distributed roads and large number of dead ends</a:t>
-            </a:r>
-          </a:p>
-          <a:p>
-            <a:pPr marL="971550" lvl="1" indent="-457200"/>
-            <a:r>
-              <a:rPr lang="en-US" altLang="en-US" sz="2100" dirty="0">
-                <a:latin typeface="Times New Roman" panose="02020603050405020304" pitchFamily="18" charset="0"/>
-                <a:cs typeface="Times New Roman" panose="02020603050405020304" pitchFamily="18" charset="0"/>
-              </a:rPr>
-              <a:t>Seattle – regions with lawns and large public buildings</a:t>
-            </a:r>
-          </a:p>
-          <a:p>
-            <a:pPr marL="971550" lvl="1" indent="-457200"/>
-            <a:r>
-              <a:rPr lang="en-US" altLang="en-US" sz="2100" dirty="0">
-                <a:latin typeface="Times New Roman" panose="02020603050405020304" pitchFamily="18" charset="0"/>
-                <a:cs typeface="Times New Roman" panose="02020603050405020304" pitchFamily="18" charset="0"/>
-              </a:rPr>
-              <a:t>New York – central area of city which contains a lot of municipal buildings and townhouses</a:t>
-            </a:r>
-          </a:p>
-          <a:p>
-            <a:pPr marL="457200"/>
-            <a:r>
-              <a:rPr lang="en-US" altLang="en-US" sz="2500" dirty="0">
-                <a:latin typeface="Times New Roman" panose="02020603050405020304" pitchFamily="18" charset="0"/>
-                <a:cs typeface="Times New Roman" panose="02020603050405020304" pitchFamily="18" charset="0"/>
-              </a:rPr>
-              <a:t>After these maps are collected and processed by the same method as described above, the model is used to predict the crime rate on these maps.</a:t>
-            </a:r>
-          </a:p>
-        </p:txBody>
-      </p:sp>
-      <p:sp>
-        <p:nvSpPr>
-          <p:cNvPr id="14340" name="Symbol zastępczy tekstu 3">
-            <a:extLst>
-              <a:ext uri="{FF2B5EF4-FFF2-40B4-BE49-F238E27FC236}">
-                <a16:creationId xmlns:a16="http://schemas.microsoft.com/office/drawing/2014/main" id="{A0D59D9A-0B96-4CFB-BFDE-3929C861B03D}"/>
-              </a:ext>
-            </a:extLst>
-          </p:cNvPr>
-          <p:cNvSpPr>
-            <a:spLocks noGrp="1"/>
-          </p:cNvSpPr>
-          <p:nvPr>
-            <p:ph type="body" idx="11"/>
-          </p:nvPr>
-        </p:nvSpPr>
-        <p:spPr>
-          <a:xfrm>
-            <a:off x="755650" y="620713"/>
-            <a:ext cx="8285163" cy="863600"/>
-          </a:xfrm>
-        </p:spPr>
-        <p:txBody>
-          <a:bodyPr/>
-          <a:lstStyle/>
-          <a:p>
-            <a:pPr marL="571500" indent="-457200"/>
-            <a:r>
-              <a:rPr lang="en-US" sz="4800" b="0" u="none" strike="noStrike" baseline="0" dirty="0">
-                <a:latin typeface="Times New Roman" panose="02020603050405020304" pitchFamily="18" charset="0"/>
-                <a:cs typeface="Times New Roman" panose="02020603050405020304" pitchFamily="18" charset="0"/>
-              </a:rPr>
-              <a:t>AI-assisted urban design</a:t>
-            </a:r>
-          </a:p>
-        </p:txBody>
-      </p:sp>
-    </p:spTree>
-    <p:extLst>
-      <p:ext uri="{BB962C8B-B14F-4D97-AF65-F5344CB8AC3E}">
-        <p14:creationId xmlns:p14="http://schemas.microsoft.com/office/powerpoint/2010/main" val="2805009584"/>
-      </p:ext>
-    </p:extLst>
-  </p:cSld>
-  <p:clrMapOvr>
-    <a:masterClrMapping/>
-  </p:clrMapOvr>
-  <p:transition>
-    <p:randomBar/>
-  </p:transition>
-</p:sld>
-</file>
-
-<file path=ppt/slides/slide28.xml><?xml version="1.0" encoding="utf-8"?>
-<p:sld xmlns:a="http://schemas.openxmlformats.org/drawingml/2006/main" xmlns:r="http://schemas.openxmlformats.org/officeDocument/2006/relationships" xmlns:p="http://schemas.openxmlformats.org/presentationml/2006/main">
-  <p:cSld>
-    <p:spTree>
-      <p:nvGrpSpPr>
-        <p:cNvPr id="1" name=""/>
-        <p:cNvGrpSpPr/>
-        <p:nvPr/>
-      </p:nvGrpSpPr>
-      <p:grpSpPr>
-        <a:xfrm>
-          <a:off x="0" y="0"/>
-          <a:ext cx="0" cy="0"/>
-          <a:chOff x="0" y="0"/>
-          <a:chExt cx="0" cy="0"/>
-        </a:xfrm>
-      </p:grpSpPr>
-      <p:sp>
-        <p:nvSpPr>
-          <p:cNvPr id="14338" name="Symbol zastępczy zawartości 1">
-            <a:extLst>
-              <a:ext uri="{FF2B5EF4-FFF2-40B4-BE49-F238E27FC236}">
-                <a16:creationId xmlns:a16="http://schemas.microsoft.com/office/drawing/2014/main" id="{56887BCD-F3D0-4546-A292-991E85A91EB2}"/>
-              </a:ext>
-            </a:extLst>
-          </p:cNvPr>
-          <p:cNvSpPr>
-            <a:spLocks noGrp="1"/>
-          </p:cNvSpPr>
-          <p:nvPr>
-            <p:ph sz="half" idx="1"/>
-          </p:nvPr>
-        </p:nvSpPr>
-        <p:spPr>
-          <a:xfrm>
-            <a:off x="609600" y="1828800"/>
-            <a:ext cx="8262938" cy="5256212"/>
-          </a:xfrm>
-        </p:spPr>
-        <p:txBody>
-          <a:bodyPr/>
-          <a:lstStyle/>
-          <a:p>
-            <a:pPr marL="571500" indent="-457200"/>
-            <a:r>
-              <a:rPr lang="en-US" altLang="en-US" sz="2500" dirty="0">
-                <a:latin typeface="Times New Roman" panose="02020603050405020304" pitchFamily="18" charset="0"/>
-                <a:cs typeface="Times New Roman" panose="02020603050405020304" pitchFamily="18" charset="0"/>
-              </a:rPr>
-              <a:t>Large areas of grass, municipal buildings and main roads next to grass increase possibility of crime</a:t>
-            </a:r>
-          </a:p>
-          <a:p>
-            <a:pPr marL="571500" indent="-457200"/>
-            <a:r>
-              <a:rPr lang="en-US" altLang="en-US" sz="2500" dirty="0">
-                <a:latin typeface="Times New Roman" panose="02020603050405020304" pitchFamily="18" charset="0"/>
-                <a:cs typeface="Times New Roman" panose="02020603050405020304" pitchFamily="18" charset="0"/>
-              </a:rPr>
-              <a:t>Some buildings removed and replaced with open spaces.</a:t>
-            </a:r>
-          </a:p>
-          <a:p>
-            <a:pPr marL="571500" indent="-457200"/>
-            <a:r>
-              <a:rPr lang="en-US" altLang="en-US" sz="2500" dirty="0">
-                <a:latin typeface="Times New Roman" panose="02020603050405020304" pitchFamily="18" charset="0"/>
-                <a:cs typeface="Times New Roman" panose="02020603050405020304" pitchFamily="18" charset="0"/>
-              </a:rPr>
-              <a:t>Using larger buildings shown to reduce low crime-rate points</a:t>
-            </a:r>
-          </a:p>
-          <a:p>
-            <a:pPr marL="571500" indent="-457200"/>
-            <a:r>
-              <a:rPr lang="en-US" altLang="en-US" sz="2500" dirty="0">
-                <a:latin typeface="Times New Roman" panose="02020603050405020304" pitchFamily="18" charset="0"/>
-                <a:cs typeface="Times New Roman" panose="02020603050405020304" pitchFamily="18" charset="0"/>
-              </a:rPr>
-              <a:t>Crime rate dropped to 72% of the original</a:t>
-            </a:r>
-          </a:p>
-        </p:txBody>
-      </p:sp>
-      <p:sp>
-        <p:nvSpPr>
-          <p:cNvPr id="14340" name="Symbol zastępczy tekstu 3">
-            <a:extLst>
-              <a:ext uri="{FF2B5EF4-FFF2-40B4-BE49-F238E27FC236}">
-                <a16:creationId xmlns:a16="http://schemas.microsoft.com/office/drawing/2014/main" id="{A0D59D9A-0B96-4CFB-BFDE-3929C861B03D}"/>
-              </a:ext>
-            </a:extLst>
-          </p:cNvPr>
-          <p:cNvSpPr>
-            <a:spLocks noGrp="1"/>
-          </p:cNvSpPr>
-          <p:nvPr>
-            <p:ph type="body" idx="11"/>
-          </p:nvPr>
-        </p:nvSpPr>
-        <p:spPr>
-          <a:xfrm>
-            <a:off x="755650" y="620713"/>
-            <a:ext cx="8285163" cy="863600"/>
-          </a:xfrm>
-        </p:spPr>
-        <p:txBody>
-          <a:bodyPr/>
-          <a:lstStyle/>
-          <a:p>
-            <a:pPr marL="571500" indent="-457200"/>
-            <a:r>
-              <a:rPr lang="en-US" altLang="en-US" sz="4800" dirty="0">
-                <a:latin typeface="Times New Roman" panose="02020603050405020304" pitchFamily="18" charset="0"/>
-                <a:cs typeface="Times New Roman" panose="02020603050405020304" pitchFamily="18" charset="0"/>
-              </a:rPr>
-              <a:t>Princeton</a:t>
-            </a:r>
-            <a:endParaRPr lang="en-US" sz="4800" b="0" u="none" strike="noStrike" baseline="0" dirty="0">
-              <a:latin typeface="Times New Roman" panose="02020603050405020304" pitchFamily="18" charset="0"/>
-              <a:cs typeface="Times New Roman" panose="02020603050405020304" pitchFamily="18" charset="0"/>
-            </a:endParaRPr>
-          </a:p>
-        </p:txBody>
-      </p:sp>
-    </p:spTree>
-    <p:extLst>
-      <p:ext uri="{BB962C8B-B14F-4D97-AF65-F5344CB8AC3E}">
-        <p14:creationId xmlns:p14="http://schemas.microsoft.com/office/powerpoint/2010/main" val="3959023919"/>
-      </p:ext>
-    </p:extLst>
-  </p:cSld>
-  <p:clrMapOvr>
-    <a:masterClrMapping/>
-  </p:clrMapOvr>
-  <p:transition>
-    <p:randomBar/>
-  </p:transition>
-</p:sld>
-</file>
-
-<file path=ppt/slides/slide29.xml><?xml version="1.0" encoding="utf-8"?>
-<p:sld xmlns:a="http://schemas.openxmlformats.org/drawingml/2006/main" xmlns:r="http://schemas.openxmlformats.org/officeDocument/2006/relationships" xmlns:p="http://schemas.openxmlformats.org/presentationml/2006/main">
-  <p:cSld>
-    <p:spTree>
-      <p:nvGrpSpPr>
-        <p:cNvPr id="1" name=""/>
-        <p:cNvGrpSpPr/>
-        <p:nvPr/>
-      </p:nvGrpSpPr>
-      <p:grpSpPr>
-        <a:xfrm>
-          <a:off x="0" y="0"/>
-          <a:ext cx="0" cy="0"/>
-          <a:chOff x="0" y="0"/>
-          <a:chExt cx="0" cy="0"/>
-        </a:xfrm>
-      </p:grpSpPr>
-      <p:sp>
-        <p:nvSpPr>
-          <p:cNvPr id="14340" name="Symbol zastępczy tekstu 3">
-            <a:extLst>
-              <a:ext uri="{FF2B5EF4-FFF2-40B4-BE49-F238E27FC236}">
-                <a16:creationId xmlns:a16="http://schemas.microsoft.com/office/drawing/2014/main" id="{A0D59D9A-0B96-4CFB-BFDE-3929C861B03D}"/>
-              </a:ext>
-            </a:extLst>
-          </p:cNvPr>
-          <p:cNvSpPr>
-            <a:spLocks noGrp="1"/>
-          </p:cNvSpPr>
-          <p:nvPr>
-            <p:ph type="body" idx="11"/>
-          </p:nvPr>
-        </p:nvSpPr>
-        <p:spPr>
-          <a:xfrm>
-            <a:off x="768350" y="381000"/>
-            <a:ext cx="8285163" cy="863600"/>
-          </a:xfrm>
-        </p:spPr>
-        <p:txBody>
-          <a:bodyPr/>
-          <a:lstStyle/>
-          <a:p>
-            <a:pPr marL="571500" indent="-457200"/>
-            <a:r>
-              <a:rPr lang="en-US" altLang="en-US" sz="3600" dirty="0">
-                <a:latin typeface="Times New Roman" panose="02020603050405020304" pitchFamily="18" charset="0"/>
-                <a:cs typeface="Times New Roman" panose="02020603050405020304" pitchFamily="18" charset="0"/>
-              </a:rPr>
-              <a:t>Princeton</a:t>
-            </a:r>
-            <a:endParaRPr lang="en-US" sz="3500" b="0" u="none" strike="noStrike" baseline="0" dirty="0">
-              <a:latin typeface="Times New Roman" panose="02020603050405020304" pitchFamily="18" charset="0"/>
-              <a:cs typeface="Times New Roman" panose="02020603050405020304" pitchFamily="18" charset="0"/>
-            </a:endParaRPr>
-          </a:p>
-        </p:txBody>
-      </p:sp>
-      <p:pic>
-        <p:nvPicPr>
-          <p:cNvPr id="4" name="Picture 3">
-            <a:extLst>
-              <a:ext uri="{FF2B5EF4-FFF2-40B4-BE49-F238E27FC236}">
-                <a16:creationId xmlns:a16="http://schemas.microsoft.com/office/drawing/2014/main" id="{AA1C7A6E-2DAF-4837-B7C8-890D7EBAE116}"/>
-              </a:ext>
-            </a:extLst>
-          </p:cNvPr>
-          <p:cNvPicPr>
-            <a:picLocks noChangeAspect="1"/>
-          </p:cNvPicPr>
-          <p:nvPr/>
-        </p:nvPicPr>
-        <p:blipFill>
-          <a:blip r:embed="rId2"/>
-          <a:stretch>
-            <a:fillRect/>
-          </a:stretch>
-        </p:blipFill>
-        <p:spPr>
-          <a:xfrm>
-            <a:off x="1219200" y="1600200"/>
-            <a:ext cx="7238999" cy="3883897"/>
-          </a:xfrm>
-          <a:prstGeom prst="rect">
-            <a:avLst/>
-          </a:prstGeom>
-        </p:spPr>
-      </p:pic>
-    </p:spTree>
-    <p:extLst>
-      <p:ext uri="{BB962C8B-B14F-4D97-AF65-F5344CB8AC3E}">
-        <p14:creationId xmlns:p14="http://schemas.microsoft.com/office/powerpoint/2010/main" val="4060054930"/>
       </p:ext>
     </p:extLst>
   </p:cSld>
@@ -11681,7 +9901,7 @@
         </p:nvSpPr>
         <p:spPr>
           <a:xfrm>
-            <a:off x="755650" y="1116953"/>
+            <a:off x="768402" y="1601788"/>
             <a:ext cx="8262938" cy="5256212"/>
           </a:xfrm>
         </p:spPr>
@@ -11691,7 +9911,7 @@
           <a:p>
             <a:pPr algn="l"/>
             <a:r>
-              <a:rPr lang="en-US" sz="2500" dirty="0">
+              <a:rPr lang="en-US" sz="2300" dirty="0">
                 <a:solidFill>
                   <a:srgbClr val="000000"/>
                 </a:solidFill>
@@ -11702,7 +9922,7 @@
           </a:p>
           <a:p>
             <a:pPr algn="l"/>
-            <a:endParaRPr lang="en-US" sz="2500" dirty="0">
+            <a:endParaRPr lang="en-US" sz="2300" dirty="0">
               <a:solidFill>
                 <a:srgbClr val="000000"/>
               </a:solidFill>
@@ -11712,7 +9932,7 @@
           <a:p>
             <a:pPr algn="l"/>
             <a:r>
-              <a:rPr lang="en-US" sz="2500" dirty="0">
+              <a:rPr lang="en-US" sz="2300" dirty="0">
                 <a:solidFill>
                   <a:srgbClr val="000000"/>
                 </a:solidFill>
@@ -11723,7 +9943,7 @@
           </a:p>
           <a:p>
             <a:pPr algn="l"/>
-            <a:endParaRPr lang="en-US" sz="2500" dirty="0">
+            <a:endParaRPr lang="en-US" sz="2300" dirty="0">
               <a:solidFill>
                 <a:srgbClr val="000000"/>
               </a:solidFill>
@@ -11733,7 +9953,7 @@
           <a:p>
             <a:pPr algn="l"/>
             <a:r>
-              <a:rPr lang="en-US" sz="2500" b="0" i="0" u="none" strike="noStrike" baseline="0" dirty="0">
+              <a:rPr lang="en-US" sz="2300" b="0" i="0" u="none" strike="noStrike" baseline="0" dirty="0">
                 <a:solidFill>
                   <a:srgbClr val="000000"/>
                 </a:solidFill>
@@ -11741,7 +9961,7 @@
               </a:rPr>
               <a:t> This paper proposes the front-end should be akin to a scientific inquiry, with systems thinking and predictive learning as mainstays to create customer value and reduce its “fuzziness”</a:t>
             </a:r>
-            <a:endParaRPr lang="az-Latn-AZ" sz="2500" b="0" i="0" u="none" strike="noStrike" baseline="0" dirty="0">
+            <a:endParaRPr lang="az-Latn-AZ" sz="2300" b="0" i="0" u="none" strike="noStrike" baseline="0" dirty="0">
               <a:solidFill>
                 <a:srgbClr val="000000"/>
               </a:solidFill>
@@ -11791,1066 +10011,6 @@
     <p:extLst>
       <p:ext uri="{BB962C8B-B14F-4D97-AF65-F5344CB8AC3E}">
         <p14:creationId xmlns:p14="http://schemas.microsoft.com/office/powerpoint/2010/main" val="3889601432"/>
-      </p:ext>
-    </p:extLst>
-  </p:cSld>
-  <p:clrMapOvr>
-    <a:masterClrMapping/>
-  </p:clrMapOvr>
-  <p:transition>
-    <p:randomBar/>
-  </p:transition>
-</p:sld>
-</file>
-
-<file path=ppt/slides/slide30.xml><?xml version="1.0" encoding="utf-8"?>
-<p:sld xmlns:a="http://schemas.openxmlformats.org/drawingml/2006/main" xmlns:r="http://schemas.openxmlformats.org/officeDocument/2006/relationships" xmlns:p="http://schemas.openxmlformats.org/presentationml/2006/main">
-  <p:cSld>
-    <p:spTree>
-      <p:nvGrpSpPr>
-        <p:cNvPr id="1" name=""/>
-        <p:cNvGrpSpPr/>
-        <p:nvPr/>
-      </p:nvGrpSpPr>
-      <p:grpSpPr>
-        <a:xfrm>
-          <a:off x="0" y="0"/>
-          <a:ext cx="0" cy="0"/>
-          <a:chOff x="0" y="0"/>
-          <a:chExt cx="0" cy="0"/>
-        </a:xfrm>
-      </p:grpSpPr>
-      <p:sp>
-        <p:nvSpPr>
-          <p:cNvPr id="14340" name="Symbol zastępczy tekstu 3">
-            <a:extLst>
-              <a:ext uri="{FF2B5EF4-FFF2-40B4-BE49-F238E27FC236}">
-                <a16:creationId xmlns:a16="http://schemas.microsoft.com/office/drawing/2014/main" id="{A0D59D9A-0B96-4CFB-BFDE-3929C861B03D}"/>
-              </a:ext>
-            </a:extLst>
-          </p:cNvPr>
-          <p:cNvSpPr>
-            <a:spLocks noGrp="1"/>
-          </p:cNvSpPr>
-          <p:nvPr>
-            <p:ph type="body" idx="11"/>
-          </p:nvPr>
-        </p:nvSpPr>
-        <p:spPr>
-          <a:xfrm>
-            <a:off x="768350" y="381000"/>
-            <a:ext cx="8285163" cy="863600"/>
-          </a:xfrm>
-        </p:spPr>
-        <p:txBody>
-          <a:bodyPr/>
-          <a:lstStyle/>
-          <a:p>
-            <a:pPr marL="571500" indent="-457200"/>
-            <a:r>
-              <a:rPr lang="en-US" altLang="en-US" sz="3600" dirty="0">
-                <a:latin typeface="Times New Roman" panose="02020603050405020304" pitchFamily="18" charset="0"/>
-                <a:cs typeface="Times New Roman" panose="02020603050405020304" pitchFamily="18" charset="0"/>
-              </a:rPr>
-              <a:t>Princeton</a:t>
-            </a:r>
-            <a:endParaRPr lang="en-US" sz="3500" b="0" u="none" strike="noStrike" baseline="0" dirty="0">
-              <a:latin typeface="Times New Roman" panose="02020603050405020304" pitchFamily="18" charset="0"/>
-              <a:cs typeface="Times New Roman" panose="02020603050405020304" pitchFamily="18" charset="0"/>
-            </a:endParaRPr>
-          </a:p>
-        </p:txBody>
-      </p:sp>
-      <p:pic>
-        <p:nvPicPr>
-          <p:cNvPr id="4" name="Picture 3">
-            <a:extLst>
-              <a:ext uri="{FF2B5EF4-FFF2-40B4-BE49-F238E27FC236}">
-                <a16:creationId xmlns:a16="http://schemas.microsoft.com/office/drawing/2014/main" id="{AA1C7A6E-2DAF-4837-B7C8-890D7EBAE116}"/>
-              </a:ext>
-            </a:extLst>
-          </p:cNvPr>
-          <p:cNvPicPr>
-            <a:picLocks noChangeAspect="1"/>
-          </p:cNvPicPr>
-          <p:nvPr/>
-        </p:nvPicPr>
-        <p:blipFill>
-          <a:blip r:embed="rId2"/>
-          <a:stretch>
-            <a:fillRect/>
-          </a:stretch>
-        </p:blipFill>
-        <p:spPr>
-          <a:xfrm>
-            <a:off x="1219200" y="1600200"/>
-            <a:ext cx="7238999" cy="3883897"/>
-          </a:xfrm>
-          <a:prstGeom prst="rect">
-            <a:avLst/>
-          </a:prstGeom>
-        </p:spPr>
-      </p:pic>
-    </p:spTree>
-    <p:extLst>
-      <p:ext uri="{BB962C8B-B14F-4D97-AF65-F5344CB8AC3E}">
-        <p14:creationId xmlns:p14="http://schemas.microsoft.com/office/powerpoint/2010/main" val="2639495808"/>
-      </p:ext>
-    </p:extLst>
-  </p:cSld>
-  <p:clrMapOvr>
-    <a:masterClrMapping/>
-  </p:clrMapOvr>
-  <p:transition>
-    <p:randomBar/>
-  </p:transition>
-</p:sld>
-</file>
-
-<file path=ppt/slides/slide31.xml><?xml version="1.0" encoding="utf-8"?>
-<p:sld xmlns:a="http://schemas.openxmlformats.org/drawingml/2006/main" xmlns:r="http://schemas.openxmlformats.org/officeDocument/2006/relationships" xmlns:p="http://schemas.openxmlformats.org/presentationml/2006/main">
-  <p:cSld>
-    <p:spTree>
-      <p:nvGrpSpPr>
-        <p:cNvPr id="1" name=""/>
-        <p:cNvGrpSpPr/>
-        <p:nvPr/>
-      </p:nvGrpSpPr>
-      <p:grpSpPr>
-        <a:xfrm>
-          <a:off x="0" y="0"/>
-          <a:ext cx="0" cy="0"/>
-          <a:chOff x="0" y="0"/>
-          <a:chExt cx="0" cy="0"/>
-        </a:xfrm>
-      </p:grpSpPr>
-      <p:sp>
-        <p:nvSpPr>
-          <p:cNvPr id="14340" name="Symbol zastępczy tekstu 3">
-            <a:extLst>
-              <a:ext uri="{FF2B5EF4-FFF2-40B4-BE49-F238E27FC236}">
-                <a16:creationId xmlns:a16="http://schemas.microsoft.com/office/drawing/2014/main" id="{A0D59D9A-0B96-4CFB-BFDE-3929C861B03D}"/>
-              </a:ext>
-            </a:extLst>
-          </p:cNvPr>
-          <p:cNvSpPr>
-            <a:spLocks noGrp="1"/>
-          </p:cNvSpPr>
-          <p:nvPr>
-            <p:ph type="body" idx="11"/>
-          </p:nvPr>
-        </p:nvSpPr>
-        <p:spPr>
-          <a:xfrm>
-            <a:off x="768350" y="381000"/>
-            <a:ext cx="8285163" cy="863600"/>
-          </a:xfrm>
-        </p:spPr>
-        <p:txBody>
-          <a:bodyPr/>
-          <a:lstStyle/>
-          <a:p>
-            <a:pPr marL="571500" indent="-457200"/>
-            <a:r>
-              <a:rPr lang="en-US" altLang="en-US" sz="3600" dirty="0">
-                <a:latin typeface="Times New Roman" panose="02020603050405020304" pitchFamily="18" charset="0"/>
-                <a:cs typeface="Times New Roman" panose="02020603050405020304" pitchFamily="18" charset="0"/>
-              </a:rPr>
-              <a:t>Princeton</a:t>
-            </a:r>
-            <a:endParaRPr lang="en-US" sz="3500" b="0" u="none" strike="noStrike" baseline="0" dirty="0">
-              <a:latin typeface="Times New Roman" panose="02020603050405020304" pitchFamily="18" charset="0"/>
-              <a:cs typeface="Times New Roman" panose="02020603050405020304" pitchFamily="18" charset="0"/>
-            </a:endParaRPr>
-          </a:p>
-        </p:txBody>
-      </p:sp>
-      <p:pic>
-        <p:nvPicPr>
-          <p:cNvPr id="3" name="Picture 2">
-            <a:extLst>
-              <a:ext uri="{FF2B5EF4-FFF2-40B4-BE49-F238E27FC236}">
-                <a16:creationId xmlns:a16="http://schemas.microsoft.com/office/drawing/2014/main" id="{FF6A7EA4-F7A4-4867-848A-D58A8552018A}"/>
-              </a:ext>
-            </a:extLst>
-          </p:cNvPr>
-          <p:cNvPicPr>
-            <a:picLocks noChangeAspect="1"/>
-          </p:cNvPicPr>
-          <p:nvPr/>
-        </p:nvPicPr>
-        <p:blipFill>
-          <a:blip r:embed="rId2"/>
-          <a:stretch>
-            <a:fillRect/>
-          </a:stretch>
-        </p:blipFill>
-        <p:spPr>
-          <a:xfrm>
-            <a:off x="1142999" y="1816893"/>
-            <a:ext cx="7647675" cy="3224213"/>
-          </a:xfrm>
-          <a:prstGeom prst="rect">
-            <a:avLst/>
-          </a:prstGeom>
-        </p:spPr>
-      </p:pic>
-    </p:spTree>
-    <p:extLst>
-      <p:ext uri="{BB962C8B-B14F-4D97-AF65-F5344CB8AC3E}">
-        <p14:creationId xmlns:p14="http://schemas.microsoft.com/office/powerpoint/2010/main" val="560657325"/>
-      </p:ext>
-    </p:extLst>
-  </p:cSld>
-  <p:clrMapOvr>
-    <a:masterClrMapping/>
-  </p:clrMapOvr>
-  <p:transition>
-    <p:randomBar/>
-  </p:transition>
-</p:sld>
-</file>
-
-<file path=ppt/slides/slide32.xml><?xml version="1.0" encoding="utf-8"?>
-<p:sld xmlns:a="http://schemas.openxmlformats.org/drawingml/2006/main" xmlns:r="http://schemas.openxmlformats.org/officeDocument/2006/relationships" xmlns:p="http://schemas.openxmlformats.org/presentationml/2006/main">
-  <p:cSld>
-    <p:spTree>
-      <p:nvGrpSpPr>
-        <p:cNvPr id="1" name=""/>
-        <p:cNvGrpSpPr/>
-        <p:nvPr/>
-      </p:nvGrpSpPr>
-      <p:grpSpPr>
-        <a:xfrm>
-          <a:off x="0" y="0"/>
-          <a:ext cx="0" cy="0"/>
-          <a:chOff x="0" y="0"/>
-          <a:chExt cx="0" cy="0"/>
-        </a:xfrm>
-      </p:grpSpPr>
-      <p:sp>
-        <p:nvSpPr>
-          <p:cNvPr id="14338" name="Symbol zastępczy zawartości 1">
-            <a:extLst>
-              <a:ext uri="{FF2B5EF4-FFF2-40B4-BE49-F238E27FC236}">
-                <a16:creationId xmlns:a16="http://schemas.microsoft.com/office/drawing/2014/main" id="{56887BCD-F3D0-4546-A292-991E85A91EB2}"/>
-              </a:ext>
-            </a:extLst>
-          </p:cNvPr>
-          <p:cNvSpPr>
-            <a:spLocks noGrp="1"/>
-          </p:cNvSpPr>
-          <p:nvPr>
-            <p:ph sz="half" idx="1"/>
-          </p:nvPr>
-        </p:nvSpPr>
-        <p:spPr>
-          <a:xfrm>
-            <a:off x="609600" y="2743200"/>
-            <a:ext cx="8262938" cy="5256212"/>
-          </a:xfrm>
-        </p:spPr>
-        <p:txBody>
-          <a:bodyPr/>
-          <a:lstStyle/>
-          <a:p>
-            <a:pPr marL="571500" indent="-457200"/>
-            <a:r>
-              <a:rPr lang="en-US" altLang="en-US" sz="2500" dirty="0">
-                <a:latin typeface="Times New Roman" panose="02020603050405020304" pitchFamily="18" charset="0"/>
-                <a:cs typeface="Times New Roman" panose="02020603050405020304" pitchFamily="18" charset="0"/>
-              </a:rPr>
-              <a:t>Same laws with Philadelphia</a:t>
-            </a:r>
-          </a:p>
-          <a:p>
-            <a:pPr marL="571500" indent="-457200"/>
-            <a:r>
-              <a:rPr lang="en-US" altLang="en-US" sz="2500" dirty="0">
-                <a:latin typeface="Times New Roman" panose="02020603050405020304" pitchFamily="18" charset="0"/>
-                <a:cs typeface="Times New Roman" panose="02020603050405020304" pitchFamily="18" charset="0"/>
-              </a:rPr>
-              <a:t>Remove more small urban lawns and streets</a:t>
-            </a:r>
-          </a:p>
-          <a:p>
-            <a:pPr marL="571500" indent="-457200"/>
-            <a:r>
-              <a:rPr lang="en-US" altLang="en-US" sz="2500" dirty="0">
-                <a:latin typeface="Times New Roman" panose="02020603050405020304" pitchFamily="18" charset="0"/>
-                <a:cs typeface="Times New Roman" panose="02020603050405020304" pitchFamily="18" charset="0"/>
-              </a:rPr>
-              <a:t>Downgrading streets and reducing road complexity on the long sides of green spaces</a:t>
-            </a:r>
-          </a:p>
-        </p:txBody>
-      </p:sp>
-      <p:sp>
-        <p:nvSpPr>
-          <p:cNvPr id="14340" name="Symbol zastępczy tekstu 3">
-            <a:extLst>
-              <a:ext uri="{FF2B5EF4-FFF2-40B4-BE49-F238E27FC236}">
-                <a16:creationId xmlns:a16="http://schemas.microsoft.com/office/drawing/2014/main" id="{A0D59D9A-0B96-4CFB-BFDE-3929C861B03D}"/>
-              </a:ext>
-            </a:extLst>
-          </p:cNvPr>
-          <p:cNvSpPr>
-            <a:spLocks noGrp="1"/>
-          </p:cNvSpPr>
-          <p:nvPr>
-            <p:ph type="body" idx="11"/>
-          </p:nvPr>
-        </p:nvSpPr>
-        <p:spPr>
-          <a:xfrm>
-            <a:off x="755650" y="620713"/>
-            <a:ext cx="8285163" cy="863600"/>
-          </a:xfrm>
-        </p:spPr>
-        <p:txBody>
-          <a:bodyPr/>
-          <a:lstStyle/>
-          <a:p>
-            <a:pPr marL="571500" indent="-457200"/>
-            <a:r>
-              <a:rPr lang="en-US" altLang="en-US" sz="4800" dirty="0">
-                <a:latin typeface="Times New Roman" panose="02020603050405020304" pitchFamily="18" charset="0"/>
-                <a:cs typeface="Times New Roman" panose="02020603050405020304" pitchFamily="18" charset="0"/>
-              </a:rPr>
-              <a:t>Seattle</a:t>
-            </a:r>
-            <a:endParaRPr lang="en-US" sz="4800" b="0" u="none" strike="noStrike" baseline="0" dirty="0">
-              <a:latin typeface="Times New Roman" panose="02020603050405020304" pitchFamily="18" charset="0"/>
-              <a:cs typeface="Times New Roman" panose="02020603050405020304" pitchFamily="18" charset="0"/>
-            </a:endParaRPr>
-          </a:p>
-        </p:txBody>
-      </p:sp>
-    </p:spTree>
-    <p:extLst>
-      <p:ext uri="{BB962C8B-B14F-4D97-AF65-F5344CB8AC3E}">
-        <p14:creationId xmlns:p14="http://schemas.microsoft.com/office/powerpoint/2010/main" val="1483004742"/>
-      </p:ext>
-    </p:extLst>
-  </p:cSld>
-  <p:clrMapOvr>
-    <a:masterClrMapping/>
-  </p:clrMapOvr>
-  <p:transition>
-    <p:randomBar/>
-  </p:transition>
-</p:sld>
-</file>
-
-<file path=ppt/slides/slide33.xml><?xml version="1.0" encoding="utf-8"?>
-<p:sld xmlns:a="http://schemas.openxmlformats.org/drawingml/2006/main" xmlns:r="http://schemas.openxmlformats.org/officeDocument/2006/relationships" xmlns:p="http://schemas.openxmlformats.org/presentationml/2006/main">
-  <p:cSld>
-    <p:spTree>
-      <p:nvGrpSpPr>
-        <p:cNvPr id="1" name=""/>
-        <p:cNvGrpSpPr/>
-        <p:nvPr/>
-      </p:nvGrpSpPr>
-      <p:grpSpPr>
-        <a:xfrm>
-          <a:off x="0" y="0"/>
-          <a:ext cx="0" cy="0"/>
-          <a:chOff x="0" y="0"/>
-          <a:chExt cx="0" cy="0"/>
-        </a:xfrm>
-      </p:grpSpPr>
-      <p:sp>
-        <p:nvSpPr>
-          <p:cNvPr id="14340" name="Symbol zastępczy tekstu 3">
-            <a:extLst>
-              <a:ext uri="{FF2B5EF4-FFF2-40B4-BE49-F238E27FC236}">
-                <a16:creationId xmlns:a16="http://schemas.microsoft.com/office/drawing/2014/main" id="{A0D59D9A-0B96-4CFB-BFDE-3929C861B03D}"/>
-              </a:ext>
-            </a:extLst>
-          </p:cNvPr>
-          <p:cNvSpPr>
-            <a:spLocks noGrp="1"/>
-          </p:cNvSpPr>
-          <p:nvPr>
-            <p:ph type="body" idx="11"/>
-          </p:nvPr>
-        </p:nvSpPr>
-        <p:spPr>
-          <a:xfrm>
-            <a:off x="742950" y="152400"/>
-            <a:ext cx="8285163" cy="863600"/>
-          </a:xfrm>
-        </p:spPr>
-        <p:txBody>
-          <a:bodyPr/>
-          <a:lstStyle/>
-          <a:p>
-            <a:pPr marL="571500" indent="-457200"/>
-            <a:r>
-              <a:rPr lang="en-US" altLang="en-US" sz="3600" dirty="0">
-                <a:latin typeface="Times New Roman" panose="02020603050405020304" pitchFamily="18" charset="0"/>
-                <a:cs typeface="Times New Roman" panose="02020603050405020304" pitchFamily="18" charset="0"/>
-              </a:rPr>
-              <a:t>Seattle</a:t>
-            </a:r>
-            <a:endParaRPr lang="en-US" sz="3500" b="0" u="none" strike="noStrike" baseline="0" dirty="0">
-              <a:latin typeface="Times New Roman" panose="02020603050405020304" pitchFamily="18" charset="0"/>
-              <a:cs typeface="Times New Roman" panose="02020603050405020304" pitchFamily="18" charset="0"/>
-            </a:endParaRPr>
-          </a:p>
-        </p:txBody>
-      </p:sp>
-      <p:pic>
-        <p:nvPicPr>
-          <p:cNvPr id="6" name="Picture 5">
-            <a:extLst>
-              <a:ext uri="{FF2B5EF4-FFF2-40B4-BE49-F238E27FC236}">
-                <a16:creationId xmlns:a16="http://schemas.microsoft.com/office/drawing/2014/main" id="{A673FD4C-33A3-48D8-B516-A9D9D40AAF72}"/>
-              </a:ext>
-            </a:extLst>
-          </p:cNvPr>
-          <p:cNvPicPr>
-            <a:picLocks noChangeAspect="1"/>
-          </p:cNvPicPr>
-          <p:nvPr/>
-        </p:nvPicPr>
-        <p:blipFill>
-          <a:blip r:embed="rId2"/>
-          <a:stretch>
-            <a:fillRect/>
-          </a:stretch>
-        </p:blipFill>
-        <p:spPr>
-          <a:xfrm>
-            <a:off x="944755" y="1790700"/>
-            <a:ext cx="7881551" cy="3276600"/>
-          </a:xfrm>
-          <a:prstGeom prst="rect">
-            <a:avLst/>
-          </a:prstGeom>
-        </p:spPr>
-      </p:pic>
-    </p:spTree>
-    <p:extLst>
-      <p:ext uri="{BB962C8B-B14F-4D97-AF65-F5344CB8AC3E}">
-        <p14:creationId xmlns:p14="http://schemas.microsoft.com/office/powerpoint/2010/main" val="2864563560"/>
-      </p:ext>
-    </p:extLst>
-  </p:cSld>
-  <p:clrMapOvr>
-    <a:masterClrMapping/>
-  </p:clrMapOvr>
-  <p:transition>
-    <p:randomBar/>
-  </p:transition>
-</p:sld>
-</file>
-
-<file path=ppt/slides/slide34.xml><?xml version="1.0" encoding="utf-8"?>
-<p:sld xmlns:a="http://schemas.openxmlformats.org/drawingml/2006/main" xmlns:r="http://schemas.openxmlformats.org/officeDocument/2006/relationships" xmlns:p="http://schemas.openxmlformats.org/presentationml/2006/main">
-  <p:cSld>
-    <p:spTree>
-      <p:nvGrpSpPr>
-        <p:cNvPr id="1" name=""/>
-        <p:cNvGrpSpPr/>
-        <p:nvPr/>
-      </p:nvGrpSpPr>
-      <p:grpSpPr>
-        <a:xfrm>
-          <a:off x="0" y="0"/>
-          <a:ext cx="0" cy="0"/>
-          <a:chOff x="0" y="0"/>
-          <a:chExt cx="0" cy="0"/>
-        </a:xfrm>
-      </p:grpSpPr>
-      <p:sp>
-        <p:nvSpPr>
-          <p:cNvPr id="14340" name="Symbol zastępczy tekstu 3">
-            <a:extLst>
-              <a:ext uri="{FF2B5EF4-FFF2-40B4-BE49-F238E27FC236}">
-                <a16:creationId xmlns:a16="http://schemas.microsoft.com/office/drawing/2014/main" id="{A0D59D9A-0B96-4CFB-BFDE-3929C861B03D}"/>
-              </a:ext>
-            </a:extLst>
-          </p:cNvPr>
-          <p:cNvSpPr>
-            <a:spLocks noGrp="1"/>
-          </p:cNvSpPr>
-          <p:nvPr>
-            <p:ph type="body" idx="11"/>
-          </p:nvPr>
-        </p:nvSpPr>
-        <p:spPr>
-          <a:xfrm>
-            <a:off x="742950" y="152400"/>
-            <a:ext cx="8285163" cy="863600"/>
-          </a:xfrm>
-        </p:spPr>
-        <p:txBody>
-          <a:bodyPr/>
-          <a:lstStyle/>
-          <a:p>
-            <a:pPr marL="571500" indent="-457200"/>
-            <a:r>
-              <a:rPr lang="en-US" altLang="en-US" sz="3600" dirty="0">
-                <a:latin typeface="Times New Roman" panose="02020603050405020304" pitchFamily="18" charset="0"/>
-                <a:cs typeface="Times New Roman" panose="02020603050405020304" pitchFamily="18" charset="0"/>
-              </a:rPr>
-              <a:t>Seattle</a:t>
-            </a:r>
-            <a:endParaRPr lang="en-US" sz="3500" b="0" u="none" strike="noStrike" baseline="0" dirty="0">
-              <a:latin typeface="Times New Roman" panose="02020603050405020304" pitchFamily="18" charset="0"/>
-              <a:cs typeface="Times New Roman" panose="02020603050405020304" pitchFamily="18" charset="0"/>
-            </a:endParaRPr>
-          </a:p>
-        </p:txBody>
-      </p:sp>
-      <p:pic>
-        <p:nvPicPr>
-          <p:cNvPr id="6" name="Picture 5">
-            <a:extLst>
-              <a:ext uri="{FF2B5EF4-FFF2-40B4-BE49-F238E27FC236}">
-                <a16:creationId xmlns:a16="http://schemas.microsoft.com/office/drawing/2014/main" id="{A673FD4C-33A3-48D8-B516-A9D9D40AAF72}"/>
-              </a:ext>
-            </a:extLst>
-          </p:cNvPr>
-          <p:cNvPicPr>
-            <a:picLocks noChangeAspect="1"/>
-          </p:cNvPicPr>
-          <p:nvPr/>
-        </p:nvPicPr>
-        <p:blipFill>
-          <a:blip r:embed="rId2"/>
-          <a:stretch>
-            <a:fillRect/>
-          </a:stretch>
-        </p:blipFill>
-        <p:spPr>
-          <a:xfrm>
-            <a:off x="944755" y="1790700"/>
-            <a:ext cx="7881551" cy="3276600"/>
-          </a:xfrm>
-          <a:prstGeom prst="rect">
-            <a:avLst/>
-          </a:prstGeom>
-        </p:spPr>
-      </p:pic>
-    </p:spTree>
-    <p:extLst>
-      <p:ext uri="{BB962C8B-B14F-4D97-AF65-F5344CB8AC3E}">
-        <p14:creationId xmlns:p14="http://schemas.microsoft.com/office/powerpoint/2010/main" val="2308491573"/>
-      </p:ext>
-    </p:extLst>
-  </p:cSld>
-  <p:clrMapOvr>
-    <a:masterClrMapping/>
-  </p:clrMapOvr>
-  <p:transition>
-    <p:randomBar/>
-  </p:transition>
-</p:sld>
-</file>
-
-<file path=ppt/slides/slide35.xml><?xml version="1.0" encoding="utf-8"?>
-<p:sld xmlns:a="http://schemas.openxmlformats.org/drawingml/2006/main" xmlns:r="http://schemas.openxmlformats.org/officeDocument/2006/relationships" xmlns:p="http://schemas.openxmlformats.org/presentationml/2006/main">
-  <p:cSld>
-    <p:spTree>
-      <p:nvGrpSpPr>
-        <p:cNvPr id="1" name=""/>
-        <p:cNvGrpSpPr/>
-        <p:nvPr/>
-      </p:nvGrpSpPr>
-      <p:grpSpPr>
-        <a:xfrm>
-          <a:off x="0" y="0"/>
-          <a:ext cx="0" cy="0"/>
-          <a:chOff x="0" y="0"/>
-          <a:chExt cx="0" cy="0"/>
-        </a:xfrm>
-      </p:grpSpPr>
-      <p:sp>
-        <p:nvSpPr>
-          <p:cNvPr id="14340" name="Symbol zastępczy tekstu 3">
-            <a:extLst>
-              <a:ext uri="{FF2B5EF4-FFF2-40B4-BE49-F238E27FC236}">
-                <a16:creationId xmlns:a16="http://schemas.microsoft.com/office/drawing/2014/main" id="{A0D59D9A-0B96-4CFB-BFDE-3929C861B03D}"/>
-              </a:ext>
-            </a:extLst>
-          </p:cNvPr>
-          <p:cNvSpPr>
-            <a:spLocks noGrp="1"/>
-          </p:cNvSpPr>
-          <p:nvPr>
-            <p:ph type="body" idx="11"/>
-          </p:nvPr>
-        </p:nvSpPr>
-        <p:spPr>
-          <a:xfrm>
-            <a:off x="742950" y="152400"/>
-            <a:ext cx="8285163" cy="863600"/>
-          </a:xfrm>
-        </p:spPr>
-        <p:txBody>
-          <a:bodyPr/>
-          <a:lstStyle/>
-          <a:p>
-            <a:pPr marL="571500" indent="-457200"/>
-            <a:r>
-              <a:rPr lang="en-US" altLang="en-US" sz="3600" dirty="0">
-                <a:latin typeface="Times New Roman" panose="02020603050405020304" pitchFamily="18" charset="0"/>
-                <a:cs typeface="Times New Roman" panose="02020603050405020304" pitchFamily="18" charset="0"/>
-              </a:rPr>
-              <a:t>Seattle</a:t>
-            </a:r>
-            <a:endParaRPr lang="en-US" sz="3500" b="0" u="none" strike="noStrike" baseline="0" dirty="0">
-              <a:latin typeface="Times New Roman" panose="02020603050405020304" pitchFamily="18" charset="0"/>
-              <a:cs typeface="Times New Roman" panose="02020603050405020304" pitchFamily="18" charset="0"/>
-            </a:endParaRPr>
-          </a:p>
-        </p:txBody>
-      </p:sp>
-      <p:pic>
-        <p:nvPicPr>
-          <p:cNvPr id="3" name="Picture 2">
-            <a:extLst>
-              <a:ext uri="{FF2B5EF4-FFF2-40B4-BE49-F238E27FC236}">
-                <a16:creationId xmlns:a16="http://schemas.microsoft.com/office/drawing/2014/main" id="{540332BB-BACF-4669-902B-0A2C68FF2083}"/>
-              </a:ext>
-            </a:extLst>
-          </p:cNvPr>
-          <p:cNvPicPr>
-            <a:picLocks noChangeAspect="1"/>
-          </p:cNvPicPr>
-          <p:nvPr/>
-        </p:nvPicPr>
-        <p:blipFill>
-          <a:blip r:embed="rId2"/>
-          <a:stretch>
-            <a:fillRect/>
-          </a:stretch>
-        </p:blipFill>
-        <p:spPr>
-          <a:xfrm>
-            <a:off x="990600" y="2047875"/>
-            <a:ext cx="7484204" cy="2762250"/>
-          </a:xfrm>
-          <a:prstGeom prst="rect">
-            <a:avLst/>
-          </a:prstGeom>
-        </p:spPr>
-      </p:pic>
-    </p:spTree>
-    <p:extLst>
-      <p:ext uri="{BB962C8B-B14F-4D97-AF65-F5344CB8AC3E}">
-        <p14:creationId xmlns:p14="http://schemas.microsoft.com/office/powerpoint/2010/main" val="2678074884"/>
-      </p:ext>
-    </p:extLst>
-  </p:cSld>
-  <p:clrMapOvr>
-    <a:masterClrMapping/>
-  </p:clrMapOvr>
-  <p:transition>
-    <p:randomBar/>
-  </p:transition>
-</p:sld>
-</file>
-
-<file path=ppt/slides/slide36.xml><?xml version="1.0" encoding="utf-8"?>
-<p:sld xmlns:a="http://schemas.openxmlformats.org/drawingml/2006/main" xmlns:r="http://schemas.openxmlformats.org/officeDocument/2006/relationships" xmlns:p="http://schemas.openxmlformats.org/presentationml/2006/main">
-  <p:cSld>
-    <p:spTree>
-      <p:nvGrpSpPr>
-        <p:cNvPr id="1" name=""/>
-        <p:cNvGrpSpPr/>
-        <p:nvPr/>
-      </p:nvGrpSpPr>
-      <p:grpSpPr>
-        <a:xfrm>
-          <a:off x="0" y="0"/>
-          <a:ext cx="0" cy="0"/>
-          <a:chOff x="0" y="0"/>
-          <a:chExt cx="0" cy="0"/>
-        </a:xfrm>
-      </p:grpSpPr>
-      <p:sp>
-        <p:nvSpPr>
-          <p:cNvPr id="14338" name="Symbol zastępczy zawartości 1">
-            <a:extLst>
-              <a:ext uri="{FF2B5EF4-FFF2-40B4-BE49-F238E27FC236}">
-                <a16:creationId xmlns:a16="http://schemas.microsoft.com/office/drawing/2014/main" id="{56887BCD-F3D0-4546-A292-991E85A91EB2}"/>
-              </a:ext>
-            </a:extLst>
-          </p:cNvPr>
-          <p:cNvSpPr>
-            <a:spLocks noGrp="1"/>
-          </p:cNvSpPr>
-          <p:nvPr>
-            <p:ph sz="half" idx="1"/>
-          </p:nvPr>
-        </p:nvSpPr>
-        <p:spPr>
-          <a:xfrm>
-            <a:off x="609600" y="1828800"/>
-            <a:ext cx="8262938" cy="5256212"/>
-          </a:xfrm>
-        </p:spPr>
-        <p:txBody>
-          <a:bodyPr/>
-          <a:lstStyle/>
-          <a:p>
-            <a:pPr marL="571500" indent="-457200"/>
-            <a:r>
-              <a:rPr lang="en-US" altLang="en-US" sz="2500" dirty="0">
-                <a:latin typeface="Times New Roman" panose="02020603050405020304" pitchFamily="18" charset="0"/>
-                <a:cs typeface="Times New Roman" panose="02020603050405020304" pitchFamily="18" charset="0"/>
-              </a:rPr>
-              <a:t>Deleting roads within the blocks in the sample as much as possible</a:t>
-            </a:r>
-          </a:p>
-          <a:p>
-            <a:pPr marL="571500" indent="-457200"/>
-            <a:r>
-              <a:rPr lang="en-US" altLang="en-US" sz="2500" dirty="0">
-                <a:latin typeface="Times New Roman" panose="02020603050405020304" pitchFamily="18" charset="0"/>
-                <a:cs typeface="Times New Roman" panose="02020603050405020304" pitchFamily="18" charset="0"/>
-              </a:rPr>
-              <a:t>Downgrading the two main roads</a:t>
-            </a:r>
-          </a:p>
-          <a:p>
-            <a:pPr marL="571500" indent="-457200"/>
-            <a:r>
-              <a:rPr lang="en-US" altLang="en-US" sz="2500" dirty="0">
-                <a:latin typeface="Times New Roman" panose="02020603050405020304" pitchFamily="18" charset="0"/>
-                <a:cs typeface="Times New Roman" panose="02020603050405020304" pitchFamily="18" charset="0"/>
-              </a:rPr>
-              <a:t>Replacing the large municipal buildings with small loosely distributed residential buildings</a:t>
-            </a:r>
-          </a:p>
-        </p:txBody>
-      </p:sp>
-      <p:sp>
-        <p:nvSpPr>
-          <p:cNvPr id="14340" name="Symbol zastępczy tekstu 3">
-            <a:extLst>
-              <a:ext uri="{FF2B5EF4-FFF2-40B4-BE49-F238E27FC236}">
-                <a16:creationId xmlns:a16="http://schemas.microsoft.com/office/drawing/2014/main" id="{A0D59D9A-0B96-4CFB-BFDE-3929C861B03D}"/>
-              </a:ext>
-            </a:extLst>
-          </p:cNvPr>
-          <p:cNvSpPr>
-            <a:spLocks noGrp="1"/>
-          </p:cNvSpPr>
-          <p:nvPr>
-            <p:ph type="body" idx="11"/>
-          </p:nvPr>
-        </p:nvSpPr>
-        <p:spPr>
-          <a:xfrm>
-            <a:off x="755650" y="620713"/>
-            <a:ext cx="8285163" cy="863600"/>
-          </a:xfrm>
-        </p:spPr>
-        <p:txBody>
-          <a:bodyPr/>
-          <a:lstStyle/>
-          <a:p>
-            <a:pPr marL="571500" indent="-457200"/>
-            <a:r>
-              <a:rPr lang="en-US" sz="4800" b="0" u="none" strike="noStrike" baseline="0" dirty="0">
-                <a:latin typeface="Times New Roman" panose="02020603050405020304" pitchFamily="18" charset="0"/>
-                <a:cs typeface="Times New Roman" panose="02020603050405020304" pitchFamily="18" charset="0"/>
-              </a:rPr>
-              <a:t>New York</a:t>
-            </a:r>
-          </a:p>
-        </p:txBody>
-      </p:sp>
-    </p:spTree>
-    <p:extLst>
-      <p:ext uri="{BB962C8B-B14F-4D97-AF65-F5344CB8AC3E}">
-        <p14:creationId xmlns:p14="http://schemas.microsoft.com/office/powerpoint/2010/main" val="2425109819"/>
-      </p:ext>
-    </p:extLst>
-  </p:cSld>
-  <p:clrMapOvr>
-    <a:masterClrMapping/>
-  </p:clrMapOvr>
-  <p:transition>
-    <p:randomBar/>
-  </p:transition>
-</p:sld>
-</file>
-
-<file path=ppt/slides/slide37.xml><?xml version="1.0" encoding="utf-8"?>
-<p:sld xmlns:a="http://schemas.openxmlformats.org/drawingml/2006/main" xmlns:r="http://schemas.openxmlformats.org/officeDocument/2006/relationships" xmlns:p="http://schemas.openxmlformats.org/presentationml/2006/main">
-  <p:cSld>
-    <p:spTree>
-      <p:nvGrpSpPr>
-        <p:cNvPr id="1" name=""/>
-        <p:cNvGrpSpPr/>
-        <p:nvPr/>
-      </p:nvGrpSpPr>
-      <p:grpSpPr>
-        <a:xfrm>
-          <a:off x="0" y="0"/>
-          <a:ext cx="0" cy="0"/>
-          <a:chOff x="0" y="0"/>
-          <a:chExt cx="0" cy="0"/>
-        </a:xfrm>
-      </p:grpSpPr>
-      <p:sp>
-        <p:nvSpPr>
-          <p:cNvPr id="14340" name="Symbol zastępczy tekstu 3">
-            <a:extLst>
-              <a:ext uri="{FF2B5EF4-FFF2-40B4-BE49-F238E27FC236}">
-                <a16:creationId xmlns:a16="http://schemas.microsoft.com/office/drawing/2014/main" id="{A0D59D9A-0B96-4CFB-BFDE-3929C861B03D}"/>
-              </a:ext>
-            </a:extLst>
-          </p:cNvPr>
-          <p:cNvSpPr>
-            <a:spLocks noGrp="1"/>
-          </p:cNvSpPr>
-          <p:nvPr>
-            <p:ph type="body" idx="11"/>
-          </p:nvPr>
-        </p:nvSpPr>
-        <p:spPr>
-          <a:xfrm>
-            <a:off x="742950" y="152400"/>
-            <a:ext cx="8285163" cy="863600"/>
-          </a:xfrm>
-        </p:spPr>
-        <p:txBody>
-          <a:bodyPr/>
-          <a:lstStyle/>
-          <a:p>
-            <a:pPr marL="571500" indent="-457200"/>
-            <a:r>
-              <a:rPr lang="en-US" altLang="en-US" sz="3600">
-                <a:latin typeface="Times New Roman" panose="02020603050405020304" pitchFamily="18" charset="0"/>
-                <a:cs typeface="Times New Roman" panose="02020603050405020304" pitchFamily="18" charset="0"/>
-              </a:rPr>
-              <a:t>New York</a:t>
-            </a:r>
-            <a:endParaRPr lang="en-US" sz="3500" b="0" u="none" strike="noStrike" baseline="0" dirty="0">
-              <a:latin typeface="Times New Roman" panose="02020603050405020304" pitchFamily="18" charset="0"/>
-              <a:cs typeface="Times New Roman" panose="02020603050405020304" pitchFamily="18" charset="0"/>
-            </a:endParaRPr>
-          </a:p>
-        </p:txBody>
-      </p:sp>
-      <p:pic>
-        <p:nvPicPr>
-          <p:cNvPr id="4" name="Picture 3">
-            <a:extLst>
-              <a:ext uri="{FF2B5EF4-FFF2-40B4-BE49-F238E27FC236}">
-                <a16:creationId xmlns:a16="http://schemas.microsoft.com/office/drawing/2014/main" id="{9B7740C9-26C6-4ADB-A675-E327F39ADD3D}"/>
-              </a:ext>
-            </a:extLst>
-          </p:cNvPr>
-          <p:cNvPicPr>
-            <a:picLocks noChangeAspect="1"/>
-          </p:cNvPicPr>
-          <p:nvPr/>
-        </p:nvPicPr>
-        <p:blipFill>
-          <a:blip r:embed="rId2"/>
-          <a:stretch>
-            <a:fillRect/>
-          </a:stretch>
-        </p:blipFill>
-        <p:spPr>
-          <a:xfrm>
-            <a:off x="768350" y="2014537"/>
-            <a:ext cx="8112702" cy="2828925"/>
-          </a:xfrm>
-          <a:prstGeom prst="rect">
-            <a:avLst/>
-          </a:prstGeom>
-        </p:spPr>
-      </p:pic>
-    </p:spTree>
-    <p:extLst>
-      <p:ext uri="{BB962C8B-B14F-4D97-AF65-F5344CB8AC3E}">
-        <p14:creationId xmlns:p14="http://schemas.microsoft.com/office/powerpoint/2010/main" val="1630965977"/>
-      </p:ext>
-    </p:extLst>
-  </p:cSld>
-  <p:clrMapOvr>
-    <a:masterClrMapping/>
-  </p:clrMapOvr>
-  <p:transition>
-    <p:randomBar/>
-  </p:transition>
-</p:sld>
-</file>
-
-<file path=ppt/slides/slide38.xml><?xml version="1.0" encoding="utf-8"?>
-<p:sld xmlns:a="http://schemas.openxmlformats.org/drawingml/2006/main" xmlns:r="http://schemas.openxmlformats.org/officeDocument/2006/relationships" xmlns:p="http://schemas.openxmlformats.org/presentationml/2006/main">
-  <p:cSld>
-    <p:spTree>
-      <p:nvGrpSpPr>
-        <p:cNvPr id="1" name=""/>
-        <p:cNvGrpSpPr/>
-        <p:nvPr/>
-      </p:nvGrpSpPr>
-      <p:grpSpPr>
-        <a:xfrm>
-          <a:off x="0" y="0"/>
-          <a:ext cx="0" cy="0"/>
-          <a:chOff x="0" y="0"/>
-          <a:chExt cx="0" cy="0"/>
-        </a:xfrm>
-      </p:grpSpPr>
-      <p:sp>
-        <p:nvSpPr>
-          <p:cNvPr id="14340" name="Symbol zastępczy tekstu 3">
-            <a:extLst>
-              <a:ext uri="{FF2B5EF4-FFF2-40B4-BE49-F238E27FC236}">
-                <a16:creationId xmlns:a16="http://schemas.microsoft.com/office/drawing/2014/main" id="{A0D59D9A-0B96-4CFB-BFDE-3929C861B03D}"/>
-              </a:ext>
-            </a:extLst>
-          </p:cNvPr>
-          <p:cNvSpPr>
-            <a:spLocks noGrp="1"/>
-          </p:cNvSpPr>
-          <p:nvPr>
-            <p:ph type="body" idx="11"/>
-          </p:nvPr>
-        </p:nvSpPr>
-        <p:spPr>
-          <a:xfrm>
-            <a:off x="742950" y="152400"/>
-            <a:ext cx="8285163" cy="863600"/>
-          </a:xfrm>
-        </p:spPr>
-        <p:txBody>
-          <a:bodyPr/>
-          <a:lstStyle/>
-          <a:p>
-            <a:pPr marL="571500" indent="-457200"/>
-            <a:r>
-              <a:rPr lang="en-US" altLang="en-US" sz="3600">
-                <a:latin typeface="Times New Roman" panose="02020603050405020304" pitchFamily="18" charset="0"/>
-                <a:cs typeface="Times New Roman" panose="02020603050405020304" pitchFamily="18" charset="0"/>
-              </a:rPr>
-              <a:t>New York</a:t>
-            </a:r>
-            <a:endParaRPr lang="en-US" sz="3500" b="0" u="none" strike="noStrike" baseline="0" dirty="0">
-              <a:latin typeface="Times New Roman" panose="02020603050405020304" pitchFamily="18" charset="0"/>
-              <a:cs typeface="Times New Roman" panose="02020603050405020304" pitchFamily="18" charset="0"/>
-            </a:endParaRPr>
-          </a:p>
-        </p:txBody>
-      </p:sp>
-      <p:pic>
-        <p:nvPicPr>
-          <p:cNvPr id="4" name="Picture 3">
-            <a:extLst>
-              <a:ext uri="{FF2B5EF4-FFF2-40B4-BE49-F238E27FC236}">
-                <a16:creationId xmlns:a16="http://schemas.microsoft.com/office/drawing/2014/main" id="{8B30DC65-AC7D-4988-A5F5-DFDE12EABAAE}"/>
-              </a:ext>
-            </a:extLst>
-          </p:cNvPr>
-          <p:cNvPicPr>
-            <a:picLocks noChangeAspect="1"/>
-          </p:cNvPicPr>
-          <p:nvPr/>
-        </p:nvPicPr>
-        <p:blipFill>
-          <a:blip r:embed="rId2"/>
-          <a:stretch>
-            <a:fillRect/>
-          </a:stretch>
-        </p:blipFill>
-        <p:spPr>
-          <a:xfrm>
-            <a:off x="1066800" y="1905000"/>
-            <a:ext cx="7749153" cy="3429000"/>
-          </a:xfrm>
-          <a:prstGeom prst="rect">
-            <a:avLst/>
-          </a:prstGeom>
-        </p:spPr>
-      </p:pic>
-    </p:spTree>
-    <p:extLst>
-      <p:ext uri="{BB962C8B-B14F-4D97-AF65-F5344CB8AC3E}">
-        <p14:creationId xmlns:p14="http://schemas.microsoft.com/office/powerpoint/2010/main" val="2356340061"/>
-      </p:ext>
-    </p:extLst>
-  </p:cSld>
-  <p:clrMapOvr>
-    <a:masterClrMapping/>
-  </p:clrMapOvr>
-  <p:transition>
-    <p:randomBar/>
-  </p:transition>
-</p:sld>
-</file>
-
-<file path=ppt/slides/slide39.xml><?xml version="1.0" encoding="utf-8"?>
-<p:sld xmlns:a="http://schemas.openxmlformats.org/drawingml/2006/main" xmlns:r="http://schemas.openxmlformats.org/officeDocument/2006/relationships" xmlns:p="http://schemas.openxmlformats.org/presentationml/2006/main">
-  <p:cSld>
-    <p:spTree>
-      <p:nvGrpSpPr>
-        <p:cNvPr id="1" name=""/>
-        <p:cNvGrpSpPr/>
-        <p:nvPr/>
-      </p:nvGrpSpPr>
-      <p:grpSpPr>
-        <a:xfrm>
-          <a:off x="0" y="0"/>
-          <a:ext cx="0" cy="0"/>
-          <a:chOff x="0" y="0"/>
-          <a:chExt cx="0" cy="0"/>
-        </a:xfrm>
-      </p:grpSpPr>
-      <p:sp>
-        <p:nvSpPr>
-          <p:cNvPr id="14340" name="Symbol zastępczy tekstu 3">
-            <a:extLst>
-              <a:ext uri="{FF2B5EF4-FFF2-40B4-BE49-F238E27FC236}">
-                <a16:creationId xmlns:a16="http://schemas.microsoft.com/office/drawing/2014/main" id="{A0D59D9A-0B96-4CFB-BFDE-3929C861B03D}"/>
-              </a:ext>
-            </a:extLst>
-          </p:cNvPr>
-          <p:cNvSpPr>
-            <a:spLocks noGrp="1"/>
-          </p:cNvSpPr>
-          <p:nvPr>
-            <p:ph type="body" idx="11"/>
-          </p:nvPr>
-        </p:nvSpPr>
-        <p:spPr>
-          <a:xfrm>
-            <a:off x="3048000" y="2844800"/>
-            <a:ext cx="8818563" cy="1168400"/>
-          </a:xfrm>
-        </p:spPr>
-        <p:txBody>
-          <a:bodyPr/>
-          <a:lstStyle/>
-          <a:p>
-            <a:pPr marL="571500" indent="-457200"/>
-            <a:r>
-              <a:rPr lang="en-US" altLang="en-US" sz="4800" dirty="0">
-                <a:latin typeface="Times New Roman" panose="02020603050405020304" pitchFamily="18" charset="0"/>
-                <a:cs typeface="Times New Roman" panose="02020603050405020304" pitchFamily="18" charset="0"/>
-              </a:rPr>
-              <a:t>Thank you!</a:t>
-            </a:r>
-            <a:endParaRPr lang="en-US" sz="4800" b="0" u="none" strike="noStrike" baseline="0" dirty="0">
-              <a:latin typeface="Times New Roman" panose="02020603050405020304" pitchFamily="18" charset="0"/>
-              <a:cs typeface="Times New Roman" panose="02020603050405020304" pitchFamily="18" charset="0"/>
-            </a:endParaRPr>
-          </a:p>
-        </p:txBody>
-      </p:sp>
-    </p:spTree>
-    <p:extLst>
-      <p:ext uri="{BB962C8B-B14F-4D97-AF65-F5344CB8AC3E}">
-        <p14:creationId xmlns:p14="http://schemas.microsoft.com/office/powerpoint/2010/main" val="1151459842"/>
       </p:ext>
     </p:extLst>
   </p:cSld>
@@ -12908,50 +10068,81 @@
           <a:p>
             <a:pPr marL="571500" indent="-457200"/>
             <a:r>
-              <a:rPr lang="en-US" altLang="en-US" sz="2500" dirty="0">
+              <a:rPr lang="en-US" altLang="en-US" sz="2200" dirty="0">
                 <a:latin typeface="Times New Roman" panose="02020603050405020304" pitchFamily="18" charset="0"/>
                 <a:cs typeface="Times New Roman" panose="02020603050405020304" pitchFamily="18" charset="0"/>
               </a:rPr>
-              <a:t>The front-end of product development (FEPD) comprises the activities preceding official approval and funding of a project opportunity identification, idea generation, and concept development.</a:t>
-            </a:r>
-          </a:p>
-          <a:p>
-            <a:pPr marL="571500" indent="-457200"/>
-            <a:r>
-              <a:rPr lang="en-US" altLang="en-US" sz="2500" dirty="0">
+              <a:t>The front-end of product development (FEPD) comprises the </a:t>
+            </a:r>
+            <a:r>
+              <a:rPr lang="en-US" altLang="en-US" sz="2200" dirty="0" err="1">
                 <a:latin typeface="Times New Roman" panose="02020603050405020304" pitchFamily="18" charset="0"/>
                 <a:cs typeface="Times New Roman" panose="02020603050405020304" pitchFamily="18" charset="0"/>
               </a:rPr>
-              <a:t>It’s often qualified as “</a:t>
-            </a:r>
-            <a:r>
-              <a:rPr lang="en-US" altLang="en-US" sz="2500" dirty="0" err="1">
+              <a:t>activites</a:t>
+            </a:r>
+            <a:r>
+              <a:rPr lang="en-US" altLang="en-US" sz="2200" dirty="0">
                 <a:latin typeface="Times New Roman" panose="02020603050405020304" pitchFamily="18" charset="0"/>
                 <a:cs typeface="Times New Roman" panose="02020603050405020304" pitchFamily="18" charset="0"/>
               </a:rPr>
-              <a:t>fuzzly</a:t>
-            </a:r>
-            <a:r>
-              <a:rPr lang="en-US" altLang="en-US" sz="2500" dirty="0">
+              <a:t> preceding official approval and funding of a project – opportunity identification, idea generation and </a:t>
+            </a:r>
+            <a:r>
+              <a:rPr lang="en-US" altLang="en-US" sz="2200" b="1" dirty="0">
                 <a:latin typeface="Times New Roman" panose="02020603050405020304" pitchFamily="18" charset="0"/>
                 <a:cs typeface="Times New Roman" panose="02020603050405020304" pitchFamily="18" charset="0"/>
               </a:rPr>
-              <a:t>” because, in contract to product development the front-end is vague, ambiguous, unstructured and probabilistic [2]. They are also called predevelopment activities and are often neglected, even if the fate of new products may be decided at </a:t>
-            </a:r>
-            <a:r>
-              <a:rPr lang="en-US" altLang="en-US" sz="2500" dirty="0" err="1">
+              <a:t>concept development</a:t>
+            </a:r>
+            <a:r>
+              <a:rPr lang="en-US" altLang="en-US" sz="2200" dirty="0">
                 <a:latin typeface="Times New Roman" panose="02020603050405020304" pitchFamily="18" charset="0"/>
                 <a:cs typeface="Times New Roman" panose="02020603050405020304" pitchFamily="18" charset="0"/>
               </a:rPr>
-              <a:t>at</a:t>
-            </a:r>
-            <a:r>
-              <a:rPr lang="en-US" altLang="en-US" sz="2500" dirty="0">
+              <a:t>.</a:t>
+            </a:r>
+          </a:p>
+          <a:p>
+            <a:pPr marL="571500" indent="-457200"/>
+            <a:endParaRPr lang="en-US" altLang="en-US" sz="2200" dirty="0">
+              <a:latin typeface="Times New Roman" panose="02020603050405020304" pitchFamily="18" charset="0"/>
+              <a:cs typeface="Times New Roman" panose="02020603050405020304" pitchFamily="18" charset="0"/>
+            </a:endParaRPr>
+          </a:p>
+          <a:p>
+            <a:pPr marL="571500" indent="-457200"/>
+            <a:r>
+              <a:rPr lang="en-US" altLang="en-US" sz="2200" dirty="0">
                 <a:latin typeface="Times New Roman" panose="02020603050405020304" pitchFamily="18" charset="0"/>
                 <a:cs typeface="Times New Roman" panose="02020603050405020304" pitchFamily="18" charset="0"/>
               </a:rPr>
-              <a:t> this early stage</a:t>
-            </a:r>
+              <a:t>Product strategy is usually performed based on heuristics and businesses struggle to keep track of knowledge and to use it effectively.</a:t>
+            </a:r>
+          </a:p>
+          <a:p>
+            <a:pPr marL="571500" indent="-457200"/>
+            <a:endParaRPr lang="en-US" altLang="en-US" sz="2200" dirty="0">
+              <a:latin typeface="Times New Roman" panose="02020603050405020304" pitchFamily="18" charset="0"/>
+              <a:cs typeface="Times New Roman" panose="02020603050405020304" pitchFamily="18" charset="0"/>
+            </a:endParaRPr>
+          </a:p>
+          <a:p>
+            <a:pPr marL="571500" indent="-457200"/>
+            <a:r>
+              <a:rPr lang="en-US" altLang="en-US" sz="2200" dirty="0">
+                <a:latin typeface="Times New Roman" panose="02020603050405020304" pitchFamily="18" charset="0"/>
+                <a:cs typeface="Times New Roman" panose="02020603050405020304" pitchFamily="18" charset="0"/>
+              </a:rPr>
+              <a:t>This paper investigates the FEPD as an asset of activities to create knowledge to understand and use to predict customer needs and aspirations, using systems thinking and data-based simulation.</a:t>
+            </a:r>
+          </a:p>
+          <a:p>
+            <a:pPr marL="571500" indent="-457200"/>
+            <a:endParaRPr lang="en-US" altLang="en-US" sz="2200" dirty="0">
+              <a:latin typeface="Times New Roman" panose="02020603050405020304" pitchFamily="18" charset="0"/>
+              <a:cs typeface="Times New Roman" panose="02020603050405020304" pitchFamily="18" charset="0"/>
+            </a:endParaRPr>
           </a:p>
         </p:txBody>
       </p:sp>
@@ -13040,7 +10231,7 @@
         </p:nvSpPr>
         <p:spPr>
           <a:xfrm>
-            <a:off x="755650" y="1304926"/>
+            <a:off x="755650" y="1296988"/>
             <a:ext cx="8262938" cy="5256212"/>
           </a:xfrm>
         </p:spPr>
@@ -13048,144 +10239,47 @@
           <a:bodyPr/>
           <a:lstStyle/>
           <a:p>
+            <a:pPr marL="457200"/>
+            <a:r>
+              <a:rPr lang="en-US" sz="2200" dirty="0"/>
+              <a:t>This study is grounded in literature review, theoretical model construction and simulation. </a:t>
+            </a:r>
+          </a:p>
+          <a:p>
+            <a:pPr marL="457200"/>
+            <a:endParaRPr lang="en-US" sz="2200" dirty="0"/>
+          </a:p>
+          <a:p>
+            <a:pPr marL="457200"/>
+            <a:r>
+              <a:rPr lang="en-US" sz="2200" dirty="0"/>
+              <a:t>A central proposition was made and a theoretical model showing both conventional and systemic approaches were built. The usefulness of a theory is subsumed by its capacity to predict a behavior. </a:t>
+            </a:r>
+          </a:p>
+          <a:p>
             <a:pPr marL="571500" indent="-457200"/>
-            <a:r>
-              <a:rPr lang="en-US" sz="2500" i="0" dirty="0">
-                <a:effectLst/>
-                <a:latin typeface="Times New Roman" panose="02020603050405020304" pitchFamily="18" charset="0"/>
-                <a:cs typeface="Times New Roman" panose="02020603050405020304" pitchFamily="18" charset="0"/>
-              </a:rPr>
-              <a:t>A spatial auto-regression was proposed to automatically predict urban high-risk crime areas and crime trends</a:t>
-            </a:r>
-            <a:r>
-              <a:rPr lang="en-US" sz="2500" dirty="0">
-                <a:effectLst/>
-                <a:latin typeface="Times New Roman" panose="02020603050405020304" pitchFamily="18" charset="0"/>
-                <a:cs typeface="Times New Roman" panose="02020603050405020304" pitchFamily="18" charset="0"/>
-              </a:rPr>
-              <a:t>.</a:t>
-            </a:r>
-          </a:p>
-          <a:p>
-            <a:pPr marL="971550" lvl="1" indent="-457200"/>
-            <a:r>
-              <a:rPr lang="en-US" sz="2100" dirty="0">
-                <a:latin typeface="Times New Roman" panose="02020603050405020304" pitchFamily="18" charset="0"/>
-                <a:cs typeface="Times New Roman" panose="02020603050405020304" pitchFamily="18" charset="0"/>
-              </a:rPr>
-              <a:t>Crime data of Chicago for the period 2014-2016</a:t>
-            </a:r>
-          </a:p>
-          <a:p>
-            <a:pPr marL="971550" lvl="1" indent="-457200"/>
-            <a:r>
-              <a:rPr lang="en-US" sz="2100" dirty="0">
-                <a:effectLst/>
-                <a:latin typeface="Times New Roman" panose="02020603050405020304" pitchFamily="18" charset="0"/>
-                <a:cs typeface="Times New Roman" panose="02020603050405020304" pitchFamily="18" charset="0"/>
-              </a:rPr>
-              <a:t>8.7-11.9% MAPE (Mean Absolute Percentage Error)</a:t>
-            </a:r>
-          </a:p>
-          <a:p>
-            <a:pPr marL="971550" lvl="1" indent="-457200"/>
-            <a:r>
-              <a:rPr lang="en-US" sz="2100" dirty="0">
-                <a:latin typeface="Times New Roman" panose="02020603050405020304" pitchFamily="18" charset="0"/>
-                <a:cs typeface="Times New Roman" panose="02020603050405020304" pitchFamily="18" charset="0"/>
-              </a:rPr>
-              <a:t>5 different machine learning algorithms</a:t>
-            </a:r>
-          </a:p>
-          <a:p>
-            <a:pPr marL="971550" lvl="1" indent="-457200"/>
-            <a:r>
-              <a:rPr lang="en-US" sz="2100" dirty="0">
-                <a:effectLst/>
-                <a:latin typeface="Times New Roman" panose="02020603050405020304" pitchFamily="18" charset="0"/>
-                <a:cs typeface="Times New Roman" panose="02020603050405020304" pitchFamily="18" charset="0"/>
-              </a:rPr>
-              <a:t>Type of crimes, specific times and places</a:t>
-            </a:r>
-          </a:p>
-          <a:p>
-            <a:pPr marL="971550" lvl="1" indent="-457200"/>
-            <a:r>
-              <a:rPr lang="en-US" sz="2100" dirty="0">
-                <a:latin typeface="Times New Roman" panose="02020603050405020304" pitchFamily="18" charset="0"/>
-                <a:cs typeface="Times New Roman" panose="02020603050405020304" pitchFamily="18" charset="0"/>
-              </a:rPr>
-              <a:t>Decision tree model – </a:t>
-            </a:r>
-            <a:r>
-              <a:rPr lang="en-US" sz="2100" b="1" dirty="0">
-                <a:latin typeface="Times New Roman" panose="02020603050405020304" pitchFamily="18" charset="0"/>
-                <a:cs typeface="Times New Roman" panose="02020603050405020304" pitchFamily="18" charset="0"/>
-              </a:rPr>
-              <a:t>accuracy of 99.88%</a:t>
-            </a:r>
-          </a:p>
-          <a:p>
-            <a:pPr marL="457200"/>
-            <a:r>
-              <a:rPr lang="en-US" sz="2500" dirty="0">
-                <a:latin typeface="Times New Roman" panose="02020603050405020304" pitchFamily="18" charset="0"/>
-                <a:cs typeface="Times New Roman" panose="02020603050405020304" pitchFamily="18" charset="0"/>
-              </a:rPr>
-              <a:t>Crime events analyzed in YD</a:t>
-            </a:r>
-          </a:p>
-          <a:p>
-            <a:pPr marL="857250" lvl="1"/>
-            <a:r>
-              <a:rPr lang="en-US" sz="2100" dirty="0">
-                <a:latin typeface="Times New Roman" panose="02020603050405020304" pitchFamily="18" charset="0"/>
-                <a:cs typeface="Times New Roman" panose="02020603050405020304" pitchFamily="18" charset="0"/>
-              </a:rPr>
-              <a:t>Period: 2012-2015</a:t>
-            </a:r>
-          </a:p>
-          <a:p>
-            <a:pPr marL="857250" lvl="1"/>
-            <a:r>
-              <a:rPr lang="en-US" sz="2100" dirty="0">
-                <a:latin typeface="Times New Roman" panose="02020603050405020304" pitchFamily="18" charset="0"/>
-                <a:cs typeface="Times New Roman" panose="02020603050405020304" pitchFamily="18" charset="0"/>
-              </a:rPr>
-              <a:t>Prediction models: Bayesian networks, random trees, and neural networks</a:t>
-            </a:r>
-          </a:p>
-          <a:p>
-            <a:pPr marL="857250" lvl="1"/>
-            <a:r>
-              <a:rPr lang="en-US" sz="2100" dirty="0">
-                <a:latin typeface="Times New Roman" panose="02020603050405020304" pitchFamily="18" charset="0"/>
-                <a:cs typeface="Times New Roman" panose="02020603050405020304" pitchFamily="18" charset="0"/>
-              </a:rPr>
-              <a:t>Random trees – </a:t>
-            </a:r>
-            <a:r>
-              <a:rPr lang="en-US" sz="2100" b="1" dirty="0">
-                <a:latin typeface="Times New Roman" panose="02020603050405020304" pitchFamily="18" charset="0"/>
-                <a:cs typeface="Times New Roman" panose="02020603050405020304" pitchFamily="18" charset="0"/>
-              </a:rPr>
-              <a:t>accuracy of 97.4%</a:t>
-            </a:r>
-            <a:br>
-              <a:rPr lang="en-US" sz="2100" dirty="0">
-                <a:latin typeface="Times New Roman" panose="02020603050405020304" pitchFamily="18" charset="0"/>
-                <a:cs typeface="Times New Roman" panose="02020603050405020304" pitchFamily="18" charset="0"/>
-              </a:rPr>
-            </a:br>
-            <a:endParaRPr lang="en-US" sz="2100" dirty="0">
+            <a:endParaRPr lang="en-US" altLang="en-US" sz="2200" dirty="0">
               <a:latin typeface="Times New Roman" panose="02020603050405020304" pitchFamily="18" charset="0"/>
               <a:cs typeface="Times New Roman" panose="02020603050405020304" pitchFamily="18" charset="0"/>
             </a:endParaRPr>
           </a:p>
           <a:p>
-            <a:pPr marL="971550" lvl="1" indent="-457200"/>
-            <a:endParaRPr lang="en-US" sz="2100" dirty="0">
-              <a:effectLst/>
+            <a:pPr marL="571500" indent="-457200"/>
+            <a:endParaRPr lang="en-US" altLang="en-US" sz="2200" dirty="0">
+              <a:latin typeface="Times New Roman" panose="02020603050405020304" pitchFamily="18" charset="0"/>
+              <a:cs typeface="Times New Roman" panose="02020603050405020304" pitchFamily="18" charset="0"/>
+            </a:endParaRPr>
+          </a:p>
+          <a:p>
+            <a:pPr marL="457200"/>
+            <a:r>
+              <a:rPr lang="en-US" sz="2200" dirty="0"/>
+              <a:t>A computer experiment using an artificial neural network was conducted to simulate predictive learning in an automobile development case. </a:t>
+            </a:r>
+          </a:p>
+          <a:p>
+            <a:pPr marL="571500" indent="-457200"/>
+            <a:endParaRPr lang="en-US" altLang="en-US" sz="2200" dirty="0">
               <a:latin typeface="Times New Roman" panose="02020603050405020304" pitchFamily="18" charset="0"/>
               <a:cs typeface="Times New Roman" panose="02020603050405020304" pitchFamily="18" charset="0"/>
             </a:endParaRPr>
@@ -13210,7 +10304,7 @@
         </p:nvSpPr>
         <p:spPr>
           <a:xfrm>
-            <a:off x="755650" y="304800"/>
+            <a:off x="744537" y="304800"/>
             <a:ext cx="8285163" cy="863600"/>
           </a:xfrm>
         </p:spPr>
@@ -13220,7 +10314,7 @@
           <a:p>
             <a:r>
               <a:rPr lang="en-US" sz="3500" dirty="0"/>
-              <a:t>Research background</a:t>
+              <a:t>Method</a:t>
             </a:r>
             <a:endParaRPr lang="en-US" altLang="en-US" sz="3500" dirty="0"/>
           </a:p>
@@ -13229,7 +10323,7 @@
     </p:spTree>
     <p:extLst>
       <p:ext uri="{BB962C8B-B14F-4D97-AF65-F5344CB8AC3E}">
-        <p14:creationId xmlns:p14="http://schemas.microsoft.com/office/powerpoint/2010/main" val="4171257219"/>
+        <p14:creationId xmlns:p14="http://schemas.microsoft.com/office/powerpoint/2010/main" val="3813132534"/>
       </p:ext>
     </p:extLst>
   </p:cSld>
@@ -13277,7 +10371,7 @@
         </p:nvSpPr>
         <p:spPr>
           <a:xfrm>
-            <a:off x="609600" y="1371600"/>
+            <a:off x="755650" y="1304926"/>
             <a:ext cx="8262938" cy="5256212"/>
           </a:xfrm>
         </p:spPr>
@@ -13285,105 +10379,84 @@
           <a:bodyPr/>
           <a:lstStyle/>
           <a:p>
-            <a:pPr marL="571500" indent="-457200"/>
-            <a:r>
-              <a:rPr lang="en-US" altLang="en-US" sz="2500" dirty="0">
-                <a:latin typeface="Times New Roman" panose="02020603050405020304" pitchFamily="18" charset="0"/>
-                <a:cs typeface="Times New Roman" panose="02020603050405020304" pitchFamily="18" charset="0"/>
-              </a:rPr>
-              <a:t>Problems with traditional approach</a:t>
-            </a:r>
-          </a:p>
-          <a:p>
             <a:pPr marL="971550" lvl="1" indent="-457200"/>
             <a:r>
-              <a:rPr lang="en-US" altLang="en-US" sz="1800" dirty="0">
-                <a:latin typeface="Times New Roman" panose="02020603050405020304" pitchFamily="18" charset="0"/>
-                <a:cs typeface="Times New Roman" panose="02020603050405020304" pitchFamily="18" charset="0"/>
-              </a:rPr>
-              <a:t>good for prediction on long time</a:t>
+              <a:rPr lang="en-US" sz="2200" dirty="0"/>
+              <a:t>The expression fuzzy front end (FFE) was coined by </a:t>
+            </a:r>
+            <a:r>
+              <a:rPr lang="en-US" sz="2200" dirty="0" err="1"/>
+              <a:t>Reinertsen</a:t>
+            </a:r>
+            <a:r>
+              <a:rPr lang="en-US" sz="2200" dirty="0"/>
+              <a:t> in 1985 </a:t>
             </a:r>
           </a:p>
           <a:p>
             <a:pPr marL="971550" lvl="1" indent="-457200"/>
             <a:r>
-              <a:rPr lang="en-US" altLang="en-US" sz="1800" dirty="0">
-                <a:latin typeface="Times New Roman" panose="02020603050405020304" pitchFamily="18" charset="0"/>
-                <a:cs typeface="Times New Roman" panose="02020603050405020304" pitchFamily="18" charset="0"/>
-              </a:rPr>
-              <a:t>not suitable predictor when considered on monthly basis (doesn’t consider environmental factors)</a:t>
-            </a:r>
-          </a:p>
-          <a:p>
-            <a:pPr marL="571500" indent="-457200"/>
-            <a:r>
-              <a:rPr lang="en-US" altLang="en-US" sz="2500" dirty="0">
-                <a:latin typeface="Times New Roman" panose="02020603050405020304" pitchFamily="18" charset="0"/>
-                <a:cs typeface="Times New Roman" panose="02020603050405020304" pitchFamily="18" charset="0"/>
-              </a:rPr>
-              <a:t>Multiple regression</a:t>
-            </a:r>
-          </a:p>
-          <a:p>
-            <a:pPr marL="971550" lvl="1" indent="-457200"/>
-            <a:r>
-              <a:rPr lang="en-US" altLang="en-US" sz="1800" dirty="0">
-                <a:latin typeface="Times New Roman" panose="02020603050405020304" pitchFamily="18" charset="0"/>
-                <a:cs typeface="Times New Roman" panose="02020603050405020304" pitchFamily="18" charset="0"/>
-              </a:rPr>
-              <a:t>Rely on historical crime data</a:t>
-            </a:r>
-          </a:p>
-          <a:p>
-            <a:pPr marL="971550" lvl="1" indent="-457200"/>
-            <a:r>
-              <a:rPr lang="en-US" altLang="en-US" sz="1800" dirty="0">
-                <a:latin typeface="Times New Roman" panose="02020603050405020304" pitchFamily="18" charset="0"/>
-                <a:cs typeface="Times New Roman" panose="02020603050405020304" pitchFamily="18" charset="0"/>
-              </a:rPr>
-              <a:t>Problems in crime incidence prediction</a:t>
-            </a:r>
-          </a:p>
-          <a:p>
-            <a:pPr marL="971550" lvl="1" indent="-457200"/>
-            <a:r>
-              <a:rPr lang="en-US" altLang="en-US" sz="1800" dirty="0">
-                <a:latin typeface="Times New Roman" panose="02020603050405020304" pitchFamily="18" charset="0"/>
-                <a:cs typeface="Times New Roman" panose="02020603050405020304" pitchFamily="18" charset="0"/>
-              </a:rPr>
-              <a:t>Difficulties in detecting nonlinear relationships, redundancy and dependencies between multiple data sets</a:t>
-            </a:r>
-          </a:p>
-          <a:p>
-            <a:pPr marL="571500" indent="-457200"/>
-            <a:r>
-              <a:rPr lang="en-US" altLang="en-US" sz="2500" dirty="0">
-                <a:latin typeface="Times New Roman" panose="02020603050405020304" pitchFamily="18" charset="0"/>
-                <a:cs typeface="Times New Roman" panose="02020603050405020304" pitchFamily="18" charset="0"/>
-              </a:rPr>
-              <a:t>RNN (Recurrent) and CNN(Convolutional)</a:t>
-            </a:r>
-          </a:p>
-          <a:p>
-            <a:pPr marL="971550" lvl="1" indent="-457200"/>
-            <a:r>
-              <a:rPr lang="en-US" sz="1800" b="0" i="0" u="none" strike="noStrike" baseline="0" dirty="0">
-                <a:latin typeface="Times New Roman" panose="02020603050405020304" pitchFamily="18" charset="0"/>
-                <a:cs typeface="Times New Roman" panose="02020603050405020304" pitchFamily="18" charset="0"/>
-              </a:rPr>
-              <a:t>for the aid given to the designer, the architect is concerned with the environmental security as the security in the planning area over a long period of time rather than the crime rate at a specific time in the future;</a:t>
-            </a:r>
-            <a:endParaRPr lang="en-US" altLang="en-US" sz="1800" dirty="0">
-              <a:latin typeface="Times New Roman" panose="02020603050405020304" pitchFamily="18" charset="0"/>
-              <a:cs typeface="Times New Roman" panose="02020603050405020304" pitchFamily="18" charset="0"/>
-            </a:endParaRPr>
-          </a:p>
-          <a:p>
-            <a:pPr marL="971550" lvl="1" indent="-457200"/>
-            <a:endParaRPr lang="en-US" altLang="en-US" sz="1700" dirty="0">
-              <a:latin typeface="Times New Roman" panose="02020603050405020304" pitchFamily="18" charset="0"/>
-              <a:cs typeface="Times New Roman" panose="02020603050405020304" pitchFamily="18" charset="0"/>
-            </a:endParaRPr>
+              <a:rPr lang="en-US" sz="2200" dirty="0"/>
+              <a:t>How to improve betting in project?</a:t>
+            </a:r>
+          </a:p>
+          <a:p>
+            <a:pPr marL="1371600" lvl="2" indent="-457200"/>
+            <a:r>
+              <a:rPr lang="en-US" sz="2200" b="1" dirty="0"/>
+              <a:t>EV</a:t>
+            </a:r>
+            <a:r>
+              <a:rPr lang="en-US" sz="2200" dirty="0"/>
+              <a:t> – expected value</a:t>
+            </a:r>
+          </a:p>
+          <a:p>
+            <a:pPr marL="1371600" lvl="2" indent="-457200"/>
+            <a:r>
+              <a:rPr lang="en-US" sz="2200" b="1" dirty="0"/>
+              <a:t>p</a:t>
+            </a:r>
+            <a:r>
+              <a:rPr lang="en-US" sz="2200" dirty="0"/>
+              <a:t> – probability of success</a:t>
+            </a:r>
+          </a:p>
+          <a:p>
+            <a:pPr marL="1371600" lvl="2" indent="-457200"/>
+            <a:r>
+              <a:rPr lang="en-US" sz="2200" b="1" dirty="0"/>
+              <a:t>U</a:t>
+            </a:r>
+            <a:r>
+              <a:rPr lang="en-US" sz="2200" dirty="0"/>
+              <a:t> – upside of success</a:t>
+            </a:r>
+          </a:p>
+          <a:p>
+            <a:pPr marL="1828800" lvl="3" indent="-457200"/>
+            <a:r>
+              <a:rPr lang="en-US" sz="2200" dirty="0"/>
+              <a:t>Can increase by augmenting customer value (customer learning)</a:t>
+            </a:r>
+          </a:p>
+          <a:p>
+            <a:pPr marL="1371600" lvl="2" indent="-457200"/>
+            <a:r>
+              <a:rPr lang="en-US" sz="2200" b="1" dirty="0"/>
+              <a:t>D</a:t>
+            </a:r>
+            <a:r>
+              <a:rPr lang="en-US" sz="2200" dirty="0"/>
+              <a:t> – downside of failure</a:t>
+            </a:r>
+          </a:p>
+          <a:p>
+            <a:pPr marL="1828800" lvl="3" indent="-457200"/>
+            <a:r>
+              <a:rPr lang="en-US" sz="2200" dirty="0"/>
+              <a:t>Reducing uncertainty, getting better information about possible outcomes from existing information</a:t>
+            </a:r>
           </a:p>
         </p:txBody>
       </p:sp>
@@ -13405,7 +10478,7 @@
         </p:nvSpPr>
         <p:spPr>
           <a:xfrm>
-            <a:off x="768350" y="381000"/>
+            <a:off x="755650" y="304800"/>
             <a:ext cx="8285163" cy="863600"/>
           </a:xfrm>
         </p:spPr>
@@ -13414,19 +10487,47 @@
           <a:lstStyle/>
           <a:p>
             <a:r>
-              <a:rPr lang="en-US" sz="3500" b="0" u="none" strike="noStrike" baseline="0" dirty="0">
-                <a:latin typeface="CharisSIL-Italic"/>
-              </a:rPr>
-              <a:t>Problem statement</a:t>
+              <a:rPr lang="en-US" sz="3500" dirty="0"/>
+              <a:t>Theorical background</a:t>
             </a:r>
             <a:endParaRPr lang="en-US" altLang="en-US" sz="3500" dirty="0"/>
           </a:p>
         </p:txBody>
       </p:sp>
+      <p:pic>
+        <p:nvPicPr>
+          <p:cNvPr id="2" name="Picture 1">
+            <a:extLst>
+              <a:ext uri="{FF2B5EF4-FFF2-40B4-BE49-F238E27FC236}">
+                <a16:creationId xmlns:a16="http://schemas.microsoft.com/office/drawing/2014/main" id="{A0572F5A-45F0-E11B-5928-1A0241F84941}"/>
+              </a:ext>
+            </a:extLst>
+          </p:cNvPr>
+          <p:cNvPicPr>
+            <a:picLocks noChangeAspect="1"/>
+          </p:cNvPicPr>
+          <p:nvPr/>
+        </p:nvPicPr>
+        <p:blipFill>
+          <a:blip r:embed="rId2"/>
+          <a:stretch>
+            <a:fillRect/>
+          </a:stretch>
+        </p:blipFill>
+        <p:spPr>
+          <a:xfrm>
+            <a:off x="2978150" y="5867400"/>
+            <a:ext cx="3187700" cy="419100"/>
+          </a:xfrm>
+          <a:prstGeom prst="rect">
+            <a:avLst/>
+          </a:prstGeom>
+        </p:spPr>
+      </p:pic>
     </p:spTree>
     <p:extLst>
       <p:ext uri="{BB962C8B-B14F-4D97-AF65-F5344CB8AC3E}">
-        <p14:creationId xmlns:p14="http://schemas.microsoft.com/office/powerpoint/2010/main" val="1599342506"/>
+        <p14:creationId xmlns:p14="http://schemas.microsoft.com/office/powerpoint/2010/main" val="4171257219"/>
       </p:ext>
     </p:extLst>
   </p:cSld>
@@ -13474,7 +10575,7 @@
         </p:nvSpPr>
         <p:spPr>
           <a:xfrm>
-            <a:off x="609600" y="1371600"/>
+            <a:off x="755650" y="1304926"/>
             <a:ext cx="8262938" cy="5256212"/>
           </a:xfrm>
         </p:spPr>
@@ -13482,94 +10583,38 @@
           <a:bodyPr/>
           <a:lstStyle/>
           <a:p>
-            <a:pPr marL="400050"/>
-            <a:r>
-              <a:rPr lang="en-US" altLang="en-US" sz="2100" dirty="0">
-                <a:latin typeface="Times New Roman" panose="02020603050405020304" pitchFamily="18" charset="0"/>
-                <a:cs typeface="Times New Roman" panose="02020603050405020304" pitchFamily="18" charset="0"/>
-              </a:rPr>
-              <a:t>Generative model for predicting the city’s crime hotspot map</a:t>
-            </a:r>
-          </a:p>
-          <a:p>
-            <a:pPr marL="800100" lvl="1"/>
-            <a:r>
-              <a:rPr lang="en-US" altLang="en-US" sz="2000" dirty="0">
-                <a:latin typeface="Times New Roman" panose="02020603050405020304" pitchFamily="18" charset="0"/>
-                <a:cs typeface="Times New Roman" panose="02020603050405020304" pitchFamily="18" charset="0"/>
-              </a:rPr>
-              <a:t>Stylize a city map of Philadelphia</a:t>
-            </a:r>
-          </a:p>
-          <a:p>
-            <a:pPr marL="800100" lvl="1"/>
-            <a:r>
-              <a:rPr lang="en-US" altLang="en-US" sz="2000" dirty="0">
-                <a:latin typeface="Times New Roman" panose="02020603050405020304" pitchFamily="18" charset="0"/>
-                <a:cs typeface="Times New Roman" panose="02020603050405020304" pitchFamily="18" charset="0"/>
-              </a:rPr>
-              <a:t>Collect latitude and longitude data of crime (from the government)</a:t>
-            </a:r>
-          </a:p>
-          <a:p>
-            <a:pPr marL="800100" lvl="1"/>
-            <a:r>
-              <a:rPr lang="en-US" altLang="en-US" sz="2000" dirty="0">
-                <a:latin typeface="Times New Roman" panose="02020603050405020304" pitchFamily="18" charset="0"/>
-                <a:cs typeface="Times New Roman" panose="02020603050405020304" pitchFamily="18" charset="0"/>
-              </a:rPr>
-              <a:t>Combine big data of crime information with the city map</a:t>
-            </a:r>
-          </a:p>
-          <a:p>
-            <a:pPr marL="800100" lvl="1"/>
-            <a:r>
-              <a:rPr lang="en-US" altLang="en-US" sz="2000" dirty="0">
-                <a:latin typeface="Times New Roman" panose="02020603050405020304" pitchFamily="18" charset="0"/>
-                <a:cs typeface="Times New Roman" panose="02020603050405020304" pitchFamily="18" charset="0"/>
-              </a:rPr>
-              <a:t>Train and generate a GAN model</a:t>
-            </a:r>
-          </a:p>
-          <a:p>
-            <a:pPr marL="800100" lvl="1"/>
-            <a:r>
-              <a:rPr lang="en-US" altLang="en-US" sz="2000" dirty="0">
-                <a:latin typeface="Times New Roman" panose="02020603050405020304" pitchFamily="18" charset="0"/>
-                <a:cs typeface="Times New Roman" panose="02020603050405020304" pitchFamily="18" charset="0"/>
-              </a:rPr>
-              <a:t>Both general users and planners can visualize and predict the crime rate by computer</a:t>
-            </a:r>
-          </a:p>
-          <a:p>
-            <a:pPr marL="400050"/>
-            <a:r>
-              <a:rPr lang="en-US" altLang="en-US" sz="2400" dirty="0">
-                <a:latin typeface="Times New Roman" panose="02020603050405020304" pitchFamily="18" charset="0"/>
-                <a:cs typeface="Times New Roman" panose="02020603050405020304" pitchFamily="18" charset="0"/>
-              </a:rPr>
-              <a:t>Use crime heat map for city planning and building</a:t>
-            </a:r>
-          </a:p>
-          <a:p>
-            <a:pPr marL="400050"/>
-            <a:r>
-              <a:rPr lang="en-US" altLang="en-US" sz="2400" dirty="0">
-                <a:latin typeface="Times New Roman" panose="02020603050405020304" pitchFamily="18" charset="0"/>
-                <a:cs typeface="Times New Roman" panose="02020603050405020304" pitchFamily="18" charset="0"/>
-              </a:rPr>
-              <a:t>Use neural-network model to determine that this map effected to reduce the crime rate or not</a:t>
-            </a:r>
-          </a:p>
-          <a:p>
-            <a:pPr marL="400050"/>
-            <a:r>
-              <a:rPr lang="en-US" altLang="en-US" sz="2400" dirty="0">
-                <a:latin typeface="Times New Roman" panose="02020603050405020304" pitchFamily="18" charset="0"/>
-                <a:cs typeface="Times New Roman" panose="02020603050405020304" pitchFamily="18" charset="0"/>
-              </a:rPr>
-              <a:t>This study focuses more on the crime situation in pre-designed areas to provide suggestions to improve the design.</a:t>
-            </a:r>
+            <a:r>
+              <a:rPr lang="en-US" sz="2200" dirty="0"/>
+              <a:t>Companies tend to stick to traditional methods, such as internal data (e.g. sales reports), external reports (from consulting, technical associations etc.) (Geyer survey)</a:t>
+            </a:r>
+          </a:p>
+          <a:p>
+            <a:endParaRPr lang="en-US" sz="2200" dirty="0"/>
+          </a:p>
+          <a:p>
+            <a:r>
+              <a:rPr lang="en-US" sz="2200" dirty="0"/>
+              <a:t>Most companies do not have a clear understanding of customer needs. However, success in the marketplace depends on how well the product concept matches customer value. </a:t>
+            </a:r>
+          </a:p>
+          <a:p>
+            <a:endParaRPr lang="en-US" sz="2200" dirty="0"/>
+          </a:p>
+          <a:p>
+            <a:r>
+              <a:rPr lang="en-US" sz="2200" dirty="0" err="1"/>
+              <a:t>Jetter</a:t>
+            </a:r>
+            <a:r>
+              <a:rPr lang="en-US" sz="2200" dirty="0"/>
+              <a:t> also remarked companies relied on guessing instead of structured methods for handling the fuzzy front-end. The author accentuates a product concept will affect future customer experience not only at a still coming launch time but till the end of its disposal (a time span of about twenty years for some products, like automobiles). </a:t>
+            </a:r>
+          </a:p>
+          <a:p>
+            <a:endParaRPr lang="en-US" sz="2200" dirty="0"/>
+          </a:p>
+          <a:p>
+            <a:endParaRPr lang="en-US" sz="2200" dirty="0"/>
           </a:p>
         </p:txBody>
       </p:sp>
@@ -13591,7 +10636,7 @@
         </p:nvSpPr>
         <p:spPr>
           <a:xfrm>
-            <a:off x="768350" y="381000"/>
+            <a:off x="755650" y="304800"/>
             <a:ext cx="8285163" cy="863600"/>
           </a:xfrm>
         </p:spPr>
@@ -13600,10 +10645,8 @@
           <a:lstStyle/>
           <a:p>
             <a:r>
-              <a:rPr lang="en-US" altLang="en-US" sz="3500" dirty="0">
-                <a:latin typeface="CharisSIL-Italic"/>
-              </a:rPr>
-              <a:t>Objectives</a:t>
+              <a:rPr lang="en-US" sz="3500" dirty="0"/>
+              <a:t>Theorical background</a:t>
             </a:r>
             <a:endParaRPr lang="en-US" altLang="en-US" sz="3500" dirty="0"/>
           </a:p>
@@ -13612,7 +10655,7 @@
     </p:spTree>
     <p:extLst>
       <p:ext uri="{BB962C8B-B14F-4D97-AF65-F5344CB8AC3E}">
-        <p14:creationId xmlns:p14="http://schemas.microsoft.com/office/powerpoint/2010/main" val="1661656210"/>
+        <p14:creationId xmlns:p14="http://schemas.microsoft.com/office/powerpoint/2010/main" val="1429005573"/>
       </p:ext>
     </p:extLst>
   </p:cSld>
@@ -13644,6 +10687,127 @@
       </p:grpSpPr>
       <p:sp>
         <p:nvSpPr>
+          <p:cNvPr id="14338" name="Symbol zastępczy zawartości 1">
+            <a:extLst>
+              <a:ext uri="{FF2B5EF4-FFF2-40B4-BE49-F238E27FC236}">
+                <a16:creationId xmlns:a16="http://schemas.microsoft.com/office/drawing/2014/main" id="{56887BCD-F3D0-4546-A292-991E85A91EB2}"/>
+              </a:ext>
+            </a:extLst>
+          </p:cNvPr>
+          <p:cNvSpPr>
+            <a:spLocks noGrp="1"/>
+          </p:cNvSpPr>
+          <p:nvPr>
+            <p:ph sz="half" idx="1"/>
+          </p:nvPr>
+        </p:nvSpPr>
+        <p:spPr>
+          <a:xfrm>
+            <a:off x="755650" y="1304926"/>
+            <a:ext cx="8262938" cy="5256212"/>
+          </a:xfrm>
+        </p:spPr>
+        <p:txBody>
+          <a:bodyPr/>
+          <a:lstStyle/>
+          <a:p>
+            <a:pPr marL="857250" lvl="1" indent="-342900"/>
+            <a:r>
+              <a:rPr lang="en-US" sz="2000" b="1" dirty="0"/>
+              <a:t>System: </a:t>
+            </a:r>
+            <a:r>
+              <a:rPr lang="en-US" sz="2000" dirty="0"/>
+              <a:t>Set of elements – products, people, information, knowledge and other assets</a:t>
+            </a:r>
+          </a:p>
+          <a:p>
+            <a:pPr marL="857250" lvl="1" indent="-342900"/>
+            <a:r>
+              <a:rPr lang="en-US" sz="2000" b="1" dirty="0"/>
+              <a:t>Theory: </a:t>
+            </a:r>
+            <a:r>
+              <a:rPr lang="en-US" sz="2000" dirty="0"/>
+              <a:t>System of concepts integrated into propositions </a:t>
+            </a:r>
+          </a:p>
+          <a:p>
+            <a:pPr marL="857250" lvl="1" indent="-342900"/>
+            <a:r>
+              <a:rPr lang="en-US" sz="2000" b="1" dirty="0"/>
+              <a:t>System engineering: </a:t>
+            </a:r>
+            <a:r>
+              <a:rPr lang="en-US" sz="2000" dirty="0"/>
+              <a:t>a logical way of thinking design, operate and manage the system.</a:t>
+            </a:r>
+            <a:endParaRPr lang="en-US" sz="2000" b="1" dirty="0"/>
+          </a:p>
+          <a:p>
+            <a:pPr marL="857250" lvl="1" indent="-342900"/>
+            <a:r>
+              <a:rPr lang="en-US" sz="2000" b="1" dirty="0"/>
+              <a:t>Concept: </a:t>
+            </a:r>
+            <a:r>
+              <a:rPr lang="en-US" sz="2000" dirty="0"/>
+              <a:t>formally defined data and mapping of arguments into values and functions</a:t>
+            </a:r>
+          </a:p>
+          <a:p>
+            <a:pPr marL="857250" lvl="1" indent="-342900"/>
+            <a:r>
+              <a:rPr lang="en-US" sz="2000" b="1" dirty="0"/>
+              <a:t>Proposition: </a:t>
+            </a:r>
+            <a:r>
+              <a:rPr lang="en-US" sz="2000" dirty="0"/>
+              <a:t>explanation of concepts and how they are related</a:t>
+            </a:r>
+          </a:p>
+          <a:p>
+            <a:pPr marL="857250" lvl="1" indent="-342900"/>
+            <a:r>
+              <a:rPr lang="en-US" sz="2000" b="1" dirty="0"/>
+              <a:t>Information: </a:t>
+            </a:r>
+            <a:r>
+              <a:rPr lang="en-US" sz="2000" dirty="0"/>
+              <a:t>interpreted data</a:t>
+            </a:r>
+          </a:p>
+          <a:p>
+            <a:pPr marL="857250" lvl="1" indent="-342900"/>
+            <a:r>
+              <a:rPr lang="en-US" sz="2000" b="1" dirty="0"/>
+              <a:t>Knowledge:</a:t>
+            </a:r>
+            <a:r>
+              <a:rPr lang="en-US" sz="2000" dirty="0"/>
+              <a:t> information assimilated by person</a:t>
+            </a:r>
+          </a:p>
+          <a:p>
+            <a:pPr marL="857250" lvl="1" indent="-342900"/>
+            <a:r>
+              <a:rPr lang="en-US" sz="2000" b="1" dirty="0"/>
+              <a:t>Judgement: </a:t>
+            </a:r>
+            <a:r>
+              <a:rPr lang="en-US" sz="2000" dirty="0"/>
+              <a:t>process of determining payoffs of decisions in particular situations. </a:t>
+            </a:r>
+            <a:endParaRPr lang="en-US" sz="2000" b="1" dirty="0"/>
+          </a:p>
+          <a:p>
+            <a:pPr marL="857250" lvl="1" indent="-342900"/>
+            <a:endParaRPr lang="en-US" sz="2000" b="1" dirty="0"/>
+          </a:p>
+        </p:txBody>
+      </p:sp>
+      <p:sp>
+        <p:nvSpPr>
           <p:cNvPr id="14340" name="Symbol zastępczy tekstu 3">
             <a:extLst>
               <a:ext uri="{FF2B5EF4-FFF2-40B4-BE49-F238E27FC236}">
@@ -13660,7 +10824,7 @@
         </p:nvSpPr>
         <p:spPr>
           <a:xfrm>
-            <a:off x="768350" y="381000"/>
+            <a:off x="755650" y="304800"/>
             <a:ext cx="8285163" cy="863600"/>
           </a:xfrm>
         </p:spPr>
@@ -13669,49 +10833,17 @@
           <a:lstStyle/>
           <a:p>
             <a:r>
-              <a:rPr lang="en-US" altLang="en-US" sz="3500" dirty="0">
-                <a:latin typeface="CharisSIL-Italic"/>
-              </a:rPr>
-              <a:t>Objectives</a:t>
+              <a:rPr lang="en-US" sz="3500" dirty="0"/>
+              <a:t>Conceptual definitions</a:t>
             </a:r>
             <a:endParaRPr lang="en-US" altLang="en-US" sz="3500" dirty="0"/>
           </a:p>
         </p:txBody>
       </p:sp>
-      <p:pic>
-        <p:nvPicPr>
-          <p:cNvPr id="4" name="Picture 3">
-            <a:extLst>
-              <a:ext uri="{FF2B5EF4-FFF2-40B4-BE49-F238E27FC236}">
-                <a16:creationId xmlns:a16="http://schemas.microsoft.com/office/drawing/2014/main" id="{3241BF70-97CF-4C56-B70A-0FCE567CC5AF}"/>
-              </a:ext>
-            </a:extLst>
-          </p:cNvPr>
-          <p:cNvPicPr>
-            <a:picLocks noChangeAspect="1"/>
-          </p:cNvPicPr>
-          <p:nvPr/>
-        </p:nvPicPr>
-        <p:blipFill>
-          <a:blip r:embed="rId2"/>
-          <a:stretch>
-            <a:fillRect/>
-          </a:stretch>
-        </p:blipFill>
-        <p:spPr>
-          <a:xfrm>
-            <a:off x="1143000" y="1600200"/>
-            <a:ext cx="7599980" cy="4271963"/>
-          </a:xfrm>
-          <a:prstGeom prst="rect">
-            <a:avLst/>
-          </a:prstGeom>
-        </p:spPr>
-      </p:pic>
     </p:spTree>
     <p:extLst>
       <p:ext uri="{BB962C8B-B14F-4D97-AF65-F5344CB8AC3E}">
-        <p14:creationId xmlns:p14="http://schemas.microsoft.com/office/powerpoint/2010/main" val="1926844277"/>
+        <p14:creationId xmlns:p14="http://schemas.microsoft.com/office/powerpoint/2010/main" val="12024140"/>
       </p:ext>
     </p:extLst>
   </p:cSld>
@@ -13759,7 +10891,7 @@
         </p:nvSpPr>
         <p:spPr>
           <a:xfrm>
-            <a:off x="599792" y="2362200"/>
+            <a:off x="755650" y="1304926"/>
             <a:ext cx="8262938" cy="5256212"/>
           </a:xfrm>
         </p:spPr>
@@ -13767,59 +10899,82 @@
           <a:bodyPr/>
           <a:lstStyle/>
           <a:p>
-            <a:pPr marL="571500" indent="-457200"/>
-            <a:r>
-              <a:rPr lang="en-US" sz="3500" b="0" u="none" strike="noStrike" baseline="0" dirty="0">
-                <a:latin typeface="Times New Roman" panose="02020603050405020304" pitchFamily="18" charset="0"/>
-                <a:cs typeface="Times New Roman" panose="02020603050405020304" pitchFamily="18" charset="0"/>
-              </a:rPr>
-              <a:t>Generative adversarial network</a:t>
-            </a:r>
-          </a:p>
-          <a:p>
-            <a:pPr marL="571500" indent="-457200"/>
-            <a:r>
-              <a:rPr lang="en-US" sz="3500" b="0" u="none" strike="noStrike" baseline="0" dirty="0">
-                <a:latin typeface="Times New Roman" panose="02020603050405020304" pitchFamily="18" charset="0"/>
-                <a:cs typeface="Times New Roman" panose="02020603050405020304" pitchFamily="18" charset="0"/>
-              </a:rPr>
-              <a:t>The generation of crime heat map</a:t>
-            </a:r>
-            <a:endParaRPr lang="en-US" sz="3500" dirty="0">
-              <a:latin typeface="Times New Roman" panose="02020603050405020304" pitchFamily="18" charset="0"/>
-              <a:cs typeface="Times New Roman" panose="02020603050405020304" pitchFamily="18" charset="0"/>
-            </a:endParaRPr>
-          </a:p>
-          <a:p>
-            <a:pPr marL="571500" indent="-457200"/>
-            <a:r>
-              <a:rPr lang="en-US" sz="3500" b="0" u="none" strike="noStrike" baseline="0" dirty="0">
-                <a:latin typeface="Times New Roman" panose="02020603050405020304" pitchFamily="18" charset="0"/>
-                <a:cs typeface="Times New Roman" panose="02020603050405020304" pitchFamily="18" charset="0"/>
-              </a:rPr>
-              <a:t>The collection of city maps</a:t>
-            </a:r>
-          </a:p>
-          <a:p>
-            <a:pPr marL="571500" indent="-457200"/>
-            <a:r>
-              <a:rPr lang="en-US" sz="3500" b="0" u="none" strike="noStrike" baseline="0" dirty="0">
-                <a:latin typeface="Times New Roman" panose="02020603050405020304" pitchFamily="18" charset="0"/>
-                <a:cs typeface="Times New Roman" panose="02020603050405020304" pitchFamily="18" charset="0"/>
-              </a:rPr>
-              <a:t>Neural network trainings</a:t>
-            </a:r>
-            <a:endParaRPr lang="en-US" altLang="en-US" sz="3500" dirty="0">
-              <a:latin typeface="Times New Roman" panose="02020603050405020304" pitchFamily="18" charset="0"/>
-              <a:cs typeface="Times New Roman" panose="02020603050405020304" pitchFamily="18" charset="0"/>
-            </a:endParaRPr>
-          </a:p>
-          <a:p>
-            <a:pPr marL="571500" indent="-457200"/>
-            <a:endParaRPr lang="en-US" altLang="en-US" sz="3500" dirty="0">
-              <a:latin typeface="Times New Roman" panose="02020603050405020304" pitchFamily="18" charset="0"/>
-              <a:cs typeface="Times New Roman" panose="02020603050405020304" pitchFamily="18" charset="0"/>
-            </a:endParaRPr>
+            <a:pPr lvl="1"/>
+            <a:r>
+              <a:rPr lang="en-US" sz="2000" b="1" dirty="0"/>
+              <a:t>Prediction: </a:t>
+            </a:r>
+            <a:r>
+              <a:rPr lang="en-US" sz="2000" dirty="0"/>
+              <a:t>rigorous extrapolation of new information from existing information</a:t>
+            </a:r>
+          </a:p>
+          <a:p>
+            <a:pPr lvl="1"/>
+            <a:r>
+              <a:rPr lang="en-US" sz="2000" b="1" dirty="0"/>
+              <a:t>Simulation: </a:t>
+            </a:r>
+            <a:r>
+              <a:rPr lang="en-US" sz="2000" dirty="0"/>
+              <a:t>technique for understanding and predicting the </a:t>
+            </a:r>
+            <a:r>
+              <a:rPr lang="en-US" sz="2000" dirty="0" err="1"/>
+              <a:t>behaviour</a:t>
+            </a:r>
+            <a:r>
+              <a:rPr lang="en-US" sz="2000" dirty="0"/>
+              <a:t> of a system </a:t>
+            </a:r>
+          </a:p>
+          <a:p>
+            <a:pPr lvl="1"/>
+            <a:r>
+              <a:rPr lang="en-US" sz="2000" b="1" dirty="0"/>
+              <a:t>Learning</a:t>
+            </a:r>
+            <a:r>
+              <a:rPr lang="en-US" sz="2000" dirty="0"/>
+              <a:t>: reduction in the gap between needed and available knowledge</a:t>
+            </a:r>
+          </a:p>
+          <a:p>
+            <a:pPr lvl="1"/>
+            <a:r>
+              <a:rPr lang="en-US" sz="2000" b="1" dirty="0"/>
+              <a:t>Supervised statistical learning: </a:t>
+            </a:r>
+            <a:r>
+              <a:rPr lang="en-US" sz="2000" dirty="0"/>
+              <a:t>building statistical models for prediction, based on examples</a:t>
+            </a:r>
+          </a:p>
+          <a:p>
+            <a:pPr lvl="1"/>
+            <a:r>
+              <a:rPr lang="en-US" sz="2000" b="1" dirty="0"/>
+              <a:t>Value:</a:t>
+            </a:r>
+            <a:r>
+              <a:rPr lang="en-US" sz="2000" dirty="0"/>
+              <a:t> capability to satisfy a stakeholder’s need, created by the interaction of system elements in addition to their individual contributions </a:t>
+            </a:r>
+          </a:p>
+          <a:p>
+            <a:pPr lvl="1"/>
+            <a:r>
+              <a:rPr lang="en-US" sz="2000" b="1" dirty="0"/>
+              <a:t>Product development</a:t>
+            </a:r>
+            <a:r>
+              <a:rPr lang="en-US" sz="2000" dirty="0"/>
+              <a:t>: process of transforming market and technology data into information that reduces uncertainty about customer needs, competition and technology, raising the likelihood of success </a:t>
+            </a:r>
+          </a:p>
+          <a:p>
+            <a:pPr marL="857250" lvl="1" indent="-342900"/>
+            <a:endParaRPr lang="en-US" sz="2000" b="1" dirty="0"/>
           </a:p>
         </p:txBody>
       </p:sp>
@@ -13841,7 +10996,7 @@
         </p:nvSpPr>
         <p:spPr>
           <a:xfrm>
-            <a:off x="755650" y="620713"/>
+            <a:off x="755650" y="304800"/>
             <a:ext cx="8285163" cy="863600"/>
           </a:xfrm>
         </p:spPr>
@@ -13850,23 +11005,17 @@
           <a:lstStyle/>
           <a:p>
             <a:r>
-              <a:rPr lang="en-US" sz="4500" b="1" i="0" u="none" strike="noStrike" baseline="0" dirty="0">
-                <a:latin typeface="Times New Roman" panose="02020603050405020304" pitchFamily="18" charset="0"/>
-                <a:cs typeface="Times New Roman" panose="02020603050405020304" pitchFamily="18" charset="0"/>
-              </a:rPr>
-              <a:t>Methodology (Scope of the work)</a:t>
-            </a:r>
-            <a:endParaRPr lang="en-US" altLang="en-US" sz="4500" dirty="0">
-              <a:latin typeface="Times New Roman" panose="02020603050405020304" pitchFamily="18" charset="0"/>
-              <a:cs typeface="Times New Roman" panose="02020603050405020304" pitchFamily="18" charset="0"/>
-            </a:endParaRPr>
+              <a:rPr lang="en-US" sz="3500" dirty="0"/>
+              <a:t>Conceptual definitions</a:t>
+            </a:r>
+            <a:endParaRPr lang="en-US" altLang="en-US" sz="3500" dirty="0"/>
           </a:p>
         </p:txBody>
       </p:sp>
     </p:spTree>
     <p:extLst>
       <p:ext uri="{BB962C8B-B14F-4D97-AF65-F5344CB8AC3E}">
-        <p14:creationId xmlns:p14="http://schemas.microsoft.com/office/powerpoint/2010/main" val="3045591513"/>
+        <p14:creationId xmlns:p14="http://schemas.microsoft.com/office/powerpoint/2010/main" val="1725553964"/>
       </p:ext>
     </p:extLst>
   </p:cSld>
